--- a/Documentation/User Stories.pptx
+++ b/Documentation/User Stories.pptx
@@ -320,7 +320,7 @@
           <a:p>
             <a:fld id="{1585DAA5-6BE2-467A-90B2-00E985D86198}" type="datetimeFigureOut">
               <a:rPr lang="en-AU" smtClean="0"/>
-              <a:t>8/08/2012</a:t>
+              <a:t>10/08/2012</a:t>
             </a:fld>
             <a:endParaRPr lang="en-AU"/>
           </a:p>
@@ -485,7 +485,7 @@
           <a:p>
             <a:fld id="{1585DAA5-6BE2-467A-90B2-00E985D86198}" type="datetimeFigureOut">
               <a:rPr lang="en-AU" smtClean="0"/>
-              <a:t>8/08/2012</a:t>
+              <a:t>10/08/2012</a:t>
             </a:fld>
             <a:endParaRPr lang="en-AU"/>
           </a:p>
@@ -660,7 +660,7 @@
           <a:p>
             <a:fld id="{1585DAA5-6BE2-467A-90B2-00E985D86198}" type="datetimeFigureOut">
               <a:rPr lang="en-AU" smtClean="0"/>
-              <a:t>8/08/2012</a:t>
+              <a:t>10/08/2012</a:t>
             </a:fld>
             <a:endParaRPr lang="en-AU"/>
           </a:p>
@@ -825,7 +825,7 @@
           <a:p>
             <a:fld id="{1585DAA5-6BE2-467A-90B2-00E985D86198}" type="datetimeFigureOut">
               <a:rPr lang="en-AU" smtClean="0"/>
-              <a:t>8/08/2012</a:t>
+              <a:t>10/08/2012</a:t>
             </a:fld>
             <a:endParaRPr lang="en-AU"/>
           </a:p>
@@ -1066,7 +1066,7 @@
           <a:p>
             <a:fld id="{1585DAA5-6BE2-467A-90B2-00E985D86198}" type="datetimeFigureOut">
               <a:rPr lang="en-AU" smtClean="0"/>
-              <a:t>8/08/2012</a:t>
+              <a:t>10/08/2012</a:t>
             </a:fld>
             <a:endParaRPr lang="en-AU"/>
           </a:p>
@@ -1349,7 +1349,7 @@
           <a:p>
             <a:fld id="{1585DAA5-6BE2-467A-90B2-00E985D86198}" type="datetimeFigureOut">
               <a:rPr lang="en-AU" smtClean="0"/>
-              <a:t>8/08/2012</a:t>
+              <a:t>10/08/2012</a:t>
             </a:fld>
             <a:endParaRPr lang="en-AU"/>
           </a:p>
@@ -1766,7 +1766,7 @@
           <a:p>
             <a:fld id="{1585DAA5-6BE2-467A-90B2-00E985D86198}" type="datetimeFigureOut">
               <a:rPr lang="en-AU" smtClean="0"/>
-              <a:t>8/08/2012</a:t>
+              <a:t>10/08/2012</a:t>
             </a:fld>
             <a:endParaRPr lang="en-AU"/>
           </a:p>
@@ -1879,7 +1879,7 @@
           <a:p>
             <a:fld id="{1585DAA5-6BE2-467A-90B2-00E985D86198}" type="datetimeFigureOut">
               <a:rPr lang="en-AU" smtClean="0"/>
-              <a:t>8/08/2012</a:t>
+              <a:t>10/08/2012</a:t>
             </a:fld>
             <a:endParaRPr lang="en-AU"/>
           </a:p>
@@ -1969,7 +1969,7 @@
           <a:p>
             <a:fld id="{1585DAA5-6BE2-467A-90B2-00E985D86198}" type="datetimeFigureOut">
               <a:rPr lang="en-AU" smtClean="0"/>
-              <a:t>8/08/2012</a:t>
+              <a:t>10/08/2012</a:t>
             </a:fld>
             <a:endParaRPr lang="en-AU"/>
           </a:p>
@@ -2241,7 +2241,7 @@
           <a:p>
             <a:fld id="{1585DAA5-6BE2-467A-90B2-00E985D86198}" type="datetimeFigureOut">
               <a:rPr lang="en-AU" smtClean="0"/>
-              <a:t>8/08/2012</a:t>
+              <a:t>10/08/2012</a:t>
             </a:fld>
             <a:endParaRPr lang="en-AU"/>
           </a:p>
@@ -2489,7 +2489,7 @@
           <a:p>
             <a:fld id="{1585DAA5-6BE2-467A-90B2-00E985D86198}" type="datetimeFigureOut">
               <a:rPr lang="en-AU" smtClean="0"/>
-              <a:t>8/08/2012</a:t>
+              <a:t>10/08/2012</a:t>
             </a:fld>
             <a:endParaRPr lang="en-AU"/>
           </a:p>
@@ -2697,7 +2697,7 @@
           <a:p>
             <a:fld id="{1585DAA5-6BE2-467A-90B2-00E985D86198}" type="datetimeFigureOut">
               <a:rPr lang="en-AU" smtClean="0"/>
-              <a:t>8/08/2012</a:t>
+              <a:t>10/08/2012</a:t>
             </a:fld>
             <a:endParaRPr lang="en-AU"/>
           </a:p>
@@ -3177,7 +3177,7 @@
             <a:pPr algn="ctr"/>
             <a:r>
               <a:rPr lang="en-AU" sz="2800" dirty="0" smtClean="0"/>
-              <a:t>Potential Investor</a:t>
+              <a:t>Hardware cost input</a:t>
             </a:r>
             <a:endParaRPr lang="en-AU" sz="2800" dirty="0"/>
           </a:p>
@@ -3237,7 +3237,23 @@
                   <a:schemeClr val="tx1"/>
                 </a:solidFill>
               </a:rPr>
-              <a:t>As a potential solar investor I want to be able to manually enter the hardware cost so I can customise the system cost as I please.</a:t>
+              <a:t>As a potential solar investor I want to be able to manually enter the </a:t>
+            </a:r>
+            <a:r>
+              <a:rPr lang="en-AU" sz="2400" dirty="0" smtClean="0">
+                <a:solidFill>
+                  <a:schemeClr val="tx1"/>
+                </a:solidFill>
+              </a:rPr>
+              <a:t>hardware cost </a:t>
+            </a:r>
+            <a:r>
+              <a:rPr lang="en-AU" sz="2400" dirty="0" smtClean="0">
+                <a:solidFill>
+                  <a:schemeClr val="tx1"/>
+                </a:solidFill>
+              </a:rPr>
+              <a:t>so I can customise the system cost as I please.</a:t>
             </a:r>
           </a:p>
         </p:txBody>
@@ -6382,11 +6398,6 @@
               </a:rPr>
               <a:t>Must</a:t>
             </a:r>
-            <a:endParaRPr lang="en-AU" sz="2000" dirty="0">
-              <a:solidFill>
-                <a:schemeClr val="tx1"/>
-              </a:solidFill>
-            </a:endParaRPr>
           </a:p>
         </p:txBody>
       </p:sp>
@@ -6859,11 +6870,6 @@
               </a:rPr>
               <a:t>Must</a:t>
             </a:r>
-            <a:endParaRPr lang="en-AU" sz="2000" dirty="0">
-              <a:solidFill>
-                <a:schemeClr val="tx1"/>
-              </a:solidFill>
-            </a:endParaRPr>
           </a:p>
         </p:txBody>
       </p:sp>
@@ -7350,11 +7356,6 @@
               </a:rPr>
               <a:t>Must</a:t>
             </a:r>
-            <a:endParaRPr lang="en-AU" sz="2000" dirty="0">
-              <a:solidFill>
-                <a:schemeClr val="tx1"/>
-              </a:solidFill>
-            </a:endParaRPr>
           </a:p>
         </p:txBody>
       </p:sp>
@@ -7832,11 +7833,6 @@
               </a:rPr>
               <a:t>Must</a:t>
             </a:r>
-            <a:endParaRPr lang="en-AU" sz="2000" dirty="0">
-              <a:solidFill>
-                <a:schemeClr val="tx1"/>
-              </a:solidFill>
-            </a:endParaRPr>
           </a:p>
         </p:txBody>
       </p:sp>
@@ -8324,11 +8320,6 @@
               </a:rPr>
               <a:t>Must</a:t>
             </a:r>
-            <a:endParaRPr lang="en-AU" sz="2000" dirty="0">
-              <a:solidFill>
-                <a:schemeClr val="tx1"/>
-              </a:solidFill>
-            </a:endParaRPr>
           </a:p>
         </p:txBody>
       </p:sp>
@@ -9290,11 +9281,6 @@
               </a:rPr>
               <a:t>Must</a:t>
             </a:r>
-            <a:endParaRPr lang="en-AU" sz="2000" dirty="0">
-              <a:solidFill>
-                <a:schemeClr val="tx1"/>
-              </a:solidFill>
-            </a:endParaRPr>
           </a:p>
         </p:txBody>
       </p:sp>
@@ -9767,11 +9753,6 @@
               </a:rPr>
               <a:t>Must</a:t>
             </a:r>
-            <a:endParaRPr lang="en-AU" sz="2000" dirty="0">
-              <a:solidFill>
-                <a:schemeClr val="tx1"/>
-              </a:solidFill>
-            </a:endParaRPr>
           </a:p>
         </p:txBody>
       </p:sp>
@@ -10328,15 +10309,7 @@
                   <a:schemeClr val="tx1"/>
                 </a:solidFill>
               </a:rPr>
-              <a:t>16 Story points based on unknowns and </a:t>
-            </a:r>
-            <a:r>
-              <a:rPr lang="en-AU" sz="2000" dirty="0" smtClean="0">
-                <a:solidFill>
-                  <a:schemeClr val="tx1"/>
-                </a:solidFill>
-              </a:rPr>
-              <a:t>dependencies</a:t>
+              <a:t>16 Story points based on unknowns and dependencies</a:t>
             </a:r>
           </a:p>
           <a:p>
@@ -10350,15 +10323,7 @@
                   <a:schemeClr val="tx1"/>
                 </a:solidFill>
               </a:rPr>
-              <a:t>High priority based on the assignment specification.</a:t>
-            </a:r>
-            <a:r>
-              <a:rPr lang="en-AU" sz="2000" dirty="0" smtClean="0">
-                <a:solidFill>
-                  <a:schemeClr val="tx1"/>
-                </a:solidFill>
-              </a:rPr>
-              <a:t> </a:t>
+              <a:t>High priority based on the assignment specification. </a:t>
             </a:r>
             <a:endParaRPr lang="en-AU" sz="2000" dirty="0">
               <a:solidFill>
@@ -11343,15 +11308,7 @@
                   <a:schemeClr val="tx1"/>
                 </a:solidFill>
               </a:rPr>
-              <a:t>Desktop </a:t>
-            </a:r>
-            <a:r>
-              <a:rPr lang="en-AU" sz="2000" dirty="0" smtClean="0">
-                <a:solidFill>
-                  <a:schemeClr val="tx1"/>
-                </a:solidFill>
-              </a:rPr>
-              <a:t>Only</a:t>
+              <a:t>Desktop Only</a:t>
             </a:r>
           </a:p>
           <a:p>
@@ -11883,15 +11840,7 @@
                   <a:schemeClr val="tx1"/>
                 </a:solidFill>
               </a:rPr>
-              <a:t>Different formats for location entering (Addressing, Latitude &amp; Longitude</a:t>
-            </a:r>
-            <a:r>
-              <a:rPr lang="en-AU" sz="2000" dirty="0" smtClean="0">
-                <a:solidFill>
-                  <a:schemeClr val="tx1"/>
-                </a:solidFill>
-              </a:rPr>
-              <a:t>)</a:t>
+              <a:t>Different formats for location entering (Addressing, Latitude &amp; Longitude)</a:t>
             </a:r>
           </a:p>
           <a:p>
@@ -11905,15 +11854,7 @@
                   <a:schemeClr val="tx1"/>
                 </a:solidFill>
               </a:rPr>
-              <a:t>Should to Must</a:t>
-            </a:r>
-            <a:r>
-              <a:rPr lang="en-AU" sz="2000" dirty="0" smtClean="0">
-                <a:solidFill>
-                  <a:schemeClr val="tx1"/>
-                </a:solidFill>
-              </a:rPr>
-              <a:t> </a:t>
+              <a:t>Should to Must </a:t>
             </a:r>
             <a:endParaRPr lang="en-AU" sz="2000" dirty="0">
               <a:solidFill>
@@ -12429,15 +12370,7 @@
                   <a:schemeClr val="tx1"/>
                 </a:solidFill>
               </a:rPr>
-              <a:t>Mobile </a:t>
-            </a:r>
-            <a:r>
-              <a:rPr lang="en-AU" sz="2000" dirty="0" smtClean="0">
-                <a:solidFill>
-                  <a:schemeClr val="tx1"/>
-                </a:solidFill>
-              </a:rPr>
-              <a:t>only</a:t>
+              <a:t>Mobile only</a:t>
             </a:r>
           </a:p>
           <a:p>
@@ -13450,15 +13383,7 @@
                   <a:schemeClr val="tx1"/>
                 </a:solidFill>
               </a:rPr>
-              <a:t>Higher story points because of mobile implementation (tabs</a:t>
-            </a:r>
-            <a:r>
-              <a:rPr lang="en-AU" sz="2000" dirty="0" smtClean="0">
-                <a:solidFill>
-                  <a:schemeClr val="tx1"/>
-                </a:solidFill>
-              </a:rPr>
-              <a:t>?)</a:t>
+              <a:t>Higher story points because of mobile implementation (tabs?)</a:t>
             </a:r>
           </a:p>
           <a:p>
@@ -14109,9 +14034,10 @@
           <a:p>
             <a:pPr algn="ctr"/>
             <a:r>
-              <a:rPr lang="en-AU" sz="2800" dirty="0"/>
-              <a:t>Potential Investor</a:t>
-            </a:r>
+              <a:rPr lang="en-AU" sz="2800" dirty="0" smtClean="0"/>
+              <a:t>Input kW information</a:t>
+            </a:r>
+            <a:endParaRPr lang="en-AU" sz="2800" dirty="0"/>
           </a:p>
         </p:txBody>
       </p:sp>
@@ -15915,15 +15841,7 @@
                   <a:schemeClr val="tx1"/>
                 </a:solidFill>
               </a:rPr>
-              <a:t>Many things to take into account (Model, age, placement etc</a:t>
-            </a:r>
-            <a:r>
-              <a:rPr lang="en-AU" sz="2000" dirty="0" smtClean="0">
-                <a:solidFill>
-                  <a:schemeClr val="tx1"/>
-                </a:solidFill>
-              </a:rPr>
-              <a:t>.)</a:t>
+              <a:t>Many things to take into account (Model, age, placement etc.)</a:t>
             </a:r>
           </a:p>
           <a:p>
@@ -16420,15 +16338,7 @@
                   <a:schemeClr val="tx1"/>
                 </a:solidFill>
               </a:rPr>
-              <a:t>User’s system current output needs to be inputted. (another story</a:t>
-            </a:r>
-            <a:r>
-              <a:rPr lang="en-AU" sz="2000" dirty="0" smtClean="0">
-                <a:solidFill>
-                  <a:schemeClr val="tx1"/>
-                </a:solidFill>
-              </a:rPr>
-              <a:t>?)</a:t>
+              <a:t>User’s system current output needs to be inputted. (another story?)</a:t>
             </a:r>
           </a:p>
           <a:p>
@@ -16874,11 +16784,6 @@
               </a:rPr>
               <a:t>Must</a:t>
             </a:r>
-            <a:endParaRPr lang="en-AU" sz="2000" dirty="0">
-              <a:solidFill>
-                <a:schemeClr val="tx1"/>
-              </a:solidFill>
-            </a:endParaRPr>
           </a:p>
         </p:txBody>
       </p:sp>
@@ -17104,7 +17009,7 @@
             <a:pPr algn="ctr"/>
             <a:r>
               <a:rPr lang="en-AU" sz="2800" dirty="0" smtClean="0"/>
-              <a:t>Potential Investor</a:t>
+              <a:t>Input panel distribution</a:t>
             </a:r>
             <a:endParaRPr lang="en-AU" sz="2800" dirty="0"/>
           </a:p>
@@ -17358,11 +17263,6 @@
               </a:rPr>
               <a:t>Must</a:t>
             </a:r>
-            <a:endParaRPr lang="en-AU" sz="2000" dirty="0">
-              <a:solidFill>
-                <a:schemeClr val="tx1"/>
-              </a:solidFill>
-            </a:endParaRPr>
           </a:p>
         </p:txBody>
       </p:sp>
@@ -17903,15 +17803,7 @@
                   <a:schemeClr val="tx1"/>
                 </a:solidFill>
               </a:rPr>
-              <a:t> DEPENDENCY on Story (5</a:t>
-            </a:r>
-            <a:r>
-              <a:rPr lang="en-AU" sz="2000" dirty="0" smtClean="0">
-                <a:solidFill>
-                  <a:schemeClr val="tx1"/>
-                </a:solidFill>
-              </a:rPr>
-              <a:t>)</a:t>
+              <a:t> DEPENDENCY on Story (5)</a:t>
             </a:r>
           </a:p>
           <a:p>
@@ -18075,7 +17967,11 @@
             <a:pPr algn="ctr"/>
             <a:r>
               <a:rPr lang="en-AU" sz="2800" dirty="0" smtClean="0"/>
-              <a:t>Potential Investor</a:t>
+              <a:t>Input </a:t>
+            </a:r>
+            <a:r>
+              <a:rPr lang="en-AU" sz="2800" smtClean="0"/>
+              <a:t>efficiency data</a:t>
             </a:r>
             <a:endParaRPr lang="en-AU" sz="2800" dirty="0"/>
           </a:p>
@@ -18353,11 +18249,6 @@
               </a:rPr>
               <a:t>Must</a:t>
             </a:r>
-            <a:endParaRPr lang="en-AU" sz="2000" dirty="0">
-              <a:solidFill>
-                <a:schemeClr val="tx1"/>
-              </a:solidFill>
-            </a:endParaRPr>
           </a:p>
         </p:txBody>
       </p:sp>
@@ -19002,320 +18893,320 @@
           <a:p>
             <a:pPr algn="ctr"/>
             <a:r>
-              <a:rPr lang="en-AU" sz="2000" dirty="0">
+              <a:rPr lang="en-AU" sz="2000" dirty="0" smtClean="0">
                 <a:solidFill>
                   <a:schemeClr val="tx1"/>
                 </a:solidFill>
               </a:rPr>
               <a:t>9</a:t>
-            </a:r>
-          </a:p>
-        </p:txBody>
-      </p:sp>
-      <p:sp>
-        <p:nvSpPr>
-          <p:cNvPr id="6" name="Rectangle 5"/>
-          <p:cNvSpPr/>
-          <p:nvPr/>
-        </p:nvSpPr>
-        <p:spPr>
-          <a:xfrm>
-            <a:off x="831153" y="109410"/>
-            <a:ext cx="7380000" cy="540000"/>
-          </a:xfrm>
-          <a:prstGeom prst="rect">
-            <a:avLst/>
-          </a:prstGeom>
-          <a:ln>
-            <a:solidFill>
-              <a:schemeClr val="accent1">
-                <a:lumMod val="50000"/>
-              </a:schemeClr>
-            </a:solidFill>
-          </a:ln>
-        </p:spPr>
-        <p:style>
-          <a:lnRef idx="2">
-            <a:schemeClr val="accent1">
-              <a:shade val="50000"/>
-            </a:schemeClr>
-          </a:lnRef>
-          <a:fillRef idx="1">
-            <a:schemeClr val="accent1"/>
-          </a:fillRef>
-          <a:effectRef idx="0">
-            <a:schemeClr val="accent1"/>
-          </a:effectRef>
-          <a:fontRef idx="minor">
-            <a:schemeClr val="lt1"/>
-          </a:fontRef>
-        </p:style>
-        <p:txBody>
-          <a:bodyPr rtlCol="0" anchor="ctr"/>
-          <a:lstStyle/>
-          <a:p>
-            <a:pPr algn="ctr"/>
-            <a:r>
-              <a:rPr lang="en-AU" sz="2800" dirty="0" smtClean="0"/>
-              <a:t>Potential Investor</a:t>
-            </a:r>
-            <a:endParaRPr lang="en-AU" sz="2800" dirty="0"/>
-          </a:p>
-        </p:txBody>
-      </p:sp>
-      <p:sp>
-        <p:nvSpPr>
-          <p:cNvPr id="7" name="Rectangle 6"/>
-          <p:cNvSpPr/>
-          <p:nvPr/>
-        </p:nvSpPr>
-        <p:spPr>
-          <a:xfrm>
-            <a:off x="39153" y="822470"/>
-            <a:ext cx="9828000" cy="2340000"/>
-          </a:xfrm>
-          <a:prstGeom prst="rect">
-            <a:avLst/>
-          </a:prstGeom>
-          <a:solidFill>
-            <a:schemeClr val="tx2">
-              <a:lumMod val="20000"/>
-              <a:lumOff val="80000"/>
-            </a:schemeClr>
-          </a:solidFill>
-          <a:ln>
-            <a:solidFill>
-              <a:schemeClr val="accent1">
-                <a:lumMod val="50000"/>
-              </a:schemeClr>
-            </a:solidFill>
-          </a:ln>
-        </p:spPr>
-        <p:style>
-          <a:lnRef idx="2">
-            <a:schemeClr val="accent1">
-              <a:shade val="50000"/>
-            </a:schemeClr>
-          </a:lnRef>
-          <a:fillRef idx="1">
-            <a:schemeClr val="accent1"/>
-          </a:fillRef>
-          <a:effectRef idx="0">
-            <a:schemeClr val="accent1"/>
-          </a:effectRef>
-          <a:fontRef idx="minor">
-            <a:schemeClr val="lt1"/>
-          </a:fontRef>
-        </p:style>
-        <p:txBody>
-          <a:bodyPr rtlCol="0" anchor="t" anchorCtr="0"/>
-          <a:lstStyle/>
-          <a:p>
-            <a:r>
-              <a:rPr lang="en-AU" sz="2400" dirty="0" smtClean="0">
-                <a:solidFill>
-                  <a:schemeClr val="tx1"/>
-                </a:solidFill>
-              </a:rPr>
-              <a:t>As a potential solar investor I want to be able to input a panel lifetime in years so I can customise the panel lifetime as I please. </a:t>
-            </a:r>
-          </a:p>
-        </p:txBody>
-      </p:sp>
-      <p:sp>
-        <p:nvSpPr>
-          <p:cNvPr id="8" name="Rectangle 7"/>
-          <p:cNvSpPr/>
-          <p:nvPr/>
-        </p:nvSpPr>
-        <p:spPr>
-          <a:xfrm>
-            <a:off x="39153" y="3335530"/>
-            <a:ext cx="9828000" cy="1620000"/>
-          </a:xfrm>
-          <a:prstGeom prst="rect">
-            <a:avLst/>
-          </a:prstGeom>
-          <a:solidFill>
-            <a:schemeClr val="accent1">
-              <a:lumMod val="20000"/>
-              <a:lumOff val="80000"/>
-            </a:schemeClr>
-          </a:solidFill>
-          <a:ln>
-            <a:solidFill>
-              <a:schemeClr val="accent1">
-                <a:lumMod val="50000"/>
-              </a:schemeClr>
-            </a:solidFill>
-          </a:ln>
-        </p:spPr>
-        <p:style>
-          <a:lnRef idx="2">
-            <a:schemeClr val="accent1">
-              <a:shade val="50000"/>
-            </a:schemeClr>
-          </a:lnRef>
-          <a:fillRef idx="1">
-            <a:schemeClr val="accent1"/>
-          </a:fillRef>
-          <a:effectRef idx="0">
-            <a:schemeClr val="accent1"/>
-          </a:effectRef>
-          <a:fontRef idx="minor">
-            <a:schemeClr val="lt1"/>
-          </a:fontRef>
-        </p:style>
-        <p:txBody>
-          <a:bodyPr tIns="36000" rtlCol="0" anchor="t" anchorCtr="0"/>
-          <a:lstStyle/>
-          <a:p>
-            <a:r>
-              <a:rPr lang="en-AU" sz="2000" dirty="0" smtClean="0">
-                <a:solidFill>
-                  <a:schemeClr val="tx1"/>
-                </a:solidFill>
-              </a:rPr>
-              <a:t>Acceptance Criteria</a:t>
-            </a:r>
-          </a:p>
-          <a:p>
-            <a:pPr marL="179388" indent="-179388">
-              <a:buFont typeface="Arial" pitchFamily="34" charset="0"/>
-              <a:buChar char="•"/>
-            </a:pPr>
-            <a:r>
-              <a:rPr lang="en-AU" sz="2000" dirty="0" smtClean="0">
-                <a:solidFill>
-                  <a:schemeClr val="tx1"/>
-                </a:solidFill>
-              </a:rPr>
-              <a:t> The user is able to input the panel lifetime in years</a:t>
-            </a:r>
-          </a:p>
-        </p:txBody>
-      </p:sp>
-      <p:sp>
-        <p:nvSpPr>
-          <p:cNvPr id="11" name="Rectangle 10"/>
-          <p:cNvSpPr/>
-          <p:nvPr/>
-        </p:nvSpPr>
-        <p:spPr>
-          <a:xfrm>
-            <a:off x="9147153" y="109410"/>
-            <a:ext cx="720000" cy="540000"/>
-          </a:xfrm>
-          <a:prstGeom prst="rect">
-            <a:avLst/>
-          </a:prstGeom>
-          <a:solidFill>
-            <a:srgbClr val="CCF0CD">
-              <a:alpha val="20000"/>
-            </a:srgbClr>
-          </a:solidFill>
-          <a:ln>
-            <a:solidFill>
-              <a:schemeClr val="accent1">
-                <a:lumMod val="50000"/>
-              </a:schemeClr>
-            </a:solidFill>
-          </a:ln>
-        </p:spPr>
-        <p:style>
-          <a:lnRef idx="2">
-            <a:schemeClr val="accent1">
-              <a:shade val="50000"/>
-            </a:schemeClr>
-          </a:lnRef>
-          <a:fillRef idx="1">
-            <a:schemeClr val="accent1"/>
-          </a:fillRef>
-          <a:effectRef idx="0">
-            <a:schemeClr val="accent1"/>
-          </a:effectRef>
-          <a:fontRef idx="minor">
-            <a:schemeClr val="lt1"/>
-          </a:fontRef>
-        </p:style>
-        <p:txBody>
-          <a:bodyPr wrap="square" lIns="0" rIns="0" rtlCol="0" anchor="ctr"/>
-          <a:lstStyle/>
-          <a:p>
-            <a:pPr algn="ctr"/>
-            <a:r>
-              <a:rPr lang="en-AU" sz="2000" dirty="0">
-                <a:solidFill>
-                  <a:schemeClr val="tx1"/>
-                </a:solidFill>
-              </a:rPr>
-              <a:t>1</a:t>
-            </a:r>
-          </a:p>
-        </p:txBody>
-      </p:sp>
-      <p:sp>
-        <p:nvSpPr>
-          <p:cNvPr id="12" name="Rectangle 11"/>
-          <p:cNvSpPr/>
-          <p:nvPr/>
-        </p:nvSpPr>
-        <p:spPr>
-          <a:xfrm>
-            <a:off x="8283153" y="109410"/>
-            <a:ext cx="792000" cy="540000"/>
-          </a:xfrm>
-          <a:prstGeom prst="rect">
-            <a:avLst/>
-          </a:prstGeom>
-          <a:solidFill>
-            <a:schemeClr val="accent4">
-              <a:lumMod val="20000"/>
-              <a:lumOff val="80000"/>
-            </a:schemeClr>
-          </a:solidFill>
-          <a:ln>
-            <a:solidFill>
-              <a:schemeClr val="accent1">
-                <a:lumMod val="50000"/>
-              </a:schemeClr>
-            </a:solidFill>
-          </a:ln>
-        </p:spPr>
-        <p:style>
-          <a:lnRef idx="2">
-            <a:schemeClr val="accent1">
-              <a:shade val="50000"/>
-            </a:schemeClr>
-          </a:lnRef>
-          <a:fillRef idx="1">
-            <a:schemeClr val="accent1"/>
-          </a:fillRef>
-          <a:effectRef idx="0">
-            <a:schemeClr val="accent1"/>
-          </a:effectRef>
-          <a:fontRef idx="minor">
-            <a:schemeClr val="lt1"/>
-          </a:fontRef>
-        </p:style>
-        <p:txBody>
-          <a:bodyPr wrap="none" lIns="0" rIns="0" rtlCol="0" anchor="ctr"/>
-          <a:lstStyle/>
-          <a:p>
-            <a:pPr algn="ctr"/>
-            <a:r>
-              <a:rPr lang="en-AU" sz="2000" dirty="0">
-                <a:solidFill>
-                  <a:schemeClr val="tx1"/>
-                </a:solidFill>
-              </a:rPr>
-              <a:t>Must</a:t>
             </a:r>
             <a:endParaRPr lang="en-AU" sz="2000" dirty="0">
               <a:solidFill>
                 <a:schemeClr val="tx1"/>
               </a:solidFill>
             </a:endParaRPr>
+          </a:p>
+        </p:txBody>
+      </p:sp>
+      <p:sp>
+        <p:nvSpPr>
+          <p:cNvPr id="6" name="Rectangle 5"/>
+          <p:cNvSpPr/>
+          <p:nvPr/>
+        </p:nvSpPr>
+        <p:spPr>
+          <a:xfrm>
+            <a:off x="831153" y="109410"/>
+            <a:ext cx="7380000" cy="540000"/>
+          </a:xfrm>
+          <a:prstGeom prst="rect">
+            <a:avLst/>
+          </a:prstGeom>
+          <a:ln>
+            <a:solidFill>
+              <a:schemeClr val="accent1">
+                <a:lumMod val="50000"/>
+              </a:schemeClr>
+            </a:solidFill>
+          </a:ln>
+        </p:spPr>
+        <p:style>
+          <a:lnRef idx="2">
+            <a:schemeClr val="accent1">
+              <a:shade val="50000"/>
+            </a:schemeClr>
+          </a:lnRef>
+          <a:fillRef idx="1">
+            <a:schemeClr val="accent1"/>
+          </a:fillRef>
+          <a:effectRef idx="0">
+            <a:schemeClr val="accent1"/>
+          </a:effectRef>
+          <a:fontRef idx="minor">
+            <a:schemeClr val="lt1"/>
+          </a:fontRef>
+        </p:style>
+        <p:txBody>
+          <a:bodyPr rtlCol="0" anchor="ctr"/>
+          <a:lstStyle/>
+          <a:p>
+            <a:pPr algn="ctr"/>
+            <a:r>
+              <a:rPr lang="en-AU" sz="2800" dirty="0" smtClean="0"/>
+              <a:t>Potential Investor</a:t>
+            </a:r>
+            <a:endParaRPr lang="en-AU" sz="2800" dirty="0"/>
+          </a:p>
+        </p:txBody>
+      </p:sp>
+      <p:sp>
+        <p:nvSpPr>
+          <p:cNvPr id="7" name="Rectangle 6"/>
+          <p:cNvSpPr/>
+          <p:nvPr/>
+        </p:nvSpPr>
+        <p:spPr>
+          <a:xfrm>
+            <a:off x="39153" y="822470"/>
+            <a:ext cx="9828000" cy="2340000"/>
+          </a:xfrm>
+          <a:prstGeom prst="rect">
+            <a:avLst/>
+          </a:prstGeom>
+          <a:solidFill>
+            <a:schemeClr val="tx2">
+              <a:lumMod val="20000"/>
+              <a:lumOff val="80000"/>
+            </a:schemeClr>
+          </a:solidFill>
+          <a:ln>
+            <a:solidFill>
+              <a:schemeClr val="accent1">
+                <a:lumMod val="50000"/>
+              </a:schemeClr>
+            </a:solidFill>
+          </a:ln>
+        </p:spPr>
+        <p:style>
+          <a:lnRef idx="2">
+            <a:schemeClr val="accent1">
+              <a:shade val="50000"/>
+            </a:schemeClr>
+          </a:lnRef>
+          <a:fillRef idx="1">
+            <a:schemeClr val="accent1"/>
+          </a:fillRef>
+          <a:effectRef idx="0">
+            <a:schemeClr val="accent1"/>
+          </a:effectRef>
+          <a:fontRef idx="minor">
+            <a:schemeClr val="lt1"/>
+          </a:fontRef>
+        </p:style>
+        <p:txBody>
+          <a:bodyPr rtlCol="0" anchor="t" anchorCtr="0"/>
+          <a:lstStyle/>
+          <a:p>
+            <a:r>
+              <a:rPr lang="en-AU" sz="2400" dirty="0" smtClean="0">
+                <a:solidFill>
+                  <a:schemeClr val="tx1"/>
+                </a:solidFill>
+              </a:rPr>
+              <a:t>As a potential solar investor I want to be able to input a panel lifetime in years so I can customise the panel lifetime as I please. </a:t>
+            </a:r>
+          </a:p>
+        </p:txBody>
+      </p:sp>
+      <p:sp>
+        <p:nvSpPr>
+          <p:cNvPr id="8" name="Rectangle 7"/>
+          <p:cNvSpPr/>
+          <p:nvPr/>
+        </p:nvSpPr>
+        <p:spPr>
+          <a:xfrm>
+            <a:off x="39153" y="3335530"/>
+            <a:ext cx="9828000" cy="1620000"/>
+          </a:xfrm>
+          <a:prstGeom prst="rect">
+            <a:avLst/>
+          </a:prstGeom>
+          <a:solidFill>
+            <a:schemeClr val="accent1">
+              <a:lumMod val="20000"/>
+              <a:lumOff val="80000"/>
+            </a:schemeClr>
+          </a:solidFill>
+          <a:ln>
+            <a:solidFill>
+              <a:schemeClr val="accent1">
+                <a:lumMod val="50000"/>
+              </a:schemeClr>
+            </a:solidFill>
+          </a:ln>
+        </p:spPr>
+        <p:style>
+          <a:lnRef idx="2">
+            <a:schemeClr val="accent1">
+              <a:shade val="50000"/>
+            </a:schemeClr>
+          </a:lnRef>
+          <a:fillRef idx="1">
+            <a:schemeClr val="accent1"/>
+          </a:fillRef>
+          <a:effectRef idx="0">
+            <a:schemeClr val="accent1"/>
+          </a:effectRef>
+          <a:fontRef idx="minor">
+            <a:schemeClr val="lt1"/>
+          </a:fontRef>
+        </p:style>
+        <p:txBody>
+          <a:bodyPr tIns="36000" rtlCol="0" anchor="t" anchorCtr="0"/>
+          <a:lstStyle/>
+          <a:p>
+            <a:r>
+              <a:rPr lang="en-AU" sz="2000" dirty="0" smtClean="0">
+                <a:solidFill>
+                  <a:schemeClr val="tx1"/>
+                </a:solidFill>
+              </a:rPr>
+              <a:t>Acceptance Criteria</a:t>
+            </a:r>
+          </a:p>
+          <a:p>
+            <a:pPr marL="179388" indent="-179388">
+              <a:buFont typeface="Arial" pitchFamily="34" charset="0"/>
+              <a:buChar char="•"/>
+            </a:pPr>
+            <a:r>
+              <a:rPr lang="en-AU" sz="2000" dirty="0" smtClean="0">
+                <a:solidFill>
+                  <a:schemeClr val="tx1"/>
+                </a:solidFill>
+              </a:rPr>
+              <a:t> The user is able to input the panel lifetime in years</a:t>
+            </a:r>
+          </a:p>
+        </p:txBody>
+      </p:sp>
+      <p:sp>
+        <p:nvSpPr>
+          <p:cNvPr id="11" name="Rectangle 10"/>
+          <p:cNvSpPr/>
+          <p:nvPr/>
+        </p:nvSpPr>
+        <p:spPr>
+          <a:xfrm>
+            <a:off x="9147153" y="109410"/>
+            <a:ext cx="720000" cy="540000"/>
+          </a:xfrm>
+          <a:prstGeom prst="rect">
+            <a:avLst/>
+          </a:prstGeom>
+          <a:solidFill>
+            <a:srgbClr val="CCF0CD">
+              <a:alpha val="20000"/>
+            </a:srgbClr>
+          </a:solidFill>
+          <a:ln>
+            <a:solidFill>
+              <a:schemeClr val="accent1">
+                <a:lumMod val="50000"/>
+              </a:schemeClr>
+            </a:solidFill>
+          </a:ln>
+        </p:spPr>
+        <p:style>
+          <a:lnRef idx="2">
+            <a:schemeClr val="accent1">
+              <a:shade val="50000"/>
+            </a:schemeClr>
+          </a:lnRef>
+          <a:fillRef idx="1">
+            <a:schemeClr val="accent1"/>
+          </a:fillRef>
+          <a:effectRef idx="0">
+            <a:schemeClr val="accent1"/>
+          </a:effectRef>
+          <a:fontRef idx="minor">
+            <a:schemeClr val="lt1"/>
+          </a:fontRef>
+        </p:style>
+        <p:txBody>
+          <a:bodyPr wrap="square" lIns="0" rIns="0" rtlCol="0" anchor="ctr"/>
+          <a:lstStyle/>
+          <a:p>
+            <a:pPr algn="ctr"/>
+            <a:r>
+              <a:rPr lang="en-AU" sz="2000" dirty="0">
+                <a:solidFill>
+                  <a:schemeClr val="tx1"/>
+                </a:solidFill>
+              </a:rPr>
+              <a:t>1</a:t>
+            </a:r>
+          </a:p>
+        </p:txBody>
+      </p:sp>
+      <p:sp>
+        <p:nvSpPr>
+          <p:cNvPr id="12" name="Rectangle 11"/>
+          <p:cNvSpPr/>
+          <p:nvPr/>
+        </p:nvSpPr>
+        <p:spPr>
+          <a:xfrm>
+            <a:off x="8283153" y="109410"/>
+            <a:ext cx="792000" cy="540000"/>
+          </a:xfrm>
+          <a:prstGeom prst="rect">
+            <a:avLst/>
+          </a:prstGeom>
+          <a:solidFill>
+            <a:schemeClr val="accent4">
+              <a:lumMod val="20000"/>
+              <a:lumOff val="80000"/>
+            </a:schemeClr>
+          </a:solidFill>
+          <a:ln>
+            <a:solidFill>
+              <a:schemeClr val="accent1">
+                <a:lumMod val="50000"/>
+              </a:schemeClr>
+            </a:solidFill>
+          </a:ln>
+        </p:spPr>
+        <p:style>
+          <a:lnRef idx="2">
+            <a:schemeClr val="accent1">
+              <a:shade val="50000"/>
+            </a:schemeClr>
+          </a:lnRef>
+          <a:fillRef idx="1">
+            <a:schemeClr val="accent1"/>
+          </a:fillRef>
+          <a:effectRef idx="0">
+            <a:schemeClr val="accent1"/>
+          </a:effectRef>
+          <a:fontRef idx="minor">
+            <a:schemeClr val="lt1"/>
+          </a:fontRef>
+        </p:style>
+        <p:txBody>
+          <a:bodyPr wrap="none" lIns="0" rIns="0" rtlCol="0" anchor="ctr"/>
+          <a:lstStyle/>
+          <a:p>
+            <a:pPr algn="ctr"/>
+            <a:r>
+              <a:rPr lang="en-AU" sz="2000" dirty="0">
+                <a:solidFill>
+                  <a:schemeClr val="tx1"/>
+                </a:solidFill>
+              </a:rPr>
+              <a:t>Must</a:t>
+            </a:r>
           </a:p>
         </p:txBody>
       </p:sp>

--- a/Documentation/User Stories.pptx
+++ b/Documentation/User Stories.pptx
@@ -320,7 +320,7 @@
           <a:p>
             <a:fld id="{1585DAA5-6BE2-467A-90B2-00E985D86198}" type="datetimeFigureOut">
               <a:rPr lang="en-AU" smtClean="0"/>
-              <a:t>10/08/2012</a:t>
+              <a:t>15/08/2012</a:t>
             </a:fld>
             <a:endParaRPr lang="en-AU"/>
           </a:p>
@@ -485,7 +485,7 @@
           <a:p>
             <a:fld id="{1585DAA5-6BE2-467A-90B2-00E985D86198}" type="datetimeFigureOut">
               <a:rPr lang="en-AU" smtClean="0"/>
-              <a:t>10/08/2012</a:t>
+              <a:t>15/08/2012</a:t>
             </a:fld>
             <a:endParaRPr lang="en-AU"/>
           </a:p>
@@ -660,7 +660,7 @@
           <a:p>
             <a:fld id="{1585DAA5-6BE2-467A-90B2-00E985D86198}" type="datetimeFigureOut">
               <a:rPr lang="en-AU" smtClean="0"/>
-              <a:t>10/08/2012</a:t>
+              <a:t>15/08/2012</a:t>
             </a:fld>
             <a:endParaRPr lang="en-AU"/>
           </a:p>
@@ -825,7 +825,7 @@
           <a:p>
             <a:fld id="{1585DAA5-6BE2-467A-90B2-00E985D86198}" type="datetimeFigureOut">
               <a:rPr lang="en-AU" smtClean="0"/>
-              <a:t>10/08/2012</a:t>
+              <a:t>15/08/2012</a:t>
             </a:fld>
             <a:endParaRPr lang="en-AU"/>
           </a:p>
@@ -1066,7 +1066,7 @@
           <a:p>
             <a:fld id="{1585DAA5-6BE2-467A-90B2-00E985D86198}" type="datetimeFigureOut">
               <a:rPr lang="en-AU" smtClean="0"/>
-              <a:t>10/08/2012</a:t>
+              <a:t>15/08/2012</a:t>
             </a:fld>
             <a:endParaRPr lang="en-AU"/>
           </a:p>
@@ -1349,7 +1349,7 @@
           <a:p>
             <a:fld id="{1585DAA5-6BE2-467A-90B2-00E985D86198}" type="datetimeFigureOut">
               <a:rPr lang="en-AU" smtClean="0"/>
-              <a:t>10/08/2012</a:t>
+              <a:t>15/08/2012</a:t>
             </a:fld>
             <a:endParaRPr lang="en-AU"/>
           </a:p>
@@ -1766,7 +1766,7 @@
           <a:p>
             <a:fld id="{1585DAA5-6BE2-467A-90B2-00E985D86198}" type="datetimeFigureOut">
               <a:rPr lang="en-AU" smtClean="0"/>
-              <a:t>10/08/2012</a:t>
+              <a:t>15/08/2012</a:t>
             </a:fld>
             <a:endParaRPr lang="en-AU"/>
           </a:p>
@@ -1879,7 +1879,7 @@
           <a:p>
             <a:fld id="{1585DAA5-6BE2-467A-90B2-00E985D86198}" type="datetimeFigureOut">
               <a:rPr lang="en-AU" smtClean="0"/>
-              <a:t>10/08/2012</a:t>
+              <a:t>15/08/2012</a:t>
             </a:fld>
             <a:endParaRPr lang="en-AU"/>
           </a:p>
@@ -1969,7 +1969,7 @@
           <a:p>
             <a:fld id="{1585DAA5-6BE2-467A-90B2-00E985D86198}" type="datetimeFigureOut">
               <a:rPr lang="en-AU" smtClean="0"/>
-              <a:t>10/08/2012</a:t>
+              <a:t>15/08/2012</a:t>
             </a:fld>
             <a:endParaRPr lang="en-AU"/>
           </a:p>
@@ -2241,7 +2241,7 @@
           <a:p>
             <a:fld id="{1585DAA5-6BE2-467A-90B2-00E985D86198}" type="datetimeFigureOut">
               <a:rPr lang="en-AU" smtClean="0"/>
-              <a:t>10/08/2012</a:t>
+              <a:t>15/08/2012</a:t>
             </a:fld>
             <a:endParaRPr lang="en-AU"/>
           </a:p>
@@ -2489,7 +2489,7 @@
           <a:p>
             <a:fld id="{1585DAA5-6BE2-467A-90B2-00E985D86198}" type="datetimeFigureOut">
               <a:rPr lang="en-AU" smtClean="0"/>
-              <a:t>10/08/2012</a:t>
+              <a:t>15/08/2012</a:t>
             </a:fld>
             <a:endParaRPr lang="en-AU"/>
           </a:p>
@@ -2697,7 +2697,7 @@
           <a:p>
             <a:fld id="{1585DAA5-6BE2-467A-90B2-00E985D86198}" type="datetimeFigureOut">
               <a:rPr lang="en-AU" smtClean="0"/>
-              <a:t>10/08/2012</a:t>
+              <a:t>15/08/2012</a:t>
             </a:fld>
             <a:endParaRPr lang="en-AU"/>
           </a:p>
@@ -3237,23 +3237,7 @@
                   <a:schemeClr val="tx1"/>
                 </a:solidFill>
               </a:rPr>
-              <a:t>As a potential solar investor I want to be able to manually enter the </a:t>
-            </a:r>
-            <a:r>
-              <a:rPr lang="en-AU" sz="2400" dirty="0" smtClean="0">
-                <a:solidFill>
-                  <a:schemeClr val="tx1"/>
-                </a:solidFill>
-              </a:rPr>
-              <a:t>hardware cost </a:t>
-            </a:r>
-            <a:r>
-              <a:rPr lang="en-AU" sz="2400" dirty="0" smtClean="0">
-                <a:solidFill>
-                  <a:schemeClr val="tx1"/>
-                </a:solidFill>
-              </a:rPr>
-              <a:t>so I can customise the system cost as I please.</a:t>
+              <a:t>As a potential solar investor I want to be able to manually enter the hardware cost so I can customise the system cost as I please.</a:t>
             </a:r>
           </a:p>
         </p:txBody>
@@ -3677,7 +3661,7 @@
             <a:pPr algn="ctr"/>
             <a:r>
               <a:rPr lang="en-AU" sz="2800" dirty="0" smtClean="0"/>
-              <a:t>Potential Investor</a:t>
+              <a:t>Panel lifetime fetching</a:t>
             </a:r>
             <a:endParaRPr lang="en-AU" sz="2800" dirty="0"/>
           </a:p>
@@ -4154,7 +4138,7 @@
             <a:pPr algn="ctr"/>
             <a:r>
               <a:rPr lang="en-AU" sz="2800" dirty="0" smtClean="0"/>
-              <a:t>Potential Investor</a:t>
+              <a:t>Efficiency estimation</a:t>
             </a:r>
             <a:endParaRPr lang="en-AU" sz="2800" dirty="0"/>
           </a:p>
@@ -4653,7 +4637,7 @@
             <a:pPr algn="ctr"/>
             <a:r>
               <a:rPr lang="en-AU" sz="2800" dirty="0" smtClean="0"/>
-              <a:t>Potential Investor</a:t>
+              <a:t>Tariff rate input</a:t>
             </a:r>
             <a:endParaRPr lang="en-AU" sz="2800" dirty="0"/>
           </a:p>
@@ -5130,7 +5114,7 @@
             <a:pPr algn="ctr"/>
             <a:r>
               <a:rPr lang="en-AU" sz="2800" dirty="0" smtClean="0"/>
-              <a:t>Potential Investor</a:t>
+              <a:t>Tariff rate fetching</a:t>
             </a:r>
             <a:endParaRPr lang="en-AU" sz="2800" dirty="0"/>
           </a:p>
@@ -5626,7 +5610,7 @@
             <a:pPr algn="ctr"/>
             <a:r>
               <a:rPr lang="en-AU" sz="2800" dirty="0" smtClean="0"/>
-              <a:t>Potential Investor</a:t>
+              <a:t>Display power generation</a:t>
             </a:r>
             <a:endParaRPr lang="en-AU" sz="2800" dirty="0"/>
           </a:p>
@@ -6144,7 +6128,7 @@
             <a:pPr algn="ctr"/>
             <a:r>
               <a:rPr lang="en-AU" sz="2800" dirty="0" smtClean="0"/>
-              <a:t>Potential Investor</a:t>
+              <a:t>Input inverter efficiency</a:t>
             </a:r>
             <a:endParaRPr lang="en-AU" sz="2800" dirty="0"/>
           </a:p>
@@ -6616,7 +6600,7 @@
             <a:pPr algn="ctr"/>
             <a:r>
               <a:rPr lang="en-AU" sz="2800" dirty="0" smtClean="0"/>
-              <a:t>Potential Investor</a:t>
+              <a:t>Factoring in inverter cost</a:t>
             </a:r>
             <a:endParaRPr lang="en-AU" sz="2800" dirty="0"/>
           </a:p>
@@ -7102,7 +7086,7 @@
             <a:pPr algn="ctr"/>
             <a:r>
               <a:rPr lang="en-AU" sz="2800" dirty="0" smtClean="0"/>
-              <a:t>Potential Investor</a:t>
+              <a:t>Daily power usage input</a:t>
             </a:r>
             <a:endParaRPr lang="en-AU" sz="2800" dirty="0"/>
           </a:p>
@@ -7574,7 +7558,7 @@
             <a:pPr algn="ctr"/>
             <a:r>
               <a:rPr lang="en-AU" sz="2800" dirty="0" smtClean="0"/>
-              <a:t>Potential Investor</a:t>
+              <a:t>Average daytime hourly power usage</a:t>
             </a:r>
             <a:endParaRPr lang="en-AU" sz="2800" dirty="0"/>
           </a:p>
@@ -8061,7 +8045,7 @@
             <a:pPr algn="ctr"/>
             <a:r>
               <a:rPr lang="en-AU" sz="2800" dirty="0" smtClean="0"/>
-              <a:t>Potential Investor</a:t>
+              <a:t>Inverter lifetime input</a:t>
             </a:r>
             <a:endParaRPr lang="en-AU" sz="2800" dirty="0"/>
           </a:p>
@@ -8538,7 +8522,7 @@
             <a:pPr algn="ctr"/>
             <a:r>
               <a:rPr lang="en-AU" sz="2800" dirty="0" smtClean="0"/>
-              <a:t>Potential Investor</a:t>
+              <a:t>Hardware cost fetching</a:t>
             </a:r>
             <a:endParaRPr lang="en-AU" sz="2800" dirty="0"/>
           </a:p>
@@ -9027,7 +9011,7 @@
             <a:pPr algn="ctr"/>
             <a:r>
               <a:rPr lang="en-AU" sz="2800" dirty="0" smtClean="0"/>
-              <a:t>Potential Investor</a:t>
+              <a:t>Monthly power usage input</a:t>
             </a:r>
             <a:endParaRPr lang="en-AU" sz="2800" dirty="0"/>
           </a:p>
@@ -9499,7 +9483,7 @@
             <a:pPr algn="ctr"/>
             <a:r>
               <a:rPr lang="en-AU" sz="2800" dirty="0" smtClean="0"/>
-              <a:t>Potential Investor</a:t>
+              <a:t>Auto-fill roof area percentages</a:t>
             </a:r>
             <a:endParaRPr lang="en-AU" sz="2800" dirty="0"/>
           </a:p>
@@ -9977,7 +9961,7 @@
             <a:pPr algn="ctr"/>
             <a:r>
               <a:rPr lang="en-AU" sz="2800" dirty="0" smtClean="0"/>
-              <a:t>Salesman</a:t>
+              <a:t>Mobile application</a:t>
             </a:r>
             <a:endParaRPr lang="en-AU" sz="2800" dirty="0"/>
           </a:p>
@@ -10479,7 +10463,7 @@
             <a:pPr algn="ctr"/>
             <a:r>
               <a:rPr lang="en-AU" sz="2800" dirty="0" smtClean="0"/>
-              <a:t>Salesman</a:t>
+              <a:t>Saving reports</a:t>
             </a:r>
             <a:endParaRPr lang="en-AU" sz="2800" dirty="0"/>
           </a:p>
@@ -10981,7 +10965,7 @@
             <a:pPr algn="ctr"/>
             <a:r>
               <a:rPr lang="en-AU" sz="2800" dirty="0" smtClean="0"/>
-              <a:t>Salesman</a:t>
+              <a:t>Printing reports</a:t>
             </a:r>
             <a:endParaRPr lang="en-AU" sz="2800" dirty="0"/>
           </a:p>
@@ -11478,7 +11462,7 @@
             <a:pPr algn="ctr"/>
             <a:r>
               <a:rPr lang="en-AU" sz="2800" dirty="0" smtClean="0"/>
-              <a:t>Salesman</a:t>
+              <a:t>Location input</a:t>
             </a:r>
             <a:endParaRPr lang="en-AU" sz="2800" dirty="0"/>
           </a:p>
@@ -12010,7 +11994,7 @@
             <a:pPr algn="ctr"/>
             <a:r>
               <a:rPr lang="en-AU" sz="2800" dirty="0" smtClean="0"/>
-              <a:t>Salesman</a:t>
+              <a:t>Location fetching</a:t>
             </a:r>
             <a:endParaRPr lang="en-AU" sz="2800" dirty="0"/>
           </a:p>
@@ -12540,7 +12524,7 @@
             <a:pPr algn="ctr"/>
             <a:r>
               <a:rPr lang="en-AU" sz="2800" dirty="0" smtClean="0"/>
-              <a:t>Salesman</a:t>
+              <a:t>Average daylight hours for location</a:t>
             </a:r>
             <a:endParaRPr lang="en-AU" sz="2800" dirty="0"/>
           </a:p>
@@ -13037,7 +13021,7 @@
             <a:pPr algn="ctr"/>
             <a:r>
               <a:rPr lang="en-AU" sz="2800" dirty="0" smtClean="0"/>
-              <a:t>Salesman</a:t>
+              <a:t>System comparison</a:t>
             </a:r>
             <a:endParaRPr lang="en-AU" sz="2800" dirty="0"/>
           </a:p>
@@ -13553,7 +13537,7 @@
             <a:pPr algn="ctr"/>
             <a:r>
               <a:rPr lang="en-AU" sz="2800" dirty="0" smtClean="0"/>
-              <a:t>Salesman</a:t>
+              <a:t>Display monthly savings</a:t>
             </a:r>
             <a:endParaRPr lang="en-AU" sz="2800" dirty="0"/>
           </a:p>
@@ -14035,7 +14019,7 @@
             <a:pPr algn="ctr"/>
             <a:r>
               <a:rPr lang="en-AU" sz="2800" dirty="0" smtClean="0"/>
-              <a:t>Input kW information</a:t>
+              <a:t>System size input</a:t>
             </a:r>
             <a:endParaRPr lang="en-AU" sz="2800" dirty="0"/>
           </a:p>
@@ -14554,7 +14538,7 @@
             <a:pPr algn="ctr"/>
             <a:r>
               <a:rPr lang="en-AU" sz="2800" dirty="0" smtClean="0"/>
-              <a:t>Salesman</a:t>
+              <a:t>Display cumulative annual savings</a:t>
             </a:r>
             <a:endParaRPr lang="en-AU" sz="2800" dirty="0"/>
           </a:p>
@@ -15029,7 +15013,7 @@
             <a:pPr algn="ctr"/>
             <a:r>
               <a:rPr lang="en-AU" sz="2800" dirty="0" smtClean="0"/>
-              <a:t>Salesman</a:t>
+              <a:t>Commercial setup calculations</a:t>
             </a:r>
             <a:endParaRPr lang="en-AU" sz="2800" dirty="0"/>
           </a:p>
@@ -15514,7 +15498,7 @@
             <a:pPr algn="ctr"/>
             <a:r>
               <a:rPr lang="en-AU" sz="2800" dirty="0" smtClean="0"/>
-              <a:t>Current Owner</a:t>
+              <a:t>Efficiency checking</a:t>
             </a:r>
             <a:endParaRPr lang="en-AU" sz="2800" dirty="0"/>
           </a:p>
@@ -16011,7 +15995,7 @@
             <a:pPr algn="ctr"/>
             <a:r>
               <a:rPr lang="en-AU" sz="2800" dirty="0" smtClean="0"/>
-              <a:t>Current Owner</a:t>
+              <a:t>Display panel output </a:t>
             </a:r>
             <a:endParaRPr lang="en-AU" sz="2800" dirty="0"/>
           </a:p>
@@ -16501,9 +16485,10 @@
           <a:p>
             <a:pPr algn="ctr"/>
             <a:r>
-              <a:rPr lang="en-AU" sz="2800" dirty="0"/>
-              <a:t>Potential Investor</a:t>
-            </a:r>
+              <a:rPr lang="en-AU" sz="2800" dirty="0" smtClean="0"/>
+              <a:t>System size fetching</a:t>
+            </a:r>
+            <a:endParaRPr lang="en-AU" sz="2800" dirty="0"/>
           </a:p>
         </p:txBody>
       </p:sp>
@@ -17476,7 +17461,7 @@
             <a:pPr algn="ctr"/>
             <a:r>
               <a:rPr lang="en-AU" sz="2800" dirty="0" smtClean="0"/>
-              <a:t>Potential Investor</a:t>
+              <a:t>Efficiency loss calculation</a:t>
             </a:r>
             <a:endParaRPr lang="en-AU" sz="2800" dirty="0"/>
           </a:p>
@@ -17970,8 +17955,12 @@
               <a:t>Input </a:t>
             </a:r>
             <a:r>
-              <a:rPr lang="en-AU" sz="2800" smtClean="0"/>
-              <a:t>efficiency data</a:t>
+              <a:rPr lang="en-AU" sz="2800" dirty="0" smtClean="0"/>
+              <a:t>efficiency loss </a:t>
+            </a:r>
+            <a:r>
+              <a:rPr lang="en-AU" sz="2800" dirty="0" smtClean="0"/>
+              <a:t>data</a:t>
             </a:r>
             <a:endParaRPr lang="en-AU" sz="2800" dirty="0"/>
           </a:p>
@@ -18462,7 +18451,7 @@
             <a:pPr algn="ctr"/>
             <a:r>
               <a:rPr lang="en-AU" sz="2800" dirty="0" smtClean="0"/>
-              <a:t>Potential Investor</a:t>
+              <a:t>Efficiency loss data fetching</a:t>
             </a:r>
             <a:endParaRPr lang="en-AU" sz="2800" dirty="0"/>
           </a:p>
@@ -18953,7 +18942,11 @@
             <a:pPr algn="ctr"/>
             <a:r>
               <a:rPr lang="en-AU" sz="2800" dirty="0" smtClean="0"/>
-              <a:t>Potential Investor</a:t>
+              <a:t>Panel </a:t>
+            </a:r>
+            <a:r>
+              <a:rPr lang="en-AU" sz="2800" dirty="0" smtClean="0"/>
+              <a:t>lifetime input</a:t>
             </a:r>
             <a:endParaRPr lang="en-AU" sz="2800" dirty="0"/>
           </a:p>

--- a/Documentation/User Stories.pptx
+++ b/Documentation/User Stories.pptx
@@ -38,6 +38,9 @@
     <p:sldId id="286" r:id="rId33"/>
     <p:sldId id="287" r:id="rId34"/>
     <p:sldId id="288" r:id="rId35"/>
+    <p:sldId id="289" r:id="rId36"/>
+    <p:sldId id="290" r:id="rId37"/>
+    <p:sldId id="291" r:id="rId38"/>
   </p:sldIdLst>
   <p:sldSz cx="9906000" cy="6858000"/>
   <p:notesSz cx="7559675" cy="10691812"/>
@@ -85,7 +88,7 @@
       </p:grpSpPr>
       <p:sp>
         <p:nvSpPr>
-          <p:cNvPr id="26" name="PlaceHolder 1"/>
+          <p:cNvPr id="23" name="PlaceHolder 1"/>
           <p:cNvSpPr>
             <a:spLocks noGrp="1"/>
           </p:cNvSpPr>
@@ -96,7 +99,7 @@
         <p:spPr>
           <a:xfrm>
             <a:off x="743040" y="2130480"/>
-            <a:ext cx="8419680" cy="1469880"/>
+            <a:ext cx="8419320" cy="1469880"/>
           </a:xfrm>
           <a:prstGeom prst="rect">
             <a:avLst/>
@@ -105,13 +108,14 @@
         <p:txBody>
           <a:bodyPr anchor="ctr" bIns="0" lIns="0" rIns="0" tIns="0" wrap="none"/>
           <a:p>
-            <a:endParaRPr/>
-          </a:p>
-        </p:txBody>
-      </p:sp>
-      <p:sp>
-        <p:nvSpPr>
-          <p:cNvPr id="27" name="PlaceHolder 2"/>
+            <a:pPr algn="ctr"/>
+            <a:endParaRPr/>
+          </a:p>
+        </p:txBody>
+      </p:sp>
+      <p:sp>
+        <p:nvSpPr>
+          <p:cNvPr id="24" name="PlaceHolder 2"/>
           <p:cNvSpPr>
             <a:spLocks noGrp="1"/>
           </p:cNvSpPr>
@@ -137,7 +141,7 @@
       </p:sp>
       <p:sp>
         <p:nvSpPr>
-          <p:cNvPr id="28" name="PlaceHolder 3"/>
+          <p:cNvPr id="25" name="PlaceHolder 3"/>
           <p:cNvSpPr>
             <a:spLocks noGrp="1"/>
           </p:cNvSpPr>
@@ -185,7 +189,7 @@
       </p:grpSpPr>
       <p:sp>
         <p:nvSpPr>
-          <p:cNvPr id="29" name="PlaceHolder 1"/>
+          <p:cNvPr id="26" name="PlaceHolder 1"/>
           <p:cNvSpPr>
             <a:spLocks noGrp="1"/>
           </p:cNvSpPr>
@@ -196,7 +200,7 @@
         <p:spPr>
           <a:xfrm>
             <a:off x="743040" y="2130480"/>
-            <a:ext cx="8419680" cy="1469880"/>
+            <a:ext cx="8419320" cy="1469880"/>
           </a:xfrm>
           <a:prstGeom prst="rect">
             <a:avLst/>
@@ -205,13 +209,14 @@
         <p:txBody>
           <a:bodyPr anchor="ctr" bIns="0" lIns="0" rIns="0" tIns="0" wrap="none"/>
           <a:p>
-            <a:endParaRPr/>
-          </a:p>
-        </p:txBody>
-      </p:sp>
-      <p:sp>
-        <p:nvSpPr>
-          <p:cNvPr id="30" name="PlaceHolder 2"/>
+            <a:pPr algn="ctr"/>
+            <a:endParaRPr/>
+          </a:p>
+        </p:txBody>
+      </p:sp>
+      <p:sp>
+        <p:nvSpPr>
+          <p:cNvPr id="27" name="PlaceHolder 2"/>
           <p:cNvSpPr>
             <a:spLocks noGrp="1"/>
           </p:cNvSpPr>
@@ -237,7 +242,7 @@
       </p:sp>
       <p:sp>
         <p:nvSpPr>
-          <p:cNvPr id="31" name="PlaceHolder 3"/>
+          <p:cNvPr id="28" name="PlaceHolder 3"/>
           <p:cNvSpPr>
             <a:spLocks noGrp="1"/>
           </p:cNvSpPr>
@@ -263,7 +268,7 @@
       </p:sp>
       <p:sp>
         <p:nvSpPr>
-          <p:cNvPr id="32" name="PlaceHolder 4"/>
+          <p:cNvPr id="29" name="PlaceHolder 4"/>
           <p:cNvSpPr>
             <a:spLocks noGrp="1"/>
           </p:cNvSpPr>
@@ -289,7 +294,7 @@
       </p:sp>
       <p:sp>
         <p:nvSpPr>
-          <p:cNvPr id="33" name="PlaceHolder 5"/>
+          <p:cNvPr id="30" name="PlaceHolder 5"/>
           <p:cNvSpPr>
             <a:spLocks noGrp="1"/>
           </p:cNvSpPr>
@@ -337,7 +342,7 @@
       </p:grpSpPr>
       <p:sp>
         <p:nvSpPr>
-          <p:cNvPr id="34" name="PlaceHolder 1"/>
+          <p:cNvPr id="31" name="PlaceHolder 1"/>
           <p:cNvSpPr>
             <a:spLocks noGrp="1"/>
           </p:cNvSpPr>
@@ -348,7 +353,7 @@
         <p:spPr>
           <a:xfrm>
             <a:off x="743040" y="2130480"/>
-            <a:ext cx="8419680" cy="1469880"/>
+            <a:ext cx="8419320" cy="1469880"/>
           </a:xfrm>
           <a:prstGeom prst="rect">
             <a:avLst/>
@@ -357,13 +362,14 @@
         <p:txBody>
           <a:bodyPr anchor="ctr" bIns="0" lIns="0" rIns="0" tIns="0" wrap="none"/>
           <a:p>
-            <a:endParaRPr/>
-          </a:p>
-        </p:txBody>
-      </p:sp>
-      <p:sp>
-        <p:nvSpPr>
-          <p:cNvPr id="35" name="PlaceHolder 2"/>
+            <a:pPr algn="ctr"/>
+            <a:endParaRPr/>
+          </a:p>
+        </p:txBody>
+      </p:sp>
+      <p:sp>
+        <p:nvSpPr>
+          <p:cNvPr id="32" name="PlaceHolder 2"/>
           <p:cNvSpPr>
             <a:spLocks noGrp="1"/>
           </p:cNvSpPr>
@@ -389,7 +395,7 @@
       </p:sp>
       <p:sp>
         <p:nvSpPr>
-          <p:cNvPr id="36" name="PlaceHolder 3"/>
+          <p:cNvPr id="33" name="PlaceHolder 3"/>
           <p:cNvSpPr>
             <a:spLocks noGrp="1"/>
           </p:cNvSpPr>
@@ -437,7 +443,7 @@
       </p:grpSpPr>
       <p:sp>
         <p:nvSpPr>
-          <p:cNvPr id="5" name="PlaceHolder 1"/>
+          <p:cNvPr id="2" name="PlaceHolder 1"/>
           <p:cNvSpPr>
             <a:spLocks noGrp="1"/>
           </p:cNvSpPr>
@@ -448,7 +454,7 @@
         <p:spPr>
           <a:xfrm>
             <a:off x="743040" y="2130480"/>
-            <a:ext cx="8419680" cy="1469880"/>
+            <a:ext cx="8419320" cy="1469880"/>
           </a:xfrm>
           <a:prstGeom prst="rect">
             <a:avLst/>
@@ -457,13 +463,14 @@
         <p:txBody>
           <a:bodyPr anchor="ctr" bIns="0" lIns="0" rIns="0" tIns="0" wrap="none"/>
           <a:p>
-            <a:endParaRPr/>
-          </a:p>
-        </p:txBody>
-      </p:sp>
-      <p:sp>
-        <p:nvSpPr>
-          <p:cNvPr id="6" name="PlaceHolder 2"/>
+            <a:pPr algn="ctr"/>
+            <a:endParaRPr/>
+          </a:p>
+        </p:txBody>
+      </p:sp>
+      <p:sp>
+        <p:nvSpPr>
+          <p:cNvPr id="3" name="PlaceHolder 2"/>
           <p:cNvSpPr>
             <a:spLocks noGrp="1"/>
           </p:cNvSpPr>
@@ -512,7 +519,7 @@
       </p:grpSpPr>
       <p:sp>
         <p:nvSpPr>
-          <p:cNvPr id="7" name="PlaceHolder 1"/>
+          <p:cNvPr id="4" name="PlaceHolder 1"/>
           <p:cNvSpPr>
             <a:spLocks noGrp="1"/>
           </p:cNvSpPr>
@@ -523,7 +530,7 @@
         <p:spPr>
           <a:xfrm>
             <a:off x="743040" y="2130480"/>
-            <a:ext cx="8419680" cy="1469880"/>
+            <a:ext cx="8419320" cy="1469880"/>
           </a:xfrm>
           <a:prstGeom prst="rect">
             <a:avLst/>
@@ -532,13 +539,14 @@
         <p:txBody>
           <a:bodyPr anchor="ctr" bIns="0" lIns="0" rIns="0" tIns="0" wrap="none"/>
           <a:p>
-            <a:endParaRPr/>
-          </a:p>
-        </p:txBody>
-      </p:sp>
-      <p:sp>
-        <p:nvSpPr>
-          <p:cNvPr id="8" name="PlaceHolder 2"/>
+            <a:pPr algn="ctr"/>
+            <a:endParaRPr/>
+          </a:p>
+        </p:txBody>
+      </p:sp>
+      <p:sp>
+        <p:nvSpPr>
+          <p:cNvPr id="5" name="PlaceHolder 2"/>
           <p:cNvSpPr>
             <a:spLocks noGrp="1"/>
           </p:cNvSpPr>
@@ -586,7 +594,7 @@
       </p:grpSpPr>
       <p:sp>
         <p:nvSpPr>
-          <p:cNvPr id="9" name="PlaceHolder 1"/>
+          <p:cNvPr id="6" name="PlaceHolder 1"/>
           <p:cNvSpPr>
             <a:spLocks noGrp="1"/>
           </p:cNvSpPr>
@@ -597,7 +605,7 @@
         <p:spPr>
           <a:xfrm>
             <a:off x="743040" y="2130480"/>
-            <a:ext cx="8419680" cy="1469880"/>
+            <a:ext cx="8419320" cy="1469880"/>
           </a:xfrm>
           <a:prstGeom prst="rect">
             <a:avLst/>
@@ -606,13 +614,14 @@
         <p:txBody>
           <a:bodyPr anchor="ctr" bIns="0" lIns="0" rIns="0" tIns="0" wrap="none"/>
           <a:p>
-            <a:endParaRPr/>
-          </a:p>
-        </p:txBody>
-      </p:sp>
-      <p:sp>
-        <p:nvSpPr>
-          <p:cNvPr id="10" name="PlaceHolder 2"/>
+            <a:pPr algn="ctr"/>
+            <a:endParaRPr/>
+          </a:p>
+        </p:txBody>
+      </p:sp>
+      <p:sp>
+        <p:nvSpPr>
+          <p:cNvPr id="7" name="PlaceHolder 2"/>
           <p:cNvSpPr>
             <a:spLocks noGrp="1"/>
           </p:cNvSpPr>
@@ -638,7 +647,7 @@
       </p:sp>
       <p:sp>
         <p:nvSpPr>
-          <p:cNvPr id="11" name="PlaceHolder 3"/>
+          <p:cNvPr id="8" name="PlaceHolder 3"/>
           <p:cNvSpPr>
             <a:spLocks noGrp="1"/>
           </p:cNvSpPr>
@@ -686,7 +695,7 @@
       </p:grpSpPr>
       <p:sp>
         <p:nvSpPr>
-          <p:cNvPr id="12" name="PlaceHolder 1"/>
+          <p:cNvPr id="9" name="PlaceHolder 1"/>
           <p:cNvSpPr>
             <a:spLocks noGrp="1"/>
           </p:cNvSpPr>
@@ -697,7 +706,7 @@
         <p:spPr>
           <a:xfrm>
             <a:off x="743040" y="2130480"/>
-            <a:ext cx="8419680" cy="1469880"/>
+            <a:ext cx="8419320" cy="1469880"/>
           </a:xfrm>
           <a:prstGeom prst="rect">
             <a:avLst/>
@@ -706,6 +715,7 @@
         <p:txBody>
           <a:bodyPr anchor="ctr" bIns="0" lIns="0" rIns="0" tIns="0" wrap="none"/>
           <a:p>
+            <a:pPr algn="ctr"/>
             <a:endParaRPr/>
           </a:p>
         </p:txBody>
@@ -734,7 +744,7 @@
       </p:grpSpPr>
       <p:sp>
         <p:nvSpPr>
-          <p:cNvPr id="13" name="PlaceHolder 1"/>
+          <p:cNvPr id="10" name="PlaceHolder 1"/>
           <p:cNvSpPr>
             <a:spLocks noGrp="1"/>
           </p:cNvSpPr>
@@ -745,7 +755,7 @@
         <p:spPr>
           <a:xfrm>
             <a:off x="743040" y="2130480"/>
-            <a:ext cx="8419680" cy="3451320"/>
+            <a:ext cx="8419320" cy="3451320"/>
           </a:xfrm>
           <a:prstGeom prst="rect">
             <a:avLst/>
@@ -783,7 +793,7 @@
       </p:grpSpPr>
       <p:sp>
         <p:nvSpPr>
-          <p:cNvPr id="14" name="PlaceHolder 1"/>
+          <p:cNvPr id="11" name="PlaceHolder 1"/>
           <p:cNvSpPr>
             <a:spLocks noGrp="1"/>
           </p:cNvSpPr>
@@ -794,7 +804,7 @@
         <p:spPr>
           <a:xfrm>
             <a:off x="743040" y="2130480"/>
-            <a:ext cx="8419680" cy="1469880"/>
+            <a:ext cx="8419320" cy="1469880"/>
           </a:xfrm>
           <a:prstGeom prst="rect">
             <a:avLst/>
@@ -803,13 +813,14 @@
         <p:txBody>
           <a:bodyPr anchor="ctr" bIns="0" lIns="0" rIns="0" tIns="0" wrap="none"/>
           <a:p>
-            <a:endParaRPr/>
-          </a:p>
-        </p:txBody>
-      </p:sp>
-      <p:sp>
-        <p:nvSpPr>
-          <p:cNvPr id="15" name="PlaceHolder 2"/>
+            <a:pPr algn="ctr"/>
+            <a:endParaRPr/>
+          </a:p>
+        </p:txBody>
+      </p:sp>
+      <p:sp>
+        <p:nvSpPr>
+          <p:cNvPr id="12" name="PlaceHolder 2"/>
           <p:cNvSpPr>
             <a:spLocks noGrp="1"/>
           </p:cNvSpPr>
@@ -835,7 +846,7 @@
       </p:sp>
       <p:sp>
         <p:nvSpPr>
-          <p:cNvPr id="16" name="PlaceHolder 3"/>
+          <p:cNvPr id="13" name="PlaceHolder 3"/>
           <p:cNvSpPr>
             <a:spLocks noGrp="1"/>
           </p:cNvSpPr>
@@ -861,7 +872,7 @@
       </p:sp>
       <p:sp>
         <p:nvSpPr>
-          <p:cNvPr id="17" name="PlaceHolder 4"/>
+          <p:cNvPr id="14" name="PlaceHolder 4"/>
           <p:cNvSpPr>
             <a:spLocks noGrp="1"/>
           </p:cNvSpPr>
@@ -909,7 +920,7 @@
       </p:grpSpPr>
       <p:sp>
         <p:nvSpPr>
-          <p:cNvPr id="18" name="PlaceHolder 1"/>
+          <p:cNvPr id="15" name="PlaceHolder 1"/>
           <p:cNvSpPr>
             <a:spLocks noGrp="1"/>
           </p:cNvSpPr>
@@ -920,7 +931,7 @@
         <p:spPr>
           <a:xfrm>
             <a:off x="743040" y="2130480"/>
-            <a:ext cx="8419680" cy="1469880"/>
+            <a:ext cx="8419320" cy="1469880"/>
           </a:xfrm>
           <a:prstGeom prst="rect">
             <a:avLst/>
@@ -929,13 +940,14 @@
         <p:txBody>
           <a:bodyPr anchor="ctr" bIns="0" lIns="0" rIns="0" tIns="0" wrap="none"/>
           <a:p>
-            <a:endParaRPr/>
-          </a:p>
-        </p:txBody>
-      </p:sp>
-      <p:sp>
-        <p:nvSpPr>
-          <p:cNvPr id="19" name="PlaceHolder 2"/>
+            <a:pPr algn="ctr"/>
+            <a:endParaRPr/>
+          </a:p>
+        </p:txBody>
+      </p:sp>
+      <p:sp>
+        <p:nvSpPr>
+          <p:cNvPr id="16" name="PlaceHolder 2"/>
           <p:cNvSpPr>
             <a:spLocks noGrp="1"/>
           </p:cNvSpPr>
@@ -961,7 +973,7 @@
       </p:sp>
       <p:sp>
         <p:nvSpPr>
-          <p:cNvPr id="20" name="PlaceHolder 3"/>
+          <p:cNvPr id="17" name="PlaceHolder 3"/>
           <p:cNvSpPr>
             <a:spLocks noGrp="1"/>
           </p:cNvSpPr>
@@ -987,7 +999,7 @@
       </p:sp>
       <p:sp>
         <p:nvSpPr>
-          <p:cNvPr id="21" name="PlaceHolder 4"/>
+          <p:cNvPr id="18" name="PlaceHolder 4"/>
           <p:cNvSpPr>
             <a:spLocks noGrp="1"/>
           </p:cNvSpPr>
@@ -1035,7 +1047,7 @@
       </p:grpSpPr>
       <p:sp>
         <p:nvSpPr>
-          <p:cNvPr id="22" name="PlaceHolder 1"/>
+          <p:cNvPr id="19" name="PlaceHolder 1"/>
           <p:cNvSpPr>
             <a:spLocks noGrp="1"/>
           </p:cNvSpPr>
@@ -1046,7 +1058,7 @@
         <p:spPr>
           <a:xfrm>
             <a:off x="743040" y="2130480"/>
-            <a:ext cx="8419680" cy="1469880"/>
+            <a:ext cx="8419320" cy="1469880"/>
           </a:xfrm>
           <a:prstGeom prst="rect">
             <a:avLst/>
@@ -1055,13 +1067,14 @@
         <p:txBody>
           <a:bodyPr anchor="ctr" bIns="0" lIns="0" rIns="0" tIns="0" wrap="none"/>
           <a:p>
-            <a:endParaRPr/>
-          </a:p>
-        </p:txBody>
-      </p:sp>
-      <p:sp>
-        <p:nvSpPr>
-          <p:cNvPr id="23" name="PlaceHolder 2"/>
+            <a:pPr algn="ctr"/>
+            <a:endParaRPr/>
+          </a:p>
+        </p:txBody>
+      </p:sp>
+      <p:sp>
+        <p:nvSpPr>
+          <p:cNvPr id="20" name="PlaceHolder 2"/>
           <p:cNvSpPr>
             <a:spLocks noGrp="1"/>
           </p:cNvSpPr>
@@ -1087,7 +1100,7 @@
       </p:sp>
       <p:sp>
         <p:nvSpPr>
-          <p:cNvPr id="24" name="PlaceHolder 3"/>
+          <p:cNvPr id="21" name="PlaceHolder 3"/>
           <p:cNvSpPr>
             <a:spLocks noGrp="1"/>
           </p:cNvSpPr>
@@ -1113,7 +1126,7 @@
       </p:sp>
       <p:sp>
         <p:nvSpPr>
-          <p:cNvPr id="25" name="PlaceHolder 4"/>
+          <p:cNvPr id="22" name="PlaceHolder 4"/>
           <p:cNvSpPr>
             <a:spLocks noGrp="1"/>
           </p:cNvSpPr>
@@ -1179,28 +1192,18 @@
         <p:spPr>
           <a:xfrm>
             <a:off x="743040" y="2130480"/>
-            <a:ext cx="8419680" cy="1469520"/>
-          </a:xfrm>
-          <a:prstGeom prst="rect">
-            <a:avLst/>
-          </a:prstGeom>
-        </p:spPr>
-        <p:txBody>
-          <a:bodyPr anchor="ctr"/>
-          <a:p>
-            <a:pPr algn="ctr">
-              <a:lnSpc>
-                <a:spcPct val="100000"/>
-              </a:lnSpc>
-            </a:pPr>
-            <a:r>
-              <a:rPr lang="en-US" sz="4400">
-                <a:solidFill>
-                  <a:srgbClr val="000000"/>
-                </a:solidFill>
-                <a:latin typeface="Calibri"/>
-              </a:rPr>
-              <a:t>Click to edit the title text formatClick to edit Master title style</a:t>
+            <a:ext cx="8419320" cy="1469520"/>
+          </a:xfrm>
+          <a:prstGeom prst="rect">
+            <a:avLst/>
+          </a:prstGeom>
+        </p:spPr>
+        <p:txBody>
+          <a:bodyPr anchor="ctr" bIns="0" lIns="0" rIns="0" tIns="0" wrap="none"/>
+          <a:p>
+            <a:r>
+              <a:rPr lang="en-AU"/>
+              <a:t>Click to edit the title text format</a:t>
             </a:r>
             <a:endParaRPr/>
           </a:p>
@@ -1209,112 +1212,6 @@
       <p:sp>
         <p:nvSpPr>
           <p:cNvPr id="1" name="PlaceHolder 2"/>
-          <p:cNvSpPr>
-            <a:spLocks noGrp="1"/>
-          </p:cNvSpPr>
-          <p:nvPr>
-            <p:ph type="dt"/>
-          </p:nvPr>
-        </p:nvSpPr>
-        <p:spPr>
-          <a:xfrm>
-            <a:off x="0" y="0"/>
-            <a:ext cx="-11796840" cy="-11796840"/>
-          </a:xfrm>
-          <a:prstGeom prst="rect">
-            <a:avLst/>
-          </a:prstGeom>
-        </p:spPr>
-        <p:txBody>
-          <a:bodyPr bIns="45000" lIns="90000" rIns="90000" tIns="45000"/>
-          <a:p>
-            <a:pPr>
-              <a:lnSpc>
-                <a:spcPct val="100000"/>
-              </a:lnSpc>
-            </a:pPr>
-            <a:r>
-              <a:rPr lang="en-AU">
-                <a:solidFill>
-                  <a:srgbClr val="000000"/>
-                </a:solidFill>
-                <a:latin typeface="Calibri"/>
-              </a:rPr>
-              <a:t>16/08/12</a:t>
-            </a:r>
-            <a:endParaRPr/>
-          </a:p>
-        </p:txBody>
-      </p:sp>
-      <p:sp>
-        <p:nvSpPr>
-          <p:cNvPr id="2" name="PlaceHolder 3"/>
-          <p:cNvSpPr>
-            <a:spLocks noGrp="1"/>
-          </p:cNvSpPr>
-          <p:nvPr>
-            <p:ph type="ftr"/>
-          </p:nvPr>
-        </p:nvSpPr>
-        <p:spPr>
-          <a:xfrm>
-            <a:off x="0" y="0"/>
-            <a:ext cx="-11796840" cy="-11796840"/>
-          </a:xfrm>
-          <a:prstGeom prst="rect">
-            <a:avLst/>
-          </a:prstGeom>
-        </p:spPr>
-        <p:txBody>
-          <a:bodyPr bIns="45000" lIns="90000" rIns="90000" tIns="45000"/>
-          <a:p>
-            <a:endParaRPr/>
-          </a:p>
-        </p:txBody>
-      </p:sp>
-      <p:sp>
-        <p:nvSpPr>
-          <p:cNvPr id="3" name="PlaceHolder 4"/>
-          <p:cNvSpPr>
-            <a:spLocks noGrp="1"/>
-          </p:cNvSpPr>
-          <p:nvPr>
-            <p:ph type="sldNum"/>
-          </p:nvPr>
-        </p:nvSpPr>
-        <p:spPr>
-          <a:xfrm>
-            <a:off x="0" y="0"/>
-            <a:ext cx="-11796840" cy="-11796840"/>
-          </a:xfrm>
-          <a:prstGeom prst="rect">
-            <a:avLst/>
-          </a:prstGeom>
-        </p:spPr>
-        <p:txBody>
-          <a:bodyPr bIns="45000" lIns="90000" rIns="90000" tIns="45000"/>
-          <a:p>
-            <a:pPr>
-              <a:lnSpc>
-                <a:spcPct val="100000"/>
-              </a:lnSpc>
-            </a:pPr>
-            <a:fld id="{31B1F1E1-51B1-4161-B141-71F111816111}" type="slidenum">
-              <a:rPr lang="en-AU">
-                <a:solidFill>
-                  <a:srgbClr val="000000"/>
-                </a:solidFill>
-                <a:latin typeface="Calibri"/>
-              </a:rPr>
-              <a:t>&lt;number&gt;</a:t>
-            </a:fld>
-            <a:endParaRPr/>
-          </a:p>
-        </p:txBody>
-      </p:sp>
-      <p:sp>
-        <p:nvSpPr>
-          <p:cNvPr id="4" name="PlaceHolder 5"/>
           <p:cNvSpPr>
             <a:spLocks noGrp="1"/>
           </p:cNvSpPr>
@@ -1340,7 +1237,7 @@
               <a:buChar char=""/>
             </a:pPr>
             <a:r>
-              <a:rPr lang="en-US"/>
+              <a:rPr lang="en-AU"/>
               <a:t>Click to edit the outline text format</a:t>
             </a:r>
             <a:endParaRPr/>
@@ -1352,7 +1249,7 @@
               <a:buChar char=""/>
             </a:pPr>
             <a:r>
-              <a:rPr lang="en-US"/>
+              <a:rPr lang="en-AU"/>
               <a:t>Second Outline Level</a:t>
             </a:r>
             <a:endParaRPr/>
@@ -1364,7 +1261,7 @@
               <a:buChar char=""/>
             </a:pPr>
             <a:r>
-              <a:rPr lang="en-US"/>
+              <a:rPr lang="en-AU"/>
               <a:t>Third Outline Level</a:t>
             </a:r>
             <a:endParaRPr/>
@@ -1376,7 +1273,7 @@
               <a:buChar char=""/>
             </a:pPr>
             <a:r>
-              <a:rPr lang="en-US"/>
+              <a:rPr lang="en-AU"/>
               <a:t>Fourth Outline Level</a:t>
             </a:r>
             <a:endParaRPr/>
@@ -1388,7 +1285,7 @@
               <a:buChar char=""/>
             </a:pPr>
             <a:r>
-              <a:rPr lang="en-US"/>
+              <a:rPr lang="en-AU"/>
               <a:t>Fifth Outline Level</a:t>
             </a:r>
             <a:endParaRPr/>
@@ -1400,7 +1297,7 @@
               <a:buChar char=""/>
             </a:pPr>
             <a:r>
-              <a:rPr lang="en-US"/>
+              <a:rPr lang="en-AU"/>
               <a:t>Sixth Outline Level</a:t>
             </a:r>
             <a:endParaRPr/>
@@ -1412,7 +1309,7 @@
               <a:buChar char=""/>
             </a:pPr>
             <a:r>
-              <a:rPr lang="en-US"/>
+              <a:rPr lang="en-AU"/>
               <a:t>Seventh Outline Level</a:t>
             </a:r>
             <a:endParaRPr/>
@@ -1458,14 +1355,14 @@
       </p:grpSpPr>
       <p:sp>
         <p:nvSpPr>
-          <p:cNvPr id="37" name="CustomShape 1"/>
+          <p:cNvPr id="34" name="CustomShape 1"/>
           <p:cNvSpPr/>
           <p:nvPr/>
         </p:nvSpPr>
         <p:spPr>
           <a:xfrm>
             <a:off x="39240" y="109440"/>
-            <a:ext cx="719640" cy="539640"/>
+            <a:ext cx="719280" cy="539280"/>
           </a:xfrm>
           <a:prstGeom prst="rect">
             <a:avLst/>
@@ -1503,14 +1400,14 @@
       </p:sp>
       <p:sp>
         <p:nvSpPr>
-          <p:cNvPr id="38" name="CustomShape 2"/>
+          <p:cNvPr id="35" name="CustomShape 2"/>
           <p:cNvSpPr/>
           <p:nvPr/>
         </p:nvSpPr>
         <p:spPr>
           <a:xfrm>
             <a:off x="831240" y="109440"/>
-            <a:ext cx="7379640" cy="539640"/>
+            <a:ext cx="7379280" cy="539280"/>
           </a:xfrm>
           <a:prstGeom prst="rect">
             <a:avLst/>
@@ -1548,14 +1445,14 @@
       </p:sp>
       <p:sp>
         <p:nvSpPr>
-          <p:cNvPr id="39" name="CustomShape 3"/>
+          <p:cNvPr id="36" name="CustomShape 3"/>
           <p:cNvSpPr/>
           <p:nvPr/>
         </p:nvSpPr>
         <p:spPr>
           <a:xfrm>
             <a:off x="39240" y="822600"/>
-            <a:ext cx="9827640" cy="2339640"/>
+            <a:ext cx="9827280" cy="2339280"/>
           </a:xfrm>
           <a:prstGeom prst="rect">
             <a:avLst/>
@@ -1593,14 +1490,14 @@
       </p:sp>
       <p:sp>
         <p:nvSpPr>
-          <p:cNvPr id="40" name="CustomShape 4"/>
+          <p:cNvPr id="37" name="CustomShape 4"/>
           <p:cNvSpPr/>
           <p:nvPr/>
         </p:nvSpPr>
         <p:spPr>
           <a:xfrm>
             <a:off x="39240" y="3335400"/>
-            <a:ext cx="9827640" cy="1619640"/>
+            <a:ext cx="9827280" cy="1619280"/>
           </a:xfrm>
           <a:prstGeom prst="rect">
             <a:avLst/>
@@ -1666,14 +1563,14 @@
       </p:sp>
       <p:sp>
         <p:nvSpPr>
-          <p:cNvPr id="41" name="CustomShape 5"/>
+          <p:cNvPr id="38" name="CustomShape 5"/>
           <p:cNvSpPr/>
           <p:nvPr/>
         </p:nvSpPr>
         <p:spPr>
           <a:xfrm>
             <a:off x="9147240" y="109440"/>
-            <a:ext cx="719640" cy="539640"/>
+            <a:ext cx="719280" cy="539280"/>
           </a:xfrm>
           <a:prstGeom prst="rect">
             <a:avLst/>
@@ -1711,14 +1608,14 @@
       </p:sp>
       <p:sp>
         <p:nvSpPr>
-          <p:cNvPr id="42" name="CustomShape 6"/>
+          <p:cNvPr id="39" name="CustomShape 6"/>
           <p:cNvSpPr/>
           <p:nvPr/>
         </p:nvSpPr>
         <p:spPr>
           <a:xfrm>
             <a:off x="8283240" y="109440"/>
-            <a:ext cx="791640" cy="539640"/>
+            <a:ext cx="791280" cy="539280"/>
           </a:xfrm>
           <a:prstGeom prst="rect">
             <a:avLst/>
@@ -1756,14 +1653,14 @@
       </p:sp>
       <p:sp>
         <p:nvSpPr>
-          <p:cNvPr id="43" name="CustomShape 7"/>
+          <p:cNvPr id="40" name="CustomShape 7"/>
           <p:cNvSpPr/>
           <p:nvPr/>
         </p:nvSpPr>
         <p:spPr>
           <a:xfrm>
             <a:off x="39240" y="5128560"/>
-            <a:ext cx="9827640" cy="1619640"/>
+            <a:ext cx="9827280" cy="1619280"/>
           </a:xfrm>
           <a:prstGeom prst="rect">
             <a:avLst/>
@@ -1820,6 +1717,35 @@
       </p:sp>
     </p:spTree>
   </p:cSld>
+  <p:timing>
+    <p:tnLst>
+      <p:par>
+        <p:cTn dur="indefinite" id="1" nodeType="tmRoot" restart="never">
+          <p:childTnLst>
+            <p:seq>
+              <p:cTn id="2" nodeType="mainSeq">
+                <p:childTnLst/>
+              </p:cTn>
+              <p:prevCondLst>
+                <p:cond delay="0" evt="onPrev">
+                  <p:tgtEl>
+                    <p:sldTgt/>
+                  </p:tgtEl>
+                </p:cond>
+              </p:prevCondLst>
+              <p:nextCondLst>
+                <p:cond delay="0" evt="onNext">
+                  <p:tgtEl>
+                    <p:sldTgt/>
+                  </p:tgtEl>
+                </p:cond>
+              </p:nextCondLst>
+            </p:seq>
+          </p:childTnLst>
+        </p:cTn>
+      </p:par>
+    </p:tnLst>
+  </p:timing>
 </p:sld>
 </file>
 
@@ -1842,14 +1768,14 @@
       </p:grpSpPr>
       <p:sp>
         <p:nvSpPr>
-          <p:cNvPr id="100" name="CustomShape 1"/>
+          <p:cNvPr id="97" name="CustomShape 1"/>
           <p:cNvSpPr/>
           <p:nvPr/>
         </p:nvSpPr>
         <p:spPr>
           <a:xfrm>
             <a:off x="39240" y="109440"/>
-            <a:ext cx="719640" cy="539640"/>
+            <a:ext cx="719280" cy="539280"/>
           </a:xfrm>
           <a:prstGeom prst="rect">
             <a:avLst/>
@@ -1887,14 +1813,14 @@
       </p:sp>
       <p:sp>
         <p:nvSpPr>
-          <p:cNvPr id="101" name="CustomShape 2"/>
+          <p:cNvPr id="98" name="CustomShape 2"/>
           <p:cNvSpPr/>
           <p:nvPr/>
         </p:nvSpPr>
         <p:spPr>
           <a:xfrm>
             <a:off x="831240" y="109440"/>
-            <a:ext cx="7379640" cy="539640"/>
+            <a:ext cx="7379280" cy="539280"/>
           </a:xfrm>
           <a:prstGeom prst="rect">
             <a:avLst/>
@@ -1932,14 +1858,14 @@
       </p:sp>
       <p:sp>
         <p:nvSpPr>
-          <p:cNvPr id="102" name="CustomShape 3"/>
+          <p:cNvPr id="99" name="CustomShape 3"/>
           <p:cNvSpPr/>
           <p:nvPr/>
         </p:nvSpPr>
         <p:spPr>
           <a:xfrm>
             <a:off x="39240" y="822600"/>
-            <a:ext cx="9827640" cy="2339640"/>
+            <a:ext cx="9827280" cy="2339280"/>
           </a:xfrm>
           <a:prstGeom prst="rect">
             <a:avLst/>
@@ -1977,14 +1903,14 @@
       </p:sp>
       <p:sp>
         <p:nvSpPr>
-          <p:cNvPr id="103" name="CustomShape 4"/>
+          <p:cNvPr id="100" name="CustomShape 4"/>
           <p:cNvSpPr/>
           <p:nvPr/>
         </p:nvSpPr>
         <p:spPr>
           <a:xfrm>
             <a:off x="39240" y="3335400"/>
-            <a:ext cx="9827640" cy="1619640"/>
+            <a:ext cx="9827280" cy="1619280"/>
           </a:xfrm>
           <a:prstGeom prst="rect">
             <a:avLst/>
@@ -2041,14 +1967,14 @@
       </p:sp>
       <p:sp>
         <p:nvSpPr>
-          <p:cNvPr id="104" name="CustomShape 5"/>
+          <p:cNvPr id="101" name="CustomShape 5"/>
           <p:cNvSpPr/>
           <p:nvPr/>
         </p:nvSpPr>
         <p:spPr>
           <a:xfrm>
             <a:off x="9147240" y="109440"/>
-            <a:ext cx="719640" cy="539640"/>
+            <a:ext cx="719280" cy="539280"/>
           </a:xfrm>
           <a:prstGeom prst="rect">
             <a:avLst/>
@@ -2086,14 +2012,14 @@
       </p:sp>
       <p:sp>
         <p:nvSpPr>
-          <p:cNvPr id="105" name="CustomShape 6"/>
+          <p:cNvPr id="102" name="CustomShape 6"/>
           <p:cNvSpPr/>
           <p:nvPr/>
         </p:nvSpPr>
         <p:spPr>
           <a:xfrm>
             <a:off x="8283240" y="109440"/>
-            <a:ext cx="791640" cy="539640"/>
+            <a:ext cx="791280" cy="539280"/>
           </a:xfrm>
           <a:prstGeom prst="rect">
             <a:avLst/>
@@ -2131,14 +2057,14 @@
       </p:sp>
       <p:sp>
         <p:nvSpPr>
-          <p:cNvPr id="106" name="CustomShape 7"/>
+          <p:cNvPr id="103" name="CustomShape 7"/>
           <p:cNvSpPr/>
           <p:nvPr/>
         </p:nvSpPr>
         <p:spPr>
           <a:xfrm>
             <a:off x="39240" y="5128560"/>
-            <a:ext cx="9827640" cy="1619640"/>
+            <a:ext cx="9827280" cy="1619280"/>
           </a:xfrm>
           <a:prstGeom prst="rect">
             <a:avLst/>
@@ -2198,10 +2124,10 @@
   <p:timing>
     <p:tnLst>
       <p:par>
-        <p:cTn dur="indefinite" id="7" nodeType="tmRoot" restart="never">
+        <p:cTn dur="indefinite" id="11" nodeType="tmRoot" restart="never">
           <p:childTnLst>
             <p:seq>
-              <p:cTn id="8" nodeType="mainSeq">
+              <p:cTn id="12" nodeType="mainSeq">
                 <p:childTnLst/>
               </p:cTn>
               <p:prevCondLst>
@@ -2246,14 +2172,14 @@
       </p:grpSpPr>
       <p:sp>
         <p:nvSpPr>
-          <p:cNvPr id="107" name="CustomShape 1"/>
+          <p:cNvPr id="104" name="CustomShape 1"/>
           <p:cNvSpPr/>
           <p:nvPr/>
         </p:nvSpPr>
         <p:spPr>
           <a:xfrm>
             <a:off x="39240" y="109440"/>
-            <a:ext cx="719640" cy="539640"/>
+            <a:ext cx="719280" cy="539280"/>
           </a:xfrm>
           <a:prstGeom prst="rect">
             <a:avLst/>
@@ -2291,14 +2217,14 @@
       </p:sp>
       <p:sp>
         <p:nvSpPr>
-          <p:cNvPr id="108" name="CustomShape 2"/>
+          <p:cNvPr id="105" name="CustomShape 2"/>
           <p:cNvSpPr/>
           <p:nvPr/>
         </p:nvSpPr>
         <p:spPr>
           <a:xfrm>
             <a:off x="831240" y="109440"/>
-            <a:ext cx="7379640" cy="539640"/>
+            <a:ext cx="7379280" cy="539280"/>
           </a:xfrm>
           <a:prstGeom prst="rect">
             <a:avLst/>
@@ -2336,14 +2262,14 @@
       </p:sp>
       <p:sp>
         <p:nvSpPr>
-          <p:cNvPr id="109" name="CustomShape 3"/>
+          <p:cNvPr id="106" name="CustomShape 3"/>
           <p:cNvSpPr/>
           <p:nvPr/>
         </p:nvSpPr>
         <p:spPr>
           <a:xfrm>
             <a:off x="39240" y="822600"/>
-            <a:ext cx="9827640" cy="2339640"/>
+            <a:ext cx="9827280" cy="2339280"/>
           </a:xfrm>
           <a:prstGeom prst="rect">
             <a:avLst/>
@@ -2381,14 +2307,14 @@
       </p:sp>
       <p:sp>
         <p:nvSpPr>
-          <p:cNvPr id="110" name="CustomShape 4"/>
+          <p:cNvPr id="107" name="CustomShape 4"/>
           <p:cNvSpPr/>
           <p:nvPr/>
         </p:nvSpPr>
         <p:spPr>
           <a:xfrm>
             <a:off x="39240" y="3335400"/>
-            <a:ext cx="9827640" cy="1619640"/>
+            <a:ext cx="9827280" cy="1619280"/>
           </a:xfrm>
           <a:prstGeom prst="rect">
             <a:avLst/>
@@ -2482,14 +2408,14 @@
       </p:sp>
       <p:sp>
         <p:nvSpPr>
-          <p:cNvPr id="111" name="CustomShape 5"/>
+          <p:cNvPr id="108" name="CustomShape 5"/>
           <p:cNvSpPr/>
           <p:nvPr/>
         </p:nvSpPr>
         <p:spPr>
           <a:xfrm>
             <a:off x="9147240" y="109440"/>
-            <a:ext cx="719640" cy="539640"/>
+            <a:ext cx="719280" cy="539280"/>
           </a:xfrm>
           <a:prstGeom prst="rect">
             <a:avLst/>
@@ -2527,14 +2453,14 @@
       </p:sp>
       <p:sp>
         <p:nvSpPr>
-          <p:cNvPr id="112" name="CustomShape 6"/>
+          <p:cNvPr id="109" name="CustomShape 6"/>
           <p:cNvSpPr/>
           <p:nvPr/>
         </p:nvSpPr>
         <p:spPr>
           <a:xfrm>
             <a:off x="8283240" y="109440"/>
-            <a:ext cx="791640" cy="539640"/>
+            <a:ext cx="791280" cy="539280"/>
           </a:xfrm>
           <a:prstGeom prst="rect">
             <a:avLst/>
@@ -2572,14 +2498,14 @@
       </p:sp>
       <p:sp>
         <p:nvSpPr>
-          <p:cNvPr id="113" name="CustomShape 7"/>
+          <p:cNvPr id="110" name="CustomShape 7"/>
           <p:cNvSpPr/>
           <p:nvPr/>
         </p:nvSpPr>
         <p:spPr>
           <a:xfrm>
             <a:off x="39240" y="5128560"/>
-            <a:ext cx="9827640" cy="1619640"/>
+            <a:ext cx="9827280" cy="1619280"/>
           </a:xfrm>
           <a:prstGeom prst="rect">
             <a:avLst/>
@@ -2667,14 +2593,14 @@
       </p:grpSpPr>
       <p:sp>
         <p:nvSpPr>
-          <p:cNvPr id="114" name="CustomShape 1"/>
+          <p:cNvPr id="111" name="CustomShape 1"/>
           <p:cNvSpPr/>
           <p:nvPr/>
         </p:nvSpPr>
         <p:spPr>
           <a:xfrm>
             <a:off x="39240" y="109440"/>
-            <a:ext cx="719640" cy="539640"/>
+            <a:ext cx="719280" cy="539280"/>
           </a:xfrm>
           <a:prstGeom prst="rect">
             <a:avLst/>
@@ -2712,14 +2638,14 @@
       </p:sp>
       <p:sp>
         <p:nvSpPr>
-          <p:cNvPr id="115" name="CustomShape 2"/>
+          <p:cNvPr id="112" name="CustomShape 2"/>
           <p:cNvSpPr/>
           <p:nvPr/>
         </p:nvSpPr>
         <p:spPr>
           <a:xfrm>
             <a:off x="831240" y="109440"/>
-            <a:ext cx="7379640" cy="539640"/>
+            <a:ext cx="7379280" cy="539280"/>
           </a:xfrm>
           <a:prstGeom prst="rect">
             <a:avLst/>
@@ -2757,14 +2683,14 @@
       </p:sp>
       <p:sp>
         <p:nvSpPr>
-          <p:cNvPr id="116" name="CustomShape 3"/>
+          <p:cNvPr id="113" name="CustomShape 3"/>
           <p:cNvSpPr/>
           <p:nvPr/>
         </p:nvSpPr>
         <p:spPr>
           <a:xfrm>
             <a:off x="39240" y="822600"/>
-            <a:ext cx="9827640" cy="2339640"/>
+            <a:ext cx="9827280" cy="2339280"/>
           </a:xfrm>
           <a:prstGeom prst="rect">
             <a:avLst/>
@@ -2802,14 +2728,14 @@
       </p:sp>
       <p:sp>
         <p:nvSpPr>
-          <p:cNvPr id="117" name="CustomShape 4"/>
+          <p:cNvPr id="114" name="CustomShape 4"/>
           <p:cNvSpPr/>
           <p:nvPr/>
         </p:nvSpPr>
         <p:spPr>
           <a:xfrm>
             <a:off x="39240" y="3335400"/>
-            <a:ext cx="9827640" cy="1619640"/>
+            <a:ext cx="9827280" cy="1619280"/>
           </a:xfrm>
           <a:prstGeom prst="rect">
             <a:avLst/>
@@ -2866,14 +2792,14 @@
       </p:sp>
       <p:sp>
         <p:nvSpPr>
-          <p:cNvPr id="118" name="CustomShape 5"/>
+          <p:cNvPr id="115" name="CustomShape 5"/>
           <p:cNvSpPr/>
           <p:nvPr/>
         </p:nvSpPr>
         <p:spPr>
           <a:xfrm>
             <a:off x="9147240" y="109440"/>
-            <a:ext cx="719640" cy="539640"/>
+            <a:ext cx="719280" cy="539280"/>
           </a:xfrm>
           <a:prstGeom prst="rect">
             <a:avLst/>
@@ -2911,14 +2837,14 @@
       </p:sp>
       <p:sp>
         <p:nvSpPr>
-          <p:cNvPr id="119" name="CustomShape 6"/>
+          <p:cNvPr id="116" name="CustomShape 6"/>
           <p:cNvSpPr/>
           <p:nvPr/>
         </p:nvSpPr>
         <p:spPr>
           <a:xfrm>
             <a:off x="8283240" y="109440"/>
-            <a:ext cx="791640" cy="539640"/>
+            <a:ext cx="791280" cy="539280"/>
           </a:xfrm>
           <a:prstGeom prst="rect">
             <a:avLst/>
@@ -2956,14 +2882,14 @@
       </p:sp>
       <p:sp>
         <p:nvSpPr>
-          <p:cNvPr id="120" name="CustomShape 7"/>
+          <p:cNvPr id="117" name="CustomShape 7"/>
           <p:cNvSpPr/>
           <p:nvPr/>
         </p:nvSpPr>
         <p:spPr>
           <a:xfrm>
             <a:off x="39240" y="5128560"/>
-            <a:ext cx="9827640" cy="1619640"/>
+            <a:ext cx="9827280" cy="1619280"/>
           </a:xfrm>
           <a:prstGeom prst="rect">
             <a:avLst/>
@@ -3023,10 +2949,10 @@
   <p:timing>
     <p:tnLst>
       <p:par>
-        <p:cTn dur="indefinite" id="9" nodeType="tmRoot" restart="never">
+        <p:cTn dur="indefinite" id="13" nodeType="tmRoot" restart="never">
           <p:childTnLst>
             <p:seq>
-              <p:cTn id="10" nodeType="mainSeq">
+              <p:cTn id="14" nodeType="mainSeq">
                 <p:childTnLst/>
               </p:cTn>
               <p:prevCondLst>
@@ -3071,14 +2997,14 @@
       </p:grpSpPr>
       <p:sp>
         <p:nvSpPr>
-          <p:cNvPr id="121" name="CustomShape 1"/>
+          <p:cNvPr id="118" name="CustomShape 1"/>
           <p:cNvSpPr/>
           <p:nvPr/>
         </p:nvSpPr>
         <p:spPr>
           <a:xfrm>
             <a:off x="39240" y="109440"/>
-            <a:ext cx="719640" cy="539640"/>
+            <a:ext cx="719280" cy="539280"/>
           </a:xfrm>
           <a:prstGeom prst="rect">
             <a:avLst/>
@@ -3116,14 +3042,14 @@
       </p:sp>
       <p:sp>
         <p:nvSpPr>
-          <p:cNvPr id="122" name="CustomShape 2"/>
+          <p:cNvPr id="119" name="CustomShape 2"/>
           <p:cNvSpPr/>
           <p:nvPr/>
         </p:nvSpPr>
         <p:spPr>
           <a:xfrm>
             <a:off x="831240" y="109440"/>
-            <a:ext cx="7379640" cy="539640"/>
+            <a:ext cx="7379280" cy="539280"/>
           </a:xfrm>
           <a:prstGeom prst="rect">
             <a:avLst/>
@@ -3161,14 +3087,14 @@
       </p:sp>
       <p:sp>
         <p:nvSpPr>
-          <p:cNvPr id="123" name="CustomShape 3"/>
+          <p:cNvPr id="120" name="CustomShape 3"/>
           <p:cNvSpPr/>
           <p:nvPr/>
         </p:nvSpPr>
         <p:spPr>
           <a:xfrm>
             <a:off x="39240" y="822600"/>
-            <a:ext cx="9827640" cy="2339640"/>
+            <a:ext cx="9827280" cy="2339280"/>
           </a:xfrm>
           <a:prstGeom prst="rect">
             <a:avLst/>
@@ -3206,14 +3132,14 @@
       </p:sp>
       <p:sp>
         <p:nvSpPr>
-          <p:cNvPr id="124" name="CustomShape 4"/>
+          <p:cNvPr id="121" name="CustomShape 4"/>
           <p:cNvSpPr/>
           <p:nvPr/>
         </p:nvSpPr>
         <p:spPr>
           <a:xfrm>
             <a:off x="39240" y="3335400"/>
-            <a:ext cx="9827640" cy="1619640"/>
+            <a:ext cx="9827280" cy="1619280"/>
           </a:xfrm>
           <a:prstGeom prst="rect">
             <a:avLst/>
@@ -3279,14 +3205,14 @@
       </p:sp>
       <p:sp>
         <p:nvSpPr>
-          <p:cNvPr id="125" name="CustomShape 5"/>
+          <p:cNvPr id="122" name="CustomShape 5"/>
           <p:cNvSpPr/>
           <p:nvPr/>
         </p:nvSpPr>
         <p:spPr>
           <a:xfrm>
             <a:off x="9147240" y="109440"/>
-            <a:ext cx="719640" cy="539640"/>
+            <a:ext cx="719280" cy="539280"/>
           </a:xfrm>
           <a:prstGeom prst="rect">
             <a:avLst/>
@@ -3324,14 +3250,14 @@
       </p:sp>
       <p:sp>
         <p:nvSpPr>
-          <p:cNvPr id="126" name="CustomShape 6"/>
+          <p:cNvPr id="123" name="CustomShape 6"/>
           <p:cNvSpPr/>
           <p:nvPr/>
         </p:nvSpPr>
         <p:spPr>
           <a:xfrm>
             <a:off x="8283240" y="109440"/>
-            <a:ext cx="791640" cy="539640"/>
+            <a:ext cx="791280" cy="539280"/>
           </a:xfrm>
           <a:prstGeom prst="rect">
             <a:avLst/>
@@ -3369,14 +3295,14 @@
       </p:sp>
       <p:sp>
         <p:nvSpPr>
-          <p:cNvPr id="127" name="CustomShape 7"/>
+          <p:cNvPr id="124" name="CustomShape 7"/>
           <p:cNvSpPr/>
           <p:nvPr/>
         </p:nvSpPr>
         <p:spPr>
           <a:xfrm>
             <a:off x="39240" y="5128560"/>
-            <a:ext cx="9827640" cy="1619640"/>
+            <a:ext cx="9827280" cy="1619280"/>
           </a:xfrm>
           <a:prstGeom prst="rect">
             <a:avLst/>
@@ -3455,10 +3381,10 @@
   <p:timing>
     <p:tnLst>
       <p:par>
-        <p:cTn dur="indefinite" id="11" nodeType="tmRoot" restart="never">
+        <p:cTn dur="indefinite" id="15" nodeType="tmRoot" restart="never">
           <p:childTnLst>
             <p:seq>
-              <p:cTn id="12" nodeType="mainSeq">
+              <p:cTn id="16" nodeType="mainSeq">
                 <p:childTnLst/>
               </p:cTn>
               <p:prevCondLst>
@@ -3503,14 +3429,14 @@
       </p:grpSpPr>
       <p:sp>
         <p:nvSpPr>
-          <p:cNvPr id="128" name="CustomShape 1"/>
+          <p:cNvPr id="125" name="CustomShape 1"/>
           <p:cNvSpPr/>
           <p:nvPr/>
         </p:nvSpPr>
         <p:spPr>
           <a:xfrm>
             <a:off x="39240" y="109440"/>
-            <a:ext cx="719640" cy="539640"/>
+            <a:ext cx="719280" cy="539280"/>
           </a:xfrm>
           <a:prstGeom prst="rect">
             <a:avLst/>
@@ -3548,14 +3474,14 @@
       </p:sp>
       <p:sp>
         <p:nvSpPr>
-          <p:cNvPr id="129" name="CustomShape 2"/>
+          <p:cNvPr id="126" name="CustomShape 2"/>
           <p:cNvSpPr/>
           <p:nvPr/>
         </p:nvSpPr>
         <p:spPr>
           <a:xfrm>
             <a:off x="831240" y="109440"/>
-            <a:ext cx="7379640" cy="539640"/>
+            <a:ext cx="7379280" cy="539280"/>
           </a:xfrm>
           <a:prstGeom prst="rect">
             <a:avLst/>
@@ -3593,14 +3519,14 @@
       </p:sp>
       <p:sp>
         <p:nvSpPr>
-          <p:cNvPr id="130" name="CustomShape 3"/>
+          <p:cNvPr id="127" name="CustomShape 3"/>
           <p:cNvSpPr/>
           <p:nvPr/>
         </p:nvSpPr>
         <p:spPr>
           <a:xfrm>
             <a:off x="39240" y="822600"/>
-            <a:ext cx="9827640" cy="2339640"/>
+            <a:ext cx="9827280" cy="2339280"/>
           </a:xfrm>
           <a:prstGeom prst="rect">
             <a:avLst/>
@@ -3638,14 +3564,14 @@
       </p:sp>
       <p:sp>
         <p:nvSpPr>
-          <p:cNvPr id="131" name="CustomShape 4"/>
+          <p:cNvPr id="128" name="CustomShape 4"/>
           <p:cNvSpPr/>
           <p:nvPr/>
         </p:nvSpPr>
         <p:spPr>
           <a:xfrm>
             <a:off x="39240" y="3335400"/>
-            <a:ext cx="9827640" cy="1619640"/>
+            <a:ext cx="9827280" cy="1619280"/>
           </a:xfrm>
           <a:prstGeom prst="rect">
             <a:avLst/>
@@ -3711,14 +3637,14 @@
       </p:sp>
       <p:sp>
         <p:nvSpPr>
-          <p:cNvPr id="132" name="CustomShape 5"/>
+          <p:cNvPr id="129" name="CustomShape 5"/>
           <p:cNvSpPr/>
           <p:nvPr/>
         </p:nvSpPr>
         <p:spPr>
           <a:xfrm>
             <a:off x="9147240" y="109440"/>
-            <a:ext cx="719640" cy="539640"/>
+            <a:ext cx="719280" cy="539280"/>
           </a:xfrm>
           <a:prstGeom prst="rect">
             <a:avLst/>
@@ -3756,14 +3682,14 @@
       </p:sp>
       <p:sp>
         <p:nvSpPr>
-          <p:cNvPr id="133" name="CustomShape 6"/>
+          <p:cNvPr id="130" name="CustomShape 6"/>
           <p:cNvSpPr/>
           <p:nvPr/>
         </p:nvSpPr>
         <p:spPr>
           <a:xfrm>
             <a:off x="8283240" y="109440"/>
-            <a:ext cx="791640" cy="539640"/>
+            <a:ext cx="791280" cy="539280"/>
           </a:xfrm>
           <a:prstGeom prst="rect">
             <a:avLst/>
@@ -3801,14 +3727,14 @@
       </p:sp>
       <p:sp>
         <p:nvSpPr>
-          <p:cNvPr id="134" name="CustomShape 7"/>
+          <p:cNvPr id="131" name="CustomShape 7"/>
           <p:cNvSpPr/>
           <p:nvPr/>
         </p:nvSpPr>
         <p:spPr>
           <a:xfrm>
             <a:off x="39240" y="5128560"/>
-            <a:ext cx="9827640" cy="1619640"/>
+            <a:ext cx="9827280" cy="1619280"/>
           </a:xfrm>
           <a:prstGeom prst="rect">
             <a:avLst/>
@@ -3924,10 +3850,10 @@
   <p:timing>
     <p:tnLst>
       <p:par>
-        <p:cTn dur="indefinite" id="13" nodeType="tmRoot" restart="never">
+        <p:cTn dur="indefinite" id="17" nodeType="tmRoot" restart="never">
           <p:childTnLst>
             <p:seq>
-              <p:cTn id="14" nodeType="mainSeq">
+              <p:cTn id="18" nodeType="mainSeq">
                 <p:childTnLst/>
               </p:cTn>
               <p:prevCondLst>
@@ -3972,14 +3898,14 @@
       </p:grpSpPr>
       <p:sp>
         <p:nvSpPr>
-          <p:cNvPr id="135" name="CustomShape 1"/>
+          <p:cNvPr id="132" name="CustomShape 1"/>
           <p:cNvSpPr/>
           <p:nvPr/>
         </p:nvSpPr>
         <p:spPr>
           <a:xfrm>
             <a:off x="39240" y="109440"/>
-            <a:ext cx="719640" cy="539640"/>
+            <a:ext cx="719280" cy="539280"/>
           </a:xfrm>
           <a:prstGeom prst="rect">
             <a:avLst/>
@@ -4017,14 +3943,14 @@
       </p:sp>
       <p:sp>
         <p:nvSpPr>
-          <p:cNvPr id="136" name="CustomShape 2"/>
+          <p:cNvPr id="133" name="CustomShape 2"/>
           <p:cNvSpPr/>
           <p:nvPr/>
         </p:nvSpPr>
         <p:spPr>
           <a:xfrm>
             <a:off x="831240" y="109440"/>
-            <a:ext cx="7379640" cy="539640"/>
+            <a:ext cx="7379280" cy="539280"/>
           </a:xfrm>
           <a:prstGeom prst="rect">
             <a:avLst/>
@@ -4062,14 +3988,14 @@
       </p:sp>
       <p:sp>
         <p:nvSpPr>
-          <p:cNvPr id="137" name="CustomShape 3"/>
+          <p:cNvPr id="134" name="CustomShape 3"/>
           <p:cNvSpPr/>
           <p:nvPr/>
         </p:nvSpPr>
         <p:spPr>
           <a:xfrm>
             <a:off x="39240" y="822600"/>
-            <a:ext cx="9827640" cy="2339640"/>
+            <a:ext cx="9827280" cy="2339280"/>
           </a:xfrm>
           <a:prstGeom prst="rect">
             <a:avLst/>
@@ -4107,14 +4033,14 @@
       </p:sp>
       <p:sp>
         <p:nvSpPr>
-          <p:cNvPr id="138" name="CustomShape 4"/>
+          <p:cNvPr id="135" name="CustomShape 4"/>
           <p:cNvSpPr/>
           <p:nvPr/>
         </p:nvSpPr>
         <p:spPr>
           <a:xfrm>
             <a:off x="39240" y="3335400"/>
-            <a:ext cx="9827640" cy="1619640"/>
+            <a:ext cx="9827280" cy="1619280"/>
           </a:xfrm>
           <a:prstGeom prst="rect">
             <a:avLst/>
@@ -4180,14 +4106,14 @@
       </p:sp>
       <p:sp>
         <p:nvSpPr>
-          <p:cNvPr id="139" name="CustomShape 5"/>
+          <p:cNvPr id="136" name="CustomShape 5"/>
           <p:cNvSpPr/>
           <p:nvPr/>
         </p:nvSpPr>
         <p:spPr>
           <a:xfrm>
             <a:off x="9147240" y="109440"/>
-            <a:ext cx="719640" cy="539640"/>
+            <a:ext cx="719280" cy="539280"/>
           </a:xfrm>
           <a:prstGeom prst="rect">
             <a:avLst/>
@@ -4225,14 +4151,14 @@
       </p:sp>
       <p:sp>
         <p:nvSpPr>
-          <p:cNvPr id="140" name="CustomShape 6"/>
+          <p:cNvPr id="137" name="CustomShape 6"/>
           <p:cNvSpPr/>
           <p:nvPr/>
         </p:nvSpPr>
         <p:spPr>
           <a:xfrm>
             <a:off x="8283240" y="109440"/>
-            <a:ext cx="791640" cy="539640"/>
+            <a:ext cx="791280" cy="539280"/>
           </a:xfrm>
           <a:prstGeom prst="rect">
             <a:avLst/>
@@ -4270,14 +4196,14 @@
       </p:sp>
       <p:sp>
         <p:nvSpPr>
-          <p:cNvPr id="141" name="CustomShape 7"/>
+          <p:cNvPr id="138" name="CustomShape 7"/>
           <p:cNvSpPr/>
           <p:nvPr/>
         </p:nvSpPr>
         <p:spPr>
           <a:xfrm>
             <a:off x="39240" y="5128560"/>
-            <a:ext cx="9827640" cy="1619640"/>
+            <a:ext cx="9827280" cy="1619280"/>
           </a:xfrm>
           <a:prstGeom prst="rect">
             <a:avLst/>
@@ -4337,10 +4263,10 @@
   <p:timing>
     <p:tnLst>
       <p:par>
-        <p:cTn dur="indefinite" id="15" nodeType="tmRoot" restart="never">
+        <p:cTn dur="indefinite" id="19" nodeType="tmRoot" restart="never">
           <p:childTnLst>
             <p:seq>
-              <p:cTn id="16" nodeType="mainSeq">
+              <p:cTn id="20" nodeType="mainSeq">
                 <p:childTnLst/>
               </p:cTn>
               <p:prevCondLst>
@@ -4385,14 +4311,14 @@
       </p:grpSpPr>
       <p:sp>
         <p:nvSpPr>
-          <p:cNvPr id="142" name="CustomShape 1"/>
+          <p:cNvPr id="139" name="CustomShape 1"/>
           <p:cNvSpPr/>
           <p:nvPr/>
         </p:nvSpPr>
         <p:spPr>
           <a:xfrm>
             <a:off x="39240" y="109440"/>
-            <a:ext cx="719640" cy="539640"/>
+            <a:ext cx="719280" cy="539280"/>
           </a:xfrm>
           <a:prstGeom prst="rect">
             <a:avLst/>
@@ -4430,14 +4356,14 @@
       </p:sp>
       <p:sp>
         <p:nvSpPr>
-          <p:cNvPr id="143" name="CustomShape 2"/>
+          <p:cNvPr id="140" name="CustomShape 2"/>
           <p:cNvSpPr/>
           <p:nvPr/>
         </p:nvSpPr>
         <p:spPr>
           <a:xfrm>
             <a:off x="831240" y="109440"/>
-            <a:ext cx="7379640" cy="539640"/>
+            <a:ext cx="7379280" cy="539280"/>
           </a:xfrm>
           <a:prstGeom prst="rect">
             <a:avLst/>
@@ -4475,14 +4401,14 @@
       </p:sp>
       <p:sp>
         <p:nvSpPr>
-          <p:cNvPr id="144" name="CustomShape 3"/>
+          <p:cNvPr id="141" name="CustomShape 3"/>
           <p:cNvSpPr/>
           <p:nvPr/>
         </p:nvSpPr>
         <p:spPr>
           <a:xfrm>
             <a:off x="39240" y="822600"/>
-            <a:ext cx="9827640" cy="2339640"/>
+            <a:ext cx="9827280" cy="2339280"/>
           </a:xfrm>
           <a:prstGeom prst="rect">
             <a:avLst/>
@@ -4520,14 +4446,14 @@
       </p:sp>
       <p:sp>
         <p:nvSpPr>
-          <p:cNvPr id="145" name="CustomShape 4"/>
+          <p:cNvPr id="142" name="CustomShape 4"/>
           <p:cNvSpPr/>
           <p:nvPr/>
         </p:nvSpPr>
         <p:spPr>
           <a:xfrm>
             <a:off x="39240" y="3335400"/>
-            <a:ext cx="9827640" cy="1619640"/>
+            <a:ext cx="9827280" cy="1619280"/>
           </a:xfrm>
           <a:prstGeom prst="rect">
             <a:avLst/>
@@ -4593,14 +4519,14 @@
       </p:sp>
       <p:sp>
         <p:nvSpPr>
-          <p:cNvPr id="146" name="CustomShape 5"/>
+          <p:cNvPr id="143" name="CustomShape 5"/>
           <p:cNvSpPr/>
           <p:nvPr/>
         </p:nvSpPr>
         <p:spPr>
           <a:xfrm>
             <a:off x="9147240" y="109440"/>
-            <a:ext cx="719640" cy="539640"/>
+            <a:ext cx="719280" cy="539280"/>
           </a:xfrm>
           <a:prstGeom prst="rect">
             <a:avLst/>
@@ -4638,14 +4564,14 @@
       </p:sp>
       <p:sp>
         <p:nvSpPr>
-          <p:cNvPr id="147" name="CustomShape 6"/>
+          <p:cNvPr id="144" name="CustomShape 6"/>
           <p:cNvSpPr/>
           <p:nvPr/>
         </p:nvSpPr>
         <p:spPr>
           <a:xfrm>
             <a:off x="8283240" y="109440"/>
-            <a:ext cx="791640" cy="539640"/>
+            <a:ext cx="791280" cy="539280"/>
           </a:xfrm>
           <a:prstGeom prst="rect">
             <a:avLst/>
@@ -4683,14 +4609,14 @@
       </p:sp>
       <p:sp>
         <p:nvSpPr>
-          <p:cNvPr id="148" name="CustomShape 7"/>
+          <p:cNvPr id="145" name="CustomShape 7"/>
           <p:cNvSpPr/>
           <p:nvPr/>
         </p:nvSpPr>
         <p:spPr>
           <a:xfrm>
             <a:off x="39240" y="5128560"/>
-            <a:ext cx="9827640" cy="1619640"/>
+            <a:ext cx="9827280" cy="1619280"/>
           </a:xfrm>
           <a:prstGeom prst="rect">
             <a:avLst/>
@@ -4769,10 +4695,10 @@
   <p:timing>
     <p:tnLst>
       <p:par>
-        <p:cTn dur="indefinite" id="17" nodeType="tmRoot" restart="never">
+        <p:cTn dur="indefinite" id="21" nodeType="tmRoot" restart="never">
           <p:childTnLst>
             <p:seq>
-              <p:cTn id="18" nodeType="mainSeq">
+              <p:cTn id="22" nodeType="mainSeq">
                 <p:childTnLst/>
               </p:cTn>
               <p:prevCondLst>
@@ -4817,14 +4743,14 @@
       </p:grpSpPr>
       <p:sp>
         <p:nvSpPr>
-          <p:cNvPr id="149" name="CustomShape 1"/>
+          <p:cNvPr id="146" name="CustomShape 1"/>
           <p:cNvSpPr/>
           <p:nvPr/>
         </p:nvSpPr>
         <p:spPr>
           <a:xfrm>
             <a:off x="39240" y="109440"/>
-            <a:ext cx="719640" cy="539640"/>
+            <a:ext cx="719280" cy="539280"/>
           </a:xfrm>
           <a:prstGeom prst="rect">
             <a:avLst/>
@@ -4862,14 +4788,14 @@
       </p:sp>
       <p:sp>
         <p:nvSpPr>
-          <p:cNvPr id="150" name="CustomShape 2"/>
+          <p:cNvPr id="147" name="CustomShape 2"/>
           <p:cNvSpPr/>
           <p:nvPr/>
         </p:nvSpPr>
         <p:spPr>
           <a:xfrm>
             <a:off x="831240" y="109440"/>
-            <a:ext cx="7379640" cy="539640"/>
+            <a:ext cx="7379280" cy="539280"/>
           </a:xfrm>
           <a:prstGeom prst="rect">
             <a:avLst/>
@@ -4907,14 +4833,14 @@
       </p:sp>
       <p:sp>
         <p:nvSpPr>
-          <p:cNvPr id="151" name="CustomShape 3"/>
+          <p:cNvPr id="148" name="CustomShape 3"/>
           <p:cNvSpPr/>
           <p:nvPr/>
         </p:nvSpPr>
         <p:spPr>
           <a:xfrm>
             <a:off x="39240" y="822600"/>
-            <a:ext cx="9827640" cy="2339640"/>
+            <a:ext cx="9827280" cy="2339280"/>
           </a:xfrm>
           <a:prstGeom prst="rect">
             <a:avLst/>
@@ -4952,14 +4878,14 @@
       </p:sp>
       <p:sp>
         <p:nvSpPr>
-          <p:cNvPr id="152" name="CustomShape 4"/>
+          <p:cNvPr id="149" name="CustomShape 4"/>
           <p:cNvSpPr/>
           <p:nvPr/>
         </p:nvSpPr>
         <p:spPr>
           <a:xfrm>
             <a:off x="39240" y="3335400"/>
-            <a:ext cx="9827640" cy="1619640"/>
+            <a:ext cx="9827280" cy="1619280"/>
           </a:xfrm>
           <a:prstGeom prst="rect">
             <a:avLst/>
@@ -5025,14 +4951,14 @@
       </p:sp>
       <p:sp>
         <p:nvSpPr>
-          <p:cNvPr id="153" name="CustomShape 5"/>
+          <p:cNvPr id="150" name="CustomShape 5"/>
           <p:cNvSpPr/>
           <p:nvPr/>
         </p:nvSpPr>
         <p:spPr>
           <a:xfrm>
             <a:off x="9147240" y="109440"/>
-            <a:ext cx="719640" cy="539640"/>
+            <a:ext cx="719280" cy="539280"/>
           </a:xfrm>
           <a:prstGeom prst="rect">
             <a:avLst/>
@@ -5070,14 +4996,14 @@
       </p:sp>
       <p:sp>
         <p:nvSpPr>
-          <p:cNvPr id="154" name="CustomShape 6"/>
+          <p:cNvPr id="151" name="CustomShape 6"/>
           <p:cNvSpPr/>
           <p:nvPr/>
         </p:nvSpPr>
         <p:spPr>
           <a:xfrm>
             <a:off x="8283240" y="109440"/>
-            <a:ext cx="791640" cy="539640"/>
+            <a:ext cx="791280" cy="539280"/>
           </a:xfrm>
           <a:prstGeom prst="rect">
             <a:avLst/>
@@ -5115,14 +5041,14 @@
       </p:sp>
       <p:sp>
         <p:nvSpPr>
-          <p:cNvPr id="155" name="CustomShape 7"/>
+          <p:cNvPr id="152" name="CustomShape 7"/>
           <p:cNvSpPr/>
           <p:nvPr/>
         </p:nvSpPr>
         <p:spPr>
           <a:xfrm>
             <a:off x="39240" y="5128560"/>
-            <a:ext cx="9827640" cy="1619640"/>
+            <a:ext cx="9827280" cy="1619280"/>
           </a:xfrm>
           <a:prstGeom prst="rect">
             <a:avLst/>
@@ -5191,10 +5117,10 @@
   <p:timing>
     <p:tnLst>
       <p:par>
-        <p:cTn dur="indefinite" id="19" nodeType="tmRoot" restart="never">
+        <p:cTn dur="indefinite" id="23" nodeType="tmRoot" restart="never">
           <p:childTnLst>
             <p:seq>
-              <p:cTn id="20" nodeType="mainSeq">
+              <p:cTn id="24" nodeType="mainSeq">
                 <p:childTnLst/>
               </p:cTn>
               <p:prevCondLst>
@@ -5239,14 +5165,14 @@
       </p:grpSpPr>
       <p:sp>
         <p:nvSpPr>
-          <p:cNvPr id="156" name="CustomShape 1"/>
+          <p:cNvPr id="153" name="CustomShape 1"/>
           <p:cNvSpPr/>
           <p:nvPr/>
         </p:nvSpPr>
         <p:spPr>
           <a:xfrm>
             <a:off x="39240" y="109440"/>
-            <a:ext cx="719640" cy="539640"/>
+            <a:ext cx="719280" cy="539280"/>
           </a:xfrm>
           <a:prstGeom prst="rect">
             <a:avLst/>
@@ -5284,14 +5210,14 @@
       </p:sp>
       <p:sp>
         <p:nvSpPr>
-          <p:cNvPr id="157" name="CustomShape 2"/>
+          <p:cNvPr id="154" name="CustomShape 2"/>
           <p:cNvSpPr/>
           <p:nvPr/>
         </p:nvSpPr>
         <p:spPr>
           <a:xfrm>
             <a:off x="831240" y="109440"/>
-            <a:ext cx="7379640" cy="539640"/>
+            <a:ext cx="7379280" cy="539280"/>
           </a:xfrm>
           <a:prstGeom prst="rect">
             <a:avLst/>
@@ -5329,14 +5255,14 @@
       </p:sp>
       <p:sp>
         <p:nvSpPr>
-          <p:cNvPr id="158" name="CustomShape 3"/>
+          <p:cNvPr id="155" name="CustomShape 3"/>
           <p:cNvSpPr/>
           <p:nvPr/>
         </p:nvSpPr>
         <p:spPr>
           <a:xfrm>
             <a:off x="39240" y="822600"/>
-            <a:ext cx="9827640" cy="2339640"/>
+            <a:ext cx="9827280" cy="2339280"/>
           </a:xfrm>
           <a:prstGeom prst="rect">
             <a:avLst/>
@@ -5374,14 +5300,14 @@
       </p:sp>
       <p:sp>
         <p:nvSpPr>
-          <p:cNvPr id="159" name="CustomShape 4"/>
+          <p:cNvPr id="156" name="CustomShape 4"/>
           <p:cNvSpPr/>
           <p:nvPr/>
         </p:nvSpPr>
         <p:spPr>
           <a:xfrm>
             <a:off x="39240" y="3335400"/>
-            <a:ext cx="9827640" cy="1619640"/>
+            <a:ext cx="9827280" cy="1619280"/>
           </a:xfrm>
           <a:prstGeom prst="rect">
             <a:avLst/>
@@ -5447,14 +5373,14 @@
       </p:sp>
       <p:sp>
         <p:nvSpPr>
-          <p:cNvPr id="160" name="CustomShape 5"/>
+          <p:cNvPr id="157" name="CustomShape 5"/>
           <p:cNvSpPr/>
           <p:nvPr/>
         </p:nvSpPr>
         <p:spPr>
           <a:xfrm>
             <a:off x="9147240" y="109440"/>
-            <a:ext cx="719640" cy="539640"/>
+            <a:ext cx="719280" cy="539280"/>
           </a:xfrm>
           <a:prstGeom prst="rect">
             <a:avLst/>
@@ -5492,14 +5418,14 @@
       </p:sp>
       <p:sp>
         <p:nvSpPr>
-          <p:cNvPr id="161" name="CustomShape 6"/>
+          <p:cNvPr id="158" name="CustomShape 6"/>
           <p:cNvSpPr/>
           <p:nvPr/>
         </p:nvSpPr>
         <p:spPr>
           <a:xfrm>
             <a:off x="8283240" y="109440"/>
-            <a:ext cx="791640" cy="539640"/>
+            <a:ext cx="791280" cy="539280"/>
           </a:xfrm>
           <a:prstGeom prst="rect">
             <a:avLst/>
@@ -5537,14 +5463,14 @@
       </p:sp>
       <p:sp>
         <p:nvSpPr>
-          <p:cNvPr id="162" name="CustomShape 7"/>
+          <p:cNvPr id="159" name="CustomShape 7"/>
           <p:cNvSpPr/>
           <p:nvPr/>
         </p:nvSpPr>
         <p:spPr>
           <a:xfrm>
             <a:off x="39240" y="5128560"/>
-            <a:ext cx="9827640" cy="1619640"/>
+            <a:ext cx="9827280" cy="1619280"/>
           </a:xfrm>
           <a:prstGeom prst="rect">
             <a:avLst/>
@@ -5621,10 +5547,10 @@
   <p:timing>
     <p:tnLst>
       <p:par>
-        <p:cTn dur="indefinite" id="21" nodeType="tmRoot" restart="never">
+        <p:cTn dur="indefinite" id="25" nodeType="tmRoot" restart="never">
           <p:childTnLst>
             <p:seq>
-              <p:cTn id="22" nodeType="mainSeq">
+              <p:cTn id="26" nodeType="mainSeq">
                 <p:childTnLst/>
               </p:cTn>
               <p:prevCondLst>
@@ -5669,14 +5595,14 @@
       </p:grpSpPr>
       <p:sp>
         <p:nvSpPr>
-          <p:cNvPr id="163" name="CustomShape 1"/>
+          <p:cNvPr id="160" name="CustomShape 1"/>
           <p:cNvSpPr/>
           <p:nvPr/>
         </p:nvSpPr>
         <p:spPr>
           <a:xfrm>
             <a:off x="39240" y="109440"/>
-            <a:ext cx="719640" cy="539640"/>
+            <a:ext cx="719280" cy="539280"/>
           </a:xfrm>
           <a:prstGeom prst="rect">
             <a:avLst/>
@@ -5714,14 +5640,14 @@
       </p:sp>
       <p:sp>
         <p:nvSpPr>
-          <p:cNvPr id="164" name="CustomShape 2"/>
+          <p:cNvPr id="161" name="CustomShape 2"/>
           <p:cNvSpPr/>
           <p:nvPr/>
         </p:nvSpPr>
         <p:spPr>
           <a:xfrm>
             <a:off x="831240" y="109440"/>
-            <a:ext cx="7379640" cy="539640"/>
+            <a:ext cx="7379280" cy="539280"/>
           </a:xfrm>
           <a:prstGeom prst="rect">
             <a:avLst/>
@@ -5759,14 +5685,14 @@
       </p:sp>
       <p:sp>
         <p:nvSpPr>
-          <p:cNvPr id="165" name="CustomShape 3"/>
+          <p:cNvPr id="162" name="CustomShape 3"/>
           <p:cNvSpPr/>
           <p:nvPr/>
         </p:nvSpPr>
         <p:spPr>
           <a:xfrm>
             <a:off x="39240" y="822600"/>
-            <a:ext cx="9827640" cy="2339640"/>
+            <a:ext cx="9827280" cy="2339280"/>
           </a:xfrm>
           <a:prstGeom prst="rect">
             <a:avLst/>
@@ -5804,14 +5730,14 @@
       </p:sp>
       <p:sp>
         <p:nvSpPr>
-          <p:cNvPr id="166" name="CustomShape 4"/>
+          <p:cNvPr id="163" name="CustomShape 4"/>
           <p:cNvSpPr/>
           <p:nvPr/>
         </p:nvSpPr>
         <p:spPr>
           <a:xfrm>
             <a:off x="39240" y="3335400"/>
-            <a:ext cx="9827640" cy="1619640"/>
+            <a:ext cx="9827280" cy="1619280"/>
           </a:xfrm>
           <a:prstGeom prst="rect">
             <a:avLst/>
@@ -5877,14 +5803,14 @@
       </p:sp>
       <p:sp>
         <p:nvSpPr>
-          <p:cNvPr id="167" name="CustomShape 5"/>
+          <p:cNvPr id="164" name="CustomShape 5"/>
           <p:cNvSpPr/>
           <p:nvPr/>
         </p:nvSpPr>
         <p:spPr>
           <a:xfrm>
             <a:off x="9147240" y="109440"/>
-            <a:ext cx="719640" cy="539640"/>
+            <a:ext cx="719280" cy="539280"/>
           </a:xfrm>
           <a:prstGeom prst="rect">
             <a:avLst/>
@@ -5922,14 +5848,14 @@
       </p:sp>
       <p:sp>
         <p:nvSpPr>
-          <p:cNvPr id="168" name="CustomShape 6"/>
+          <p:cNvPr id="165" name="CustomShape 6"/>
           <p:cNvSpPr/>
           <p:nvPr/>
         </p:nvSpPr>
         <p:spPr>
           <a:xfrm>
             <a:off x="8283240" y="109440"/>
-            <a:ext cx="791640" cy="539640"/>
+            <a:ext cx="791280" cy="539280"/>
           </a:xfrm>
           <a:prstGeom prst="rect">
             <a:avLst/>
@@ -5967,14 +5893,14 @@
       </p:sp>
       <p:sp>
         <p:nvSpPr>
-          <p:cNvPr id="169" name="CustomShape 7"/>
+          <p:cNvPr id="166" name="CustomShape 7"/>
           <p:cNvSpPr/>
           <p:nvPr/>
         </p:nvSpPr>
         <p:spPr>
           <a:xfrm>
             <a:off x="39240" y="5128560"/>
-            <a:ext cx="9827640" cy="1619640"/>
+            <a:ext cx="9827280" cy="1619280"/>
           </a:xfrm>
           <a:prstGeom prst="rect">
             <a:avLst/>
@@ -6034,10 +5960,10 @@
   <p:timing>
     <p:tnLst>
       <p:par>
-        <p:cTn dur="indefinite" id="23" nodeType="tmRoot" restart="never">
+        <p:cTn dur="indefinite" id="27" nodeType="tmRoot" restart="never">
           <p:childTnLst>
             <p:seq>
-              <p:cTn id="24" nodeType="mainSeq">
+              <p:cTn id="28" nodeType="mainSeq">
                 <p:childTnLst/>
               </p:cTn>
               <p:prevCondLst>
@@ -6082,14 +6008,14 @@
       </p:grpSpPr>
       <p:sp>
         <p:nvSpPr>
-          <p:cNvPr id="44" name="CustomShape 1"/>
+          <p:cNvPr id="41" name="CustomShape 1"/>
           <p:cNvSpPr/>
           <p:nvPr/>
         </p:nvSpPr>
         <p:spPr>
           <a:xfrm>
             <a:off x="39240" y="109440"/>
-            <a:ext cx="719640" cy="539640"/>
+            <a:ext cx="719280" cy="539280"/>
           </a:xfrm>
           <a:prstGeom prst="rect">
             <a:avLst/>
@@ -6127,14 +6053,14 @@
       </p:sp>
       <p:sp>
         <p:nvSpPr>
-          <p:cNvPr id="45" name="CustomShape 2"/>
+          <p:cNvPr id="42" name="CustomShape 2"/>
           <p:cNvSpPr/>
           <p:nvPr/>
         </p:nvSpPr>
         <p:spPr>
           <a:xfrm>
             <a:off x="831240" y="109440"/>
-            <a:ext cx="7379640" cy="539640"/>
+            <a:ext cx="7379280" cy="539280"/>
           </a:xfrm>
           <a:prstGeom prst="rect">
             <a:avLst/>
@@ -6172,14 +6098,14 @@
       </p:sp>
       <p:sp>
         <p:nvSpPr>
-          <p:cNvPr id="46" name="CustomShape 3"/>
+          <p:cNvPr id="43" name="CustomShape 3"/>
           <p:cNvSpPr/>
           <p:nvPr/>
         </p:nvSpPr>
         <p:spPr>
           <a:xfrm>
             <a:off x="39240" y="822600"/>
-            <a:ext cx="9827640" cy="2339640"/>
+            <a:ext cx="9827280" cy="2339280"/>
           </a:xfrm>
           <a:prstGeom prst="rect">
             <a:avLst/>
@@ -6217,14 +6143,14 @@
       </p:sp>
       <p:sp>
         <p:nvSpPr>
-          <p:cNvPr id="47" name="CustomShape 4"/>
+          <p:cNvPr id="44" name="CustomShape 4"/>
           <p:cNvSpPr/>
           <p:nvPr/>
         </p:nvSpPr>
         <p:spPr>
           <a:xfrm>
             <a:off x="39240" y="3335400"/>
-            <a:ext cx="9827640" cy="1619640"/>
+            <a:ext cx="9827280" cy="1619280"/>
           </a:xfrm>
           <a:prstGeom prst="rect">
             <a:avLst/>
@@ -6290,14 +6216,14 @@
       </p:sp>
       <p:sp>
         <p:nvSpPr>
-          <p:cNvPr id="48" name="CustomShape 5"/>
+          <p:cNvPr id="45" name="CustomShape 5"/>
           <p:cNvSpPr/>
           <p:nvPr/>
         </p:nvSpPr>
         <p:spPr>
           <a:xfrm>
             <a:off x="9147240" y="109440"/>
-            <a:ext cx="719640" cy="539640"/>
+            <a:ext cx="719280" cy="539280"/>
           </a:xfrm>
           <a:prstGeom prst="rect">
             <a:avLst/>
@@ -6335,14 +6261,14 @@
       </p:sp>
       <p:sp>
         <p:nvSpPr>
-          <p:cNvPr id="49" name="CustomShape 6"/>
+          <p:cNvPr id="46" name="CustomShape 6"/>
           <p:cNvSpPr/>
           <p:nvPr/>
         </p:nvSpPr>
         <p:spPr>
           <a:xfrm>
             <a:off x="8283240" y="109440"/>
-            <a:ext cx="791640" cy="539640"/>
+            <a:ext cx="791280" cy="539280"/>
           </a:xfrm>
           <a:prstGeom prst="rect">
             <a:avLst/>
@@ -6380,14 +6306,14 @@
       </p:sp>
       <p:sp>
         <p:nvSpPr>
-          <p:cNvPr id="50" name="CustomShape 7"/>
+          <p:cNvPr id="47" name="CustomShape 7"/>
           <p:cNvSpPr/>
           <p:nvPr/>
         </p:nvSpPr>
         <p:spPr>
           <a:xfrm>
             <a:off x="39240" y="5128560"/>
-            <a:ext cx="9827640" cy="1619640"/>
+            <a:ext cx="9827280" cy="1619280"/>
           </a:xfrm>
           <a:prstGeom prst="rect">
             <a:avLst/>
@@ -6444,6 +6370,35 @@
       </p:sp>
     </p:spTree>
   </p:cSld>
+  <p:timing>
+    <p:tnLst>
+      <p:par>
+        <p:cTn dur="indefinite" id="3" nodeType="tmRoot" restart="never">
+          <p:childTnLst>
+            <p:seq>
+              <p:cTn id="4" nodeType="mainSeq">
+                <p:childTnLst/>
+              </p:cTn>
+              <p:prevCondLst>
+                <p:cond delay="0" evt="onPrev">
+                  <p:tgtEl>
+                    <p:sldTgt/>
+                  </p:tgtEl>
+                </p:cond>
+              </p:prevCondLst>
+              <p:nextCondLst>
+                <p:cond delay="0" evt="onNext">
+                  <p:tgtEl>
+                    <p:sldTgt/>
+                  </p:tgtEl>
+                </p:cond>
+              </p:nextCondLst>
+            </p:seq>
+          </p:childTnLst>
+        </p:cTn>
+      </p:par>
+    </p:tnLst>
+  </p:timing>
 </p:sld>
 </file>
 
@@ -6466,14 +6421,14 @@
       </p:grpSpPr>
       <p:sp>
         <p:nvSpPr>
-          <p:cNvPr id="170" name="CustomShape 1"/>
+          <p:cNvPr id="167" name="CustomShape 1"/>
           <p:cNvSpPr/>
           <p:nvPr/>
         </p:nvSpPr>
         <p:spPr>
           <a:xfrm>
             <a:off x="39240" y="109440"/>
-            <a:ext cx="719640" cy="539640"/>
+            <a:ext cx="719280" cy="539280"/>
           </a:xfrm>
           <a:prstGeom prst="rect">
             <a:avLst/>
@@ -6511,14 +6466,14 @@
       </p:sp>
       <p:sp>
         <p:nvSpPr>
-          <p:cNvPr id="171" name="CustomShape 2"/>
+          <p:cNvPr id="168" name="CustomShape 2"/>
           <p:cNvSpPr/>
           <p:nvPr/>
         </p:nvSpPr>
         <p:spPr>
           <a:xfrm>
             <a:off x="831240" y="109440"/>
-            <a:ext cx="7379640" cy="539640"/>
+            <a:ext cx="7379280" cy="539280"/>
           </a:xfrm>
           <a:prstGeom prst="rect">
             <a:avLst/>
@@ -6556,14 +6511,14 @@
       </p:sp>
       <p:sp>
         <p:nvSpPr>
-          <p:cNvPr id="172" name="CustomShape 3"/>
+          <p:cNvPr id="169" name="CustomShape 3"/>
           <p:cNvSpPr/>
           <p:nvPr/>
         </p:nvSpPr>
         <p:spPr>
           <a:xfrm>
             <a:off x="39240" y="822600"/>
-            <a:ext cx="9827640" cy="2339640"/>
+            <a:ext cx="9827280" cy="2339280"/>
           </a:xfrm>
           <a:prstGeom prst="rect">
             <a:avLst/>
@@ -6601,14 +6556,14 @@
       </p:sp>
       <p:sp>
         <p:nvSpPr>
-          <p:cNvPr id="173" name="CustomShape 4"/>
+          <p:cNvPr id="170" name="CustomShape 4"/>
           <p:cNvSpPr/>
           <p:nvPr/>
         </p:nvSpPr>
         <p:spPr>
           <a:xfrm>
             <a:off x="39240" y="3335400"/>
-            <a:ext cx="9827640" cy="1619640"/>
+            <a:ext cx="9827280" cy="1619280"/>
           </a:xfrm>
           <a:prstGeom prst="rect">
             <a:avLst/>
@@ -6674,14 +6629,14 @@
       </p:sp>
       <p:sp>
         <p:nvSpPr>
-          <p:cNvPr id="174" name="CustomShape 5"/>
+          <p:cNvPr id="171" name="CustomShape 5"/>
           <p:cNvSpPr/>
           <p:nvPr/>
         </p:nvSpPr>
         <p:spPr>
           <a:xfrm>
             <a:off x="9147240" y="109440"/>
-            <a:ext cx="719640" cy="539640"/>
+            <a:ext cx="719280" cy="539280"/>
           </a:xfrm>
           <a:prstGeom prst="rect">
             <a:avLst/>
@@ -6719,14 +6674,14 @@
       </p:sp>
       <p:sp>
         <p:nvSpPr>
-          <p:cNvPr id="175" name="CustomShape 6"/>
+          <p:cNvPr id="172" name="CustomShape 6"/>
           <p:cNvSpPr/>
           <p:nvPr/>
         </p:nvSpPr>
         <p:spPr>
           <a:xfrm>
             <a:off x="8283240" y="109440"/>
-            <a:ext cx="791640" cy="539640"/>
+            <a:ext cx="791280" cy="539280"/>
           </a:xfrm>
           <a:prstGeom prst="rect">
             <a:avLst/>
@@ -6764,14 +6719,14 @@
       </p:sp>
       <p:sp>
         <p:nvSpPr>
-          <p:cNvPr id="176" name="CustomShape 7"/>
+          <p:cNvPr id="173" name="CustomShape 7"/>
           <p:cNvSpPr/>
           <p:nvPr/>
         </p:nvSpPr>
         <p:spPr>
           <a:xfrm>
             <a:off x="39240" y="5128560"/>
-            <a:ext cx="9827640" cy="1619640"/>
+            <a:ext cx="9827280" cy="1619280"/>
           </a:xfrm>
           <a:prstGeom prst="rect">
             <a:avLst/>
@@ -6831,10 +6786,10 @@
   <p:timing>
     <p:tnLst>
       <p:par>
-        <p:cTn dur="indefinite" id="25" nodeType="tmRoot" restart="never">
+        <p:cTn dur="indefinite" id="29" nodeType="tmRoot" restart="never">
           <p:childTnLst>
             <p:seq>
-              <p:cTn id="26" nodeType="mainSeq">
+              <p:cTn id="30" nodeType="mainSeq">
                 <p:childTnLst/>
               </p:cTn>
               <p:prevCondLst>
@@ -6879,14 +6834,14 @@
       </p:grpSpPr>
       <p:sp>
         <p:nvSpPr>
-          <p:cNvPr id="177" name="CustomShape 1"/>
+          <p:cNvPr id="174" name="CustomShape 1"/>
           <p:cNvSpPr/>
           <p:nvPr/>
         </p:nvSpPr>
         <p:spPr>
           <a:xfrm>
             <a:off x="39240" y="109440"/>
-            <a:ext cx="719640" cy="539640"/>
+            <a:ext cx="719280" cy="539280"/>
           </a:xfrm>
           <a:prstGeom prst="rect">
             <a:avLst/>
@@ -6924,14 +6879,14 @@
       </p:sp>
       <p:sp>
         <p:nvSpPr>
-          <p:cNvPr id="178" name="CustomShape 2"/>
+          <p:cNvPr id="175" name="CustomShape 2"/>
           <p:cNvSpPr/>
           <p:nvPr/>
         </p:nvSpPr>
         <p:spPr>
           <a:xfrm>
             <a:off x="831240" y="109440"/>
-            <a:ext cx="7379640" cy="539640"/>
+            <a:ext cx="7379280" cy="539280"/>
           </a:xfrm>
           <a:prstGeom prst="rect">
             <a:avLst/>
@@ -6969,14 +6924,14 @@
       </p:sp>
       <p:sp>
         <p:nvSpPr>
-          <p:cNvPr id="179" name="CustomShape 3"/>
+          <p:cNvPr id="176" name="CustomShape 3"/>
           <p:cNvSpPr/>
           <p:nvPr/>
         </p:nvSpPr>
         <p:spPr>
           <a:xfrm>
             <a:off x="39240" y="822600"/>
-            <a:ext cx="9827640" cy="2339640"/>
+            <a:ext cx="9827280" cy="2339280"/>
           </a:xfrm>
           <a:prstGeom prst="rect">
             <a:avLst/>
@@ -7014,14 +6969,14 @@
       </p:sp>
       <p:sp>
         <p:nvSpPr>
-          <p:cNvPr id="180" name="CustomShape 4"/>
+          <p:cNvPr id="177" name="CustomShape 4"/>
           <p:cNvSpPr/>
           <p:nvPr/>
         </p:nvSpPr>
         <p:spPr>
           <a:xfrm>
             <a:off x="39240" y="3335400"/>
-            <a:ext cx="9827640" cy="1619640"/>
+            <a:ext cx="9827280" cy="1619280"/>
           </a:xfrm>
           <a:prstGeom prst="rect">
             <a:avLst/>
@@ -7087,14 +7042,14 @@
       </p:sp>
       <p:sp>
         <p:nvSpPr>
-          <p:cNvPr id="181" name="CustomShape 5"/>
+          <p:cNvPr id="178" name="CustomShape 5"/>
           <p:cNvSpPr/>
           <p:nvPr/>
         </p:nvSpPr>
         <p:spPr>
           <a:xfrm>
             <a:off x="9147240" y="109440"/>
-            <a:ext cx="719640" cy="539640"/>
+            <a:ext cx="719280" cy="539280"/>
           </a:xfrm>
           <a:prstGeom prst="rect">
             <a:avLst/>
@@ -7132,14 +7087,14 @@
       </p:sp>
       <p:sp>
         <p:nvSpPr>
-          <p:cNvPr id="182" name="CustomShape 6"/>
+          <p:cNvPr id="179" name="CustomShape 6"/>
           <p:cNvSpPr/>
           <p:nvPr/>
         </p:nvSpPr>
         <p:spPr>
           <a:xfrm>
             <a:off x="8283240" y="109440"/>
-            <a:ext cx="791640" cy="539640"/>
+            <a:ext cx="791280" cy="539280"/>
           </a:xfrm>
           <a:prstGeom prst="rect">
             <a:avLst/>
@@ -7177,14 +7132,14 @@
       </p:sp>
       <p:sp>
         <p:nvSpPr>
-          <p:cNvPr id="183" name="CustomShape 7"/>
+          <p:cNvPr id="180" name="CustomShape 7"/>
           <p:cNvSpPr/>
           <p:nvPr/>
         </p:nvSpPr>
         <p:spPr>
           <a:xfrm>
             <a:off x="39240" y="5128560"/>
-            <a:ext cx="9827640" cy="1619640"/>
+            <a:ext cx="9827280" cy="1619280"/>
           </a:xfrm>
           <a:prstGeom prst="rect">
             <a:avLst/>
@@ -7253,10 +7208,10 @@
   <p:timing>
     <p:tnLst>
       <p:par>
-        <p:cTn dur="indefinite" id="27" nodeType="tmRoot" restart="never">
+        <p:cTn dur="indefinite" id="31" nodeType="tmRoot" restart="never">
           <p:childTnLst>
             <p:seq>
-              <p:cTn id="28" nodeType="mainSeq">
+              <p:cTn id="32" nodeType="mainSeq">
                 <p:childTnLst/>
               </p:cTn>
               <p:prevCondLst>
@@ -7301,14 +7256,14 @@
       </p:grpSpPr>
       <p:sp>
         <p:nvSpPr>
-          <p:cNvPr id="184" name="CustomShape 1"/>
+          <p:cNvPr id="181" name="CustomShape 1"/>
           <p:cNvSpPr/>
           <p:nvPr/>
         </p:nvSpPr>
         <p:spPr>
           <a:xfrm>
             <a:off x="39240" y="109440"/>
-            <a:ext cx="719640" cy="539640"/>
+            <a:ext cx="719280" cy="539280"/>
           </a:xfrm>
           <a:prstGeom prst="rect">
             <a:avLst/>
@@ -7346,14 +7301,14 @@
       </p:sp>
       <p:sp>
         <p:nvSpPr>
-          <p:cNvPr id="185" name="CustomShape 2"/>
+          <p:cNvPr id="182" name="CustomShape 2"/>
           <p:cNvSpPr/>
           <p:nvPr/>
         </p:nvSpPr>
         <p:spPr>
           <a:xfrm>
             <a:off x="831240" y="109440"/>
-            <a:ext cx="7379640" cy="539640"/>
+            <a:ext cx="7379280" cy="539280"/>
           </a:xfrm>
           <a:prstGeom prst="rect">
             <a:avLst/>
@@ -7391,14 +7346,14 @@
       </p:sp>
       <p:sp>
         <p:nvSpPr>
-          <p:cNvPr id="186" name="CustomShape 3"/>
+          <p:cNvPr id="183" name="CustomShape 3"/>
           <p:cNvSpPr/>
           <p:nvPr/>
         </p:nvSpPr>
         <p:spPr>
           <a:xfrm>
             <a:off x="39240" y="822600"/>
-            <a:ext cx="9827640" cy="2339640"/>
+            <a:ext cx="9827280" cy="2339280"/>
           </a:xfrm>
           <a:prstGeom prst="rect">
             <a:avLst/>
@@ -7436,14 +7391,14 @@
       </p:sp>
       <p:sp>
         <p:nvSpPr>
-          <p:cNvPr id="187" name="CustomShape 4"/>
+          <p:cNvPr id="184" name="CustomShape 4"/>
           <p:cNvSpPr/>
           <p:nvPr/>
         </p:nvSpPr>
         <p:spPr>
           <a:xfrm>
             <a:off x="39240" y="3335400"/>
-            <a:ext cx="9827640" cy="1619640"/>
+            <a:ext cx="9827280" cy="1619280"/>
           </a:xfrm>
           <a:prstGeom prst="rect">
             <a:avLst/>
@@ -7500,14 +7455,14 @@
       </p:sp>
       <p:sp>
         <p:nvSpPr>
-          <p:cNvPr id="188" name="CustomShape 5"/>
+          <p:cNvPr id="185" name="CustomShape 5"/>
           <p:cNvSpPr/>
           <p:nvPr/>
         </p:nvSpPr>
         <p:spPr>
           <a:xfrm>
             <a:off x="9147240" y="109440"/>
-            <a:ext cx="719640" cy="539640"/>
+            <a:ext cx="719280" cy="539280"/>
           </a:xfrm>
           <a:prstGeom prst="rect">
             <a:avLst/>
@@ -7537,22 +7492,22 @@
                 </a:solidFill>
                 <a:latin typeface="Calibri"/>
               </a:rPr>
-              <a:t>32</a:t>
-            </a:r>
-            <a:endParaRPr/>
-          </a:p>
-        </p:txBody>
-      </p:sp>
-      <p:sp>
-        <p:nvSpPr>
-          <p:cNvPr id="189" name="CustomShape 6"/>
+              <a:t>16</a:t>
+            </a:r>
+            <a:endParaRPr/>
+          </a:p>
+        </p:txBody>
+      </p:sp>
+      <p:sp>
+        <p:nvSpPr>
+          <p:cNvPr id="186" name="CustomShape 6"/>
           <p:cNvSpPr/>
           <p:nvPr/>
         </p:nvSpPr>
         <p:spPr>
           <a:xfrm>
             <a:off x="8283240" y="109440"/>
-            <a:ext cx="791640" cy="539640"/>
+            <a:ext cx="791280" cy="539280"/>
           </a:xfrm>
           <a:prstGeom prst="rect">
             <a:avLst/>
@@ -7590,14 +7545,14 @@
       </p:sp>
       <p:sp>
         <p:nvSpPr>
-          <p:cNvPr id="190" name="CustomShape 7"/>
+          <p:cNvPr id="187" name="CustomShape 7"/>
           <p:cNvSpPr/>
           <p:nvPr/>
         </p:nvSpPr>
         <p:spPr>
           <a:xfrm>
             <a:off x="39240" y="5128560"/>
-            <a:ext cx="9827640" cy="1619640"/>
+            <a:ext cx="9827280" cy="1619280"/>
           </a:xfrm>
           <a:prstGeom prst="rect">
             <a:avLst/>
@@ -7676,10 +7631,10 @@
   <p:timing>
     <p:tnLst>
       <p:par>
-        <p:cTn dur="indefinite" id="29" nodeType="tmRoot" restart="never">
+        <p:cTn dur="indefinite" id="33" nodeType="tmRoot" restart="never">
           <p:childTnLst>
             <p:seq>
-              <p:cTn id="30" nodeType="mainSeq">
+              <p:cTn id="34" nodeType="mainSeq">
                 <p:childTnLst/>
               </p:cTn>
               <p:prevCondLst>
@@ -7724,14 +7679,14 @@
       </p:grpSpPr>
       <p:sp>
         <p:nvSpPr>
-          <p:cNvPr id="191" name="CustomShape 1"/>
+          <p:cNvPr id="188" name="CustomShape 1"/>
           <p:cNvSpPr/>
           <p:nvPr/>
         </p:nvSpPr>
         <p:spPr>
           <a:xfrm>
             <a:off x="39240" y="109440"/>
-            <a:ext cx="719640" cy="539640"/>
+            <a:ext cx="719280" cy="539280"/>
           </a:xfrm>
           <a:prstGeom prst="rect">
             <a:avLst/>
@@ -7769,14 +7724,14 @@
       </p:sp>
       <p:sp>
         <p:nvSpPr>
-          <p:cNvPr id="192" name="CustomShape 2"/>
+          <p:cNvPr id="189" name="CustomShape 2"/>
           <p:cNvSpPr/>
           <p:nvPr/>
         </p:nvSpPr>
         <p:spPr>
           <a:xfrm>
             <a:off x="831240" y="109440"/>
-            <a:ext cx="7379640" cy="539640"/>
+            <a:ext cx="7379280" cy="539280"/>
           </a:xfrm>
           <a:prstGeom prst="rect">
             <a:avLst/>
@@ -7814,14 +7769,14 @@
       </p:sp>
       <p:sp>
         <p:nvSpPr>
-          <p:cNvPr id="193" name="CustomShape 3"/>
+          <p:cNvPr id="190" name="CustomShape 3"/>
           <p:cNvSpPr/>
           <p:nvPr/>
         </p:nvSpPr>
         <p:spPr>
           <a:xfrm>
             <a:off x="39240" y="822600"/>
-            <a:ext cx="9827640" cy="2339640"/>
+            <a:ext cx="9827280" cy="2339280"/>
           </a:xfrm>
           <a:prstGeom prst="rect">
             <a:avLst/>
@@ -7859,14 +7814,14 @@
       </p:sp>
       <p:sp>
         <p:nvSpPr>
-          <p:cNvPr id="194" name="CustomShape 4"/>
+          <p:cNvPr id="191" name="CustomShape 4"/>
           <p:cNvSpPr/>
           <p:nvPr/>
         </p:nvSpPr>
         <p:spPr>
           <a:xfrm>
             <a:off x="39240" y="3335400"/>
-            <a:ext cx="9827640" cy="1619640"/>
+            <a:ext cx="9827280" cy="1619280"/>
           </a:xfrm>
           <a:prstGeom prst="rect">
             <a:avLst/>
@@ -7923,14 +7878,14 @@
       </p:sp>
       <p:sp>
         <p:nvSpPr>
-          <p:cNvPr id="195" name="CustomShape 5"/>
+          <p:cNvPr id="192" name="CustomShape 5"/>
           <p:cNvSpPr/>
           <p:nvPr/>
         </p:nvSpPr>
         <p:spPr>
           <a:xfrm>
             <a:off x="9147240" y="109440"/>
-            <a:ext cx="719640" cy="539640"/>
+            <a:ext cx="719280" cy="539280"/>
           </a:xfrm>
           <a:prstGeom prst="rect">
             <a:avLst/>
@@ -7968,14 +7923,14 @@
       </p:sp>
       <p:sp>
         <p:nvSpPr>
-          <p:cNvPr id="196" name="CustomShape 6"/>
+          <p:cNvPr id="193" name="CustomShape 6"/>
           <p:cNvSpPr/>
           <p:nvPr/>
         </p:nvSpPr>
         <p:spPr>
           <a:xfrm>
             <a:off x="8283240" y="109440"/>
-            <a:ext cx="791640" cy="539640"/>
+            <a:ext cx="791280" cy="539280"/>
           </a:xfrm>
           <a:prstGeom prst="rect">
             <a:avLst/>
@@ -8013,14 +7968,14 @@
       </p:sp>
       <p:sp>
         <p:nvSpPr>
-          <p:cNvPr id="197" name="CustomShape 7"/>
+          <p:cNvPr id="194" name="CustomShape 7"/>
           <p:cNvSpPr/>
           <p:nvPr/>
         </p:nvSpPr>
         <p:spPr>
           <a:xfrm>
             <a:off x="39240" y="5128560"/>
-            <a:ext cx="9827640" cy="1619640"/>
+            <a:ext cx="9827280" cy="1619280"/>
           </a:xfrm>
           <a:prstGeom prst="rect">
             <a:avLst/>
@@ -8099,10 +8054,10 @@
   <p:timing>
     <p:tnLst>
       <p:par>
-        <p:cTn dur="indefinite" id="31" nodeType="tmRoot" restart="never">
+        <p:cTn dur="indefinite" id="35" nodeType="tmRoot" restart="never">
           <p:childTnLst>
             <p:seq>
-              <p:cTn id="32" nodeType="mainSeq">
+              <p:cTn id="36" nodeType="mainSeq">
                 <p:childTnLst/>
               </p:cTn>
               <p:prevCondLst>
@@ -8147,14 +8102,14 @@
       </p:grpSpPr>
       <p:sp>
         <p:nvSpPr>
-          <p:cNvPr id="198" name="CustomShape 1"/>
+          <p:cNvPr id="195" name="CustomShape 1"/>
           <p:cNvSpPr/>
           <p:nvPr/>
         </p:nvSpPr>
         <p:spPr>
           <a:xfrm>
             <a:off x="39240" y="109440"/>
-            <a:ext cx="719640" cy="539640"/>
+            <a:ext cx="719280" cy="539280"/>
           </a:xfrm>
           <a:prstGeom prst="rect">
             <a:avLst/>
@@ -8192,14 +8147,14 @@
       </p:sp>
       <p:sp>
         <p:nvSpPr>
-          <p:cNvPr id="199" name="CustomShape 2"/>
+          <p:cNvPr id="196" name="CustomShape 2"/>
           <p:cNvSpPr/>
           <p:nvPr/>
         </p:nvSpPr>
         <p:spPr>
           <a:xfrm>
             <a:off x="831240" y="109440"/>
-            <a:ext cx="7379640" cy="539640"/>
+            <a:ext cx="7379280" cy="539280"/>
           </a:xfrm>
           <a:prstGeom prst="rect">
             <a:avLst/>
@@ -8237,14 +8192,14 @@
       </p:sp>
       <p:sp>
         <p:nvSpPr>
-          <p:cNvPr id="200" name="CustomShape 3"/>
+          <p:cNvPr id="197" name="CustomShape 3"/>
           <p:cNvSpPr/>
           <p:nvPr/>
         </p:nvSpPr>
         <p:spPr>
           <a:xfrm>
             <a:off x="39240" y="822600"/>
-            <a:ext cx="9827640" cy="2339640"/>
+            <a:ext cx="9827280" cy="2339280"/>
           </a:xfrm>
           <a:prstGeom prst="rect">
             <a:avLst/>
@@ -8282,14 +8237,14 @@
       </p:sp>
       <p:sp>
         <p:nvSpPr>
-          <p:cNvPr id="201" name="CustomShape 4"/>
+          <p:cNvPr id="198" name="CustomShape 4"/>
           <p:cNvSpPr/>
           <p:nvPr/>
         </p:nvSpPr>
         <p:spPr>
           <a:xfrm>
             <a:off x="39240" y="3335400"/>
-            <a:ext cx="9827640" cy="1619640"/>
+            <a:ext cx="9827280" cy="1619280"/>
           </a:xfrm>
           <a:prstGeom prst="rect">
             <a:avLst/>
@@ -8346,14 +8301,14 @@
       </p:sp>
       <p:sp>
         <p:nvSpPr>
-          <p:cNvPr id="202" name="CustomShape 5"/>
+          <p:cNvPr id="199" name="CustomShape 5"/>
           <p:cNvSpPr/>
           <p:nvPr/>
         </p:nvSpPr>
         <p:spPr>
           <a:xfrm>
             <a:off x="9147240" y="109440"/>
-            <a:ext cx="719640" cy="539640"/>
+            <a:ext cx="719280" cy="539280"/>
           </a:xfrm>
           <a:prstGeom prst="rect">
             <a:avLst/>
@@ -8391,14 +8346,14 @@
       </p:sp>
       <p:sp>
         <p:nvSpPr>
-          <p:cNvPr id="203" name="CustomShape 6"/>
+          <p:cNvPr id="200" name="CustomShape 6"/>
           <p:cNvSpPr/>
           <p:nvPr/>
         </p:nvSpPr>
         <p:spPr>
           <a:xfrm>
             <a:off x="8283240" y="109440"/>
-            <a:ext cx="791640" cy="539640"/>
+            <a:ext cx="791280" cy="539280"/>
           </a:xfrm>
           <a:prstGeom prst="rect">
             <a:avLst/>
@@ -8436,14 +8391,14 @@
       </p:sp>
       <p:sp>
         <p:nvSpPr>
-          <p:cNvPr id="204" name="CustomShape 7"/>
+          <p:cNvPr id="201" name="CustomShape 7"/>
           <p:cNvSpPr/>
           <p:nvPr/>
         </p:nvSpPr>
         <p:spPr>
           <a:xfrm>
             <a:off x="39240" y="5128560"/>
-            <a:ext cx="9827640" cy="1619640"/>
+            <a:ext cx="9827280" cy="1619280"/>
           </a:xfrm>
           <a:prstGeom prst="rect">
             <a:avLst/>
@@ -8522,10 +8477,10 @@
   <p:timing>
     <p:tnLst>
       <p:par>
-        <p:cTn dur="indefinite" id="33" nodeType="tmRoot" restart="never">
+        <p:cTn dur="indefinite" id="37" nodeType="tmRoot" restart="never">
           <p:childTnLst>
             <p:seq>
-              <p:cTn id="34" nodeType="mainSeq">
+              <p:cTn id="38" nodeType="mainSeq">
                 <p:childTnLst/>
               </p:cTn>
               <p:prevCondLst>
@@ -8570,14 +8525,14 @@
       </p:grpSpPr>
       <p:sp>
         <p:nvSpPr>
-          <p:cNvPr id="205" name="CustomShape 1"/>
+          <p:cNvPr id="202" name="CustomShape 1"/>
           <p:cNvSpPr/>
           <p:nvPr/>
         </p:nvSpPr>
         <p:spPr>
           <a:xfrm>
             <a:off x="39240" y="109440"/>
-            <a:ext cx="719640" cy="539640"/>
+            <a:ext cx="719280" cy="539280"/>
           </a:xfrm>
           <a:prstGeom prst="rect">
             <a:avLst/>
@@ -8615,14 +8570,14 @@
       </p:sp>
       <p:sp>
         <p:nvSpPr>
-          <p:cNvPr id="206" name="CustomShape 2"/>
+          <p:cNvPr id="203" name="CustomShape 2"/>
           <p:cNvSpPr/>
           <p:nvPr/>
         </p:nvSpPr>
         <p:spPr>
           <a:xfrm>
             <a:off x="831240" y="109440"/>
-            <a:ext cx="7379640" cy="539640"/>
+            <a:ext cx="7379280" cy="539280"/>
           </a:xfrm>
           <a:prstGeom prst="rect">
             <a:avLst/>
@@ -8660,14 +8615,14 @@
       </p:sp>
       <p:sp>
         <p:nvSpPr>
-          <p:cNvPr id="207" name="CustomShape 3"/>
+          <p:cNvPr id="204" name="CustomShape 3"/>
           <p:cNvSpPr/>
           <p:nvPr/>
         </p:nvSpPr>
         <p:spPr>
           <a:xfrm>
             <a:off x="39240" y="822600"/>
-            <a:ext cx="9827640" cy="2339640"/>
+            <a:ext cx="9827280" cy="2339280"/>
           </a:xfrm>
           <a:prstGeom prst="rect">
             <a:avLst/>
@@ -8705,14 +8660,14 @@
       </p:sp>
       <p:sp>
         <p:nvSpPr>
-          <p:cNvPr id="208" name="CustomShape 4"/>
+          <p:cNvPr id="205" name="CustomShape 4"/>
           <p:cNvSpPr/>
           <p:nvPr/>
         </p:nvSpPr>
         <p:spPr>
           <a:xfrm>
             <a:off x="39240" y="3335400"/>
-            <a:ext cx="9827640" cy="1619640"/>
+            <a:ext cx="9827280" cy="1619280"/>
           </a:xfrm>
           <a:prstGeom prst="rect">
             <a:avLst/>
@@ -8778,14 +8733,14 @@
       </p:sp>
       <p:sp>
         <p:nvSpPr>
-          <p:cNvPr id="209" name="CustomShape 5"/>
+          <p:cNvPr id="206" name="CustomShape 5"/>
           <p:cNvSpPr/>
           <p:nvPr/>
         </p:nvSpPr>
         <p:spPr>
           <a:xfrm>
             <a:off x="9147240" y="109440"/>
-            <a:ext cx="719640" cy="539640"/>
+            <a:ext cx="719280" cy="539280"/>
           </a:xfrm>
           <a:prstGeom prst="rect">
             <a:avLst/>
@@ -8823,14 +8778,14 @@
       </p:sp>
       <p:sp>
         <p:nvSpPr>
-          <p:cNvPr id="210" name="CustomShape 6"/>
+          <p:cNvPr id="207" name="CustomShape 6"/>
           <p:cNvSpPr/>
           <p:nvPr/>
         </p:nvSpPr>
         <p:spPr>
           <a:xfrm>
             <a:off x="8283240" y="109440"/>
-            <a:ext cx="791640" cy="539640"/>
+            <a:ext cx="791280" cy="539280"/>
           </a:xfrm>
           <a:prstGeom prst="rect">
             <a:avLst/>
@@ -8868,14 +8823,14 @@
       </p:sp>
       <p:sp>
         <p:nvSpPr>
-          <p:cNvPr id="211" name="CustomShape 7"/>
+          <p:cNvPr id="208" name="CustomShape 7"/>
           <p:cNvSpPr/>
           <p:nvPr/>
         </p:nvSpPr>
         <p:spPr>
           <a:xfrm>
             <a:off x="39240" y="5128560"/>
-            <a:ext cx="9827640" cy="1619640"/>
+            <a:ext cx="9827280" cy="1619280"/>
           </a:xfrm>
           <a:prstGeom prst="rect">
             <a:avLst/>
@@ -8973,10 +8928,10 @@
   <p:timing>
     <p:tnLst>
       <p:par>
-        <p:cTn dur="indefinite" id="35" nodeType="tmRoot" restart="never">
+        <p:cTn dur="indefinite" id="39" nodeType="tmRoot" restart="never">
           <p:childTnLst>
             <p:seq>
-              <p:cTn id="36" nodeType="mainSeq">
+              <p:cTn id="40" nodeType="mainSeq">
                 <p:childTnLst/>
               </p:cTn>
               <p:prevCondLst>
@@ -9021,14 +8976,14 @@
       </p:grpSpPr>
       <p:sp>
         <p:nvSpPr>
-          <p:cNvPr id="212" name="CustomShape 1"/>
+          <p:cNvPr id="209" name="CustomShape 1"/>
           <p:cNvSpPr/>
           <p:nvPr/>
         </p:nvSpPr>
         <p:spPr>
           <a:xfrm>
             <a:off x="39240" y="109440"/>
-            <a:ext cx="719640" cy="539640"/>
+            <a:ext cx="719280" cy="539280"/>
           </a:xfrm>
           <a:prstGeom prst="rect">
             <a:avLst/>
@@ -9066,14 +9021,14 @@
       </p:sp>
       <p:sp>
         <p:nvSpPr>
-          <p:cNvPr id="213" name="CustomShape 2"/>
+          <p:cNvPr id="210" name="CustomShape 2"/>
           <p:cNvSpPr/>
           <p:nvPr/>
         </p:nvSpPr>
         <p:spPr>
           <a:xfrm>
             <a:off x="831240" y="109440"/>
-            <a:ext cx="7379640" cy="539640"/>
+            <a:ext cx="7379280" cy="539280"/>
           </a:xfrm>
           <a:prstGeom prst="rect">
             <a:avLst/>
@@ -9111,14 +9066,14 @@
       </p:sp>
       <p:sp>
         <p:nvSpPr>
-          <p:cNvPr id="214" name="CustomShape 3"/>
+          <p:cNvPr id="211" name="CustomShape 3"/>
           <p:cNvSpPr/>
           <p:nvPr/>
         </p:nvSpPr>
         <p:spPr>
           <a:xfrm>
             <a:off x="39240" y="822600"/>
-            <a:ext cx="9827640" cy="2339640"/>
+            <a:ext cx="9827280" cy="2339280"/>
           </a:xfrm>
           <a:prstGeom prst="rect">
             <a:avLst/>
@@ -9156,14 +9111,14 @@
       </p:sp>
       <p:sp>
         <p:nvSpPr>
-          <p:cNvPr id="215" name="CustomShape 4"/>
+          <p:cNvPr id="212" name="CustomShape 4"/>
           <p:cNvSpPr/>
           <p:nvPr/>
         </p:nvSpPr>
         <p:spPr>
           <a:xfrm>
             <a:off x="39240" y="3335400"/>
-            <a:ext cx="9827640" cy="1619640"/>
+            <a:ext cx="9827280" cy="1619280"/>
           </a:xfrm>
           <a:prstGeom prst="rect">
             <a:avLst/>
@@ -9229,14 +9184,14 @@
       </p:sp>
       <p:sp>
         <p:nvSpPr>
-          <p:cNvPr id="216" name="CustomShape 5"/>
+          <p:cNvPr id="213" name="CustomShape 5"/>
           <p:cNvSpPr/>
           <p:nvPr/>
         </p:nvSpPr>
         <p:spPr>
           <a:xfrm>
             <a:off x="9147240" y="109440"/>
-            <a:ext cx="719640" cy="539640"/>
+            <a:ext cx="719280" cy="539280"/>
           </a:xfrm>
           <a:prstGeom prst="rect">
             <a:avLst/>
@@ -9274,14 +9229,14 @@
       </p:sp>
       <p:sp>
         <p:nvSpPr>
-          <p:cNvPr id="217" name="CustomShape 6"/>
+          <p:cNvPr id="214" name="CustomShape 6"/>
           <p:cNvSpPr/>
           <p:nvPr/>
         </p:nvSpPr>
         <p:spPr>
           <a:xfrm>
             <a:off x="8283240" y="109440"/>
-            <a:ext cx="791640" cy="539640"/>
+            <a:ext cx="791280" cy="539280"/>
           </a:xfrm>
           <a:prstGeom prst="rect">
             <a:avLst/>
@@ -9319,14 +9274,14 @@
       </p:sp>
       <p:sp>
         <p:nvSpPr>
-          <p:cNvPr id="218" name="CustomShape 7"/>
+          <p:cNvPr id="215" name="CustomShape 7"/>
           <p:cNvSpPr/>
           <p:nvPr/>
         </p:nvSpPr>
         <p:spPr>
           <a:xfrm>
             <a:off x="39240" y="5128560"/>
-            <a:ext cx="9827640" cy="1619640"/>
+            <a:ext cx="9827280" cy="1619280"/>
           </a:xfrm>
           <a:prstGeom prst="rect">
             <a:avLst/>
@@ -9452,10 +9407,10 @@
   <p:timing>
     <p:tnLst>
       <p:par>
-        <p:cTn dur="indefinite" id="37" nodeType="tmRoot" restart="never">
+        <p:cTn dur="indefinite" id="41" nodeType="tmRoot" restart="never">
           <p:childTnLst>
             <p:seq>
-              <p:cTn id="38" nodeType="mainSeq">
+              <p:cTn id="42" nodeType="mainSeq">
                 <p:childTnLst/>
               </p:cTn>
               <p:prevCondLst>
@@ -9500,14 +9455,14 @@
       </p:grpSpPr>
       <p:sp>
         <p:nvSpPr>
-          <p:cNvPr id="219" name="CustomShape 1"/>
+          <p:cNvPr id="216" name="CustomShape 1"/>
           <p:cNvSpPr/>
           <p:nvPr/>
         </p:nvSpPr>
         <p:spPr>
           <a:xfrm>
             <a:off x="39240" y="109440"/>
-            <a:ext cx="719640" cy="539640"/>
+            <a:ext cx="719280" cy="539280"/>
           </a:xfrm>
           <a:prstGeom prst="rect">
             <a:avLst/>
@@ -9545,14 +9500,14 @@
       </p:sp>
       <p:sp>
         <p:nvSpPr>
-          <p:cNvPr id="220" name="CustomShape 2"/>
+          <p:cNvPr id="217" name="CustomShape 2"/>
           <p:cNvSpPr/>
           <p:nvPr/>
         </p:nvSpPr>
         <p:spPr>
           <a:xfrm>
             <a:off x="831240" y="109440"/>
-            <a:ext cx="7379640" cy="539640"/>
+            <a:ext cx="7379280" cy="539280"/>
           </a:xfrm>
           <a:prstGeom prst="rect">
             <a:avLst/>
@@ -9590,14 +9545,14 @@
       </p:sp>
       <p:sp>
         <p:nvSpPr>
-          <p:cNvPr id="221" name="CustomShape 3"/>
+          <p:cNvPr id="218" name="CustomShape 3"/>
           <p:cNvSpPr/>
           <p:nvPr/>
         </p:nvSpPr>
         <p:spPr>
           <a:xfrm>
             <a:off x="39240" y="822600"/>
-            <a:ext cx="9827640" cy="2339640"/>
+            <a:ext cx="9827280" cy="2339280"/>
           </a:xfrm>
           <a:prstGeom prst="rect">
             <a:avLst/>
@@ -9635,14 +9590,14 @@
       </p:sp>
       <p:sp>
         <p:nvSpPr>
-          <p:cNvPr id="222" name="CustomShape 4"/>
+          <p:cNvPr id="219" name="CustomShape 4"/>
           <p:cNvSpPr/>
           <p:nvPr/>
         </p:nvSpPr>
         <p:spPr>
           <a:xfrm>
             <a:off x="39240" y="3335400"/>
-            <a:ext cx="9827640" cy="1619640"/>
+            <a:ext cx="9827280" cy="1619280"/>
           </a:xfrm>
           <a:prstGeom prst="rect">
             <a:avLst/>
@@ -9699,14 +9654,14 @@
       </p:sp>
       <p:sp>
         <p:nvSpPr>
-          <p:cNvPr id="223" name="CustomShape 5"/>
+          <p:cNvPr id="220" name="CustomShape 5"/>
           <p:cNvSpPr/>
           <p:nvPr/>
         </p:nvSpPr>
         <p:spPr>
           <a:xfrm>
             <a:off x="9147240" y="109440"/>
-            <a:ext cx="719640" cy="539640"/>
+            <a:ext cx="719280" cy="539280"/>
           </a:xfrm>
           <a:prstGeom prst="rect">
             <a:avLst/>
@@ -9744,14 +9699,14 @@
       </p:sp>
       <p:sp>
         <p:nvSpPr>
-          <p:cNvPr id="224" name="CustomShape 6"/>
+          <p:cNvPr id="221" name="CustomShape 6"/>
           <p:cNvSpPr/>
           <p:nvPr/>
         </p:nvSpPr>
         <p:spPr>
           <a:xfrm>
             <a:off x="8283240" y="109440"/>
-            <a:ext cx="791640" cy="539640"/>
+            <a:ext cx="791280" cy="539280"/>
           </a:xfrm>
           <a:prstGeom prst="rect">
             <a:avLst/>
@@ -9789,14 +9744,14 @@
       </p:sp>
       <p:sp>
         <p:nvSpPr>
-          <p:cNvPr id="225" name="CustomShape 7"/>
+          <p:cNvPr id="222" name="CustomShape 7"/>
           <p:cNvSpPr/>
           <p:nvPr/>
         </p:nvSpPr>
         <p:spPr>
           <a:xfrm>
             <a:off x="39240" y="5128560"/>
-            <a:ext cx="9827640" cy="1619640"/>
+            <a:ext cx="9827280" cy="1619280"/>
           </a:xfrm>
           <a:prstGeom prst="rect">
             <a:avLst/>
@@ -9875,10 +9830,10 @@
   <p:timing>
     <p:tnLst>
       <p:par>
-        <p:cTn dur="indefinite" id="39" nodeType="tmRoot" restart="never">
+        <p:cTn dur="indefinite" id="43" nodeType="tmRoot" restart="never">
           <p:childTnLst>
             <p:seq>
-              <p:cTn id="40" nodeType="mainSeq">
+              <p:cTn id="44" nodeType="mainSeq">
                 <p:childTnLst/>
               </p:cTn>
               <p:prevCondLst>
@@ -9923,14 +9878,14 @@
       </p:grpSpPr>
       <p:sp>
         <p:nvSpPr>
-          <p:cNvPr id="226" name="CustomShape 1"/>
+          <p:cNvPr id="223" name="CustomShape 1"/>
           <p:cNvSpPr/>
           <p:nvPr/>
         </p:nvSpPr>
         <p:spPr>
           <a:xfrm>
             <a:off x="39240" y="109440"/>
-            <a:ext cx="719640" cy="539640"/>
+            <a:ext cx="719280" cy="539280"/>
           </a:xfrm>
           <a:prstGeom prst="rect">
             <a:avLst/>
@@ -9968,14 +9923,14 @@
       </p:sp>
       <p:sp>
         <p:nvSpPr>
-          <p:cNvPr id="227" name="CustomShape 2"/>
+          <p:cNvPr id="224" name="CustomShape 2"/>
           <p:cNvSpPr/>
           <p:nvPr/>
         </p:nvSpPr>
         <p:spPr>
           <a:xfrm>
             <a:off x="831240" y="109440"/>
-            <a:ext cx="7379640" cy="539640"/>
+            <a:ext cx="7379280" cy="539280"/>
           </a:xfrm>
           <a:prstGeom prst="rect">
             <a:avLst/>
@@ -10013,14 +9968,14 @@
       </p:sp>
       <p:sp>
         <p:nvSpPr>
-          <p:cNvPr id="228" name="CustomShape 3"/>
+          <p:cNvPr id="225" name="CustomShape 3"/>
           <p:cNvSpPr/>
           <p:nvPr/>
         </p:nvSpPr>
         <p:spPr>
           <a:xfrm>
             <a:off x="39240" y="822600"/>
-            <a:ext cx="9827640" cy="2339640"/>
+            <a:ext cx="9827280" cy="2339280"/>
           </a:xfrm>
           <a:prstGeom prst="rect">
             <a:avLst/>
@@ -10058,14 +10013,14 @@
       </p:sp>
       <p:sp>
         <p:nvSpPr>
-          <p:cNvPr id="229" name="CustomShape 4"/>
+          <p:cNvPr id="226" name="CustomShape 4"/>
           <p:cNvSpPr/>
           <p:nvPr/>
         </p:nvSpPr>
         <p:spPr>
           <a:xfrm>
             <a:off x="39240" y="3335400"/>
-            <a:ext cx="9827640" cy="1619640"/>
+            <a:ext cx="9827280" cy="1619280"/>
           </a:xfrm>
           <a:prstGeom prst="rect">
             <a:avLst/>
@@ -10122,14 +10077,14 @@
       </p:sp>
       <p:sp>
         <p:nvSpPr>
-          <p:cNvPr id="230" name="CustomShape 5"/>
+          <p:cNvPr id="227" name="CustomShape 5"/>
           <p:cNvSpPr/>
           <p:nvPr/>
         </p:nvSpPr>
         <p:spPr>
           <a:xfrm>
             <a:off x="9147240" y="109440"/>
-            <a:ext cx="719640" cy="539640"/>
+            <a:ext cx="719280" cy="539280"/>
           </a:xfrm>
           <a:prstGeom prst="rect">
             <a:avLst/>
@@ -10167,14 +10122,14 @@
       </p:sp>
       <p:sp>
         <p:nvSpPr>
-          <p:cNvPr id="231" name="CustomShape 6"/>
+          <p:cNvPr id="228" name="CustomShape 6"/>
           <p:cNvSpPr/>
           <p:nvPr/>
         </p:nvSpPr>
         <p:spPr>
           <a:xfrm>
             <a:off x="8283240" y="109440"/>
-            <a:ext cx="791640" cy="539640"/>
+            <a:ext cx="791280" cy="539280"/>
           </a:xfrm>
           <a:prstGeom prst="rect">
             <a:avLst/>
@@ -10212,14 +10167,14 @@
       </p:sp>
       <p:sp>
         <p:nvSpPr>
-          <p:cNvPr id="232" name="CustomShape 7"/>
+          <p:cNvPr id="229" name="CustomShape 7"/>
           <p:cNvSpPr/>
           <p:nvPr/>
         </p:nvSpPr>
         <p:spPr>
           <a:xfrm>
             <a:off x="39240" y="5128560"/>
-            <a:ext cx="9827640" cy="1619640"/>
+            <a:ext cx="9827280" cy="1619280"/>
           </a:xfrm>
           <a:prstGeom prst="rect">
             <a:avLst/>
@@ -10336,14 +10291,14 @@
       </p:grpSpPr>
       <p:sp>
         <p:nvSpPr>
-          <p:cNvPr id="233" name="CustomShape 1"/>
+          <p:cNvPr id="230" name="CustomShape 1"/>
           <p:cNvSpPr/>
           <p:nvPr/>
         </p:nvSpPr>
         <p:spPr>
           <a:xfrm>
             <a:off x="39240" y="109440"/>
-            <a:ext cx="719640" cy="539640"/>
+            <a:ext cx="719280" cy="539280"/>
           </a:xfrm>
           <a:prstGeom prst="rect">
             <a:avLst/>
@@ -10381,14 +10336,14 @@
       </p:sp>
       <p:sp>
         <p:nvSpPr>
-          <p:cNvPr id="234" name="CustomShape 2"/>
+          <p:cNvPr id="231" name="CustomShape 2"/>
           <p:cNvSpPr/>
           <p:nvPr/>
         </p:nvSpPr>
         <p:spPr>
           <a:xfrm>
             <a:off x="831240" y="109440"/>
-            <a:ext cx="7379640" cy="539640"/>
+            <a:ext cx="7379280" cy="539280"/>
           </a:xfrm>
           <a:prstGeom prst="rect">
             <a:avLst/>
@@ -10426,14 +10381,14 @@
       </p:sp>
       <p:sp>
         <p:nvSpPr>
-          <p:cNvPr id="235" name="CustomShape 3"/>
+          <p:cNvPr id="232" name="CustomShape 3"/>
           <p:cNvSpPr/>
           <p:nvPr/>
         </p:nvSpPr>
         <p:spPr>
           <a:xfrm>
             <a:off x="39240" y="822600"/>
-            <a:ext cx="9827640" cy="2339640"/>
+            <a:ext cx="9827280" cy="2339280"/>
           </a:xfrm>
           <a:prstGeom prst="rect">
             <a:avLst/>
@@ -10471,14 +10426,14 @@
       </p:sp>
       <p:sp>
         <p:nvSpPr>
-          <p:cNvPr id="236" name="CustomShape 4"/>
+          <p:cNvPr id="233" name="CustomShape 4"/>
           <p:cNvSpPr/>
           <p:nvPr/>
         </p:nvSpPr>
         <p:spPr>
           <a:xfrm>
             <a:off x="39240" y="3335400"/>
-            <a:ext cx="9827640" cy="1619640"/>
+            <a:ext cx="9827280" cy="1619280"/>
           </a:xfrm>
           <a:prstGeom prst="rect">
             <a:avLst/>
@@ -10535,14 +10490,14 @@
       </p:sp>
       <p:sp>
         <p:nvSpPr>
-          <p:cNvPr id="237" name="CustomShape 5"/>
+          <p:cNvPr id="234" name="CustomShape 5"/>
           <p:cNvSpPr/>
           <p:nvPr/>
         </p:nvSpPr>
         <p:spPr>
           <a:xfrm>
             <a:off x="9147240" y="109440"/>
-            <a:ext cx="719640" cy="539640"/>
+            <a:ext cx="719280" cy="539280"/>
           </a:xfrm>
           <a:prstGeom prst="rect">
             <a:avLst/>
@@ -10580,14 +10535,14 @@
       </p:sp>
       <p:sp>
         <p:nvSpPr>
-          <p:cNvPr id="238" name="CustomShape 6"/>
+          <p:cNvPr id="235" name="CustomShape 6"/>
           <p:cNvSpPr/>
           <p:nvPr/>
         </p:nvSpPr>
         <p:spPr>
           <a:xfrm>
             <a:off x="8283240" y="109440"/>
-            <a:ext cx="791640" cy="539640"/>
+            <a:ext cx="791280" cy="539280"/>
           </a:xfrm>
           <a:prstGeom prst="rect">
             <a:avLst/>
@@ -10625,14 +10580,14 @@
       </p:sp>
       <p:sp>
         <p:nvSpPr>
-          <p:cNvPr id="239" name="CustomShape 7"/>
+          <p:cNvPr id="236" name="CustomShape 7"/>
           <p:cNvSpPr/>
           <p:nvPr/>
         </p:nvSpPr>
         <p:spPr>
           <a:xfrm>
             <a:off x="39240" y="5128560"/>
-            <a:ext cx="9827640" cy="1619640"/>
+            <a:ext cx="9827280" cy="1619280"/>
           </a:xfrm>
           <a:prstGeom prst="rect">
             <a:avLst/>
@@ -10692,10 +10647,10 @@
   <p:timing>
     <p:tnLst>
       <p:par>
-        <p:cTn dur="indefinite" id="41" nodeType="tmRoot" restart="never">
+        <p:cTn dur="indefinite" id="45" nodeType="tmRoot" restart="never">
           <p:childTnLst>
             <p:seq>
-              <p:cTn id="42" nodeType="mainSeq">
+              <p:cTn id="46" nodeType="mainSeq">
                 <p:childTnLst/>
               </p:cTn>
               <p:prevCondLst>
@@ -10740,14 +10695,14 @@
       </p:grpSpPr>
       <p:sp>
         <p:nvSpPr>
-          <p:cNvPr id="51" name="CustomShape 1"/>
+          <p:cNvPr id="48" name="CustomShape 1"/>
           <p:cNvSpPr/>
           <p:nvPr/>
         </p:nvSpPr>
         <p:spPr>
           <a:xfrm>
             <a:off x="39240" y="109440"/>
-            <a:ext cx="719640" cy="539640"/>
+            <a:ext cx="719280" cy="539280"/>
           </a:xfrm>
           <a:prstGeom prst="rect">
             <a:avLst/>
@@ -10785,14 +10740,14 @@
       </p:sp>
       <p:sp>
         <p:nvSpPr>
-          <p:cNvPr id="52" name="CustomShape 2"/>
+          <p:cNvPr id="49" name="CustomShape 2"/>
           <p:cNvSpPr/>
           <p:nvPr/>
         </p:nvSpPr>
         <p:spPr>
           <a:xfrm>
             <a:off x="831240" y="109440"/>
-            <a:ext cx="7379640" cy="539640"/>
+            <a:ext cx="7379280" cy="539280"/>
           </a:xfrm>
           <a:prstGeom prst="rect">
             <a:avLst/>
@@ -10830,14 +10785,14 @@
       </p:sp>
       <p:sp>
         <p:nvSpPr>
-          <p:cNvPr id="53" name="CustomShape 3"/>
+          <p:cNvPr id="50" name="CustomShape 3"/>
           <p:cNvSpPr/>
           <p:nvPr/>
         </p:nvSpPr>
         <p:spPr>
           <a:xfrm>
             <a:off x="39240" y="822600"/>
-            <a:ext cx="9827640" cy="2339640"/>
+            <a:ext cx="9827280" cy="2339280"/>
           </a:xfrm>
           <a:prstGeom prst="rect">
             <a:avLst/>
@@ -10875,14 +10830,14 @@
       </p:sp>
       <p:sp>
         <p:nvSpPr>
-          <p:cNvPr id="54" name="CustomShape 4"/>
+          <p:cNvPr id="51" name="CustomShape 4"/>
           <p:cNvSpPr/>
           <p:nvPr/>
         </p:nvSpPr>
         <p:spPr>
           <a:xfrm>
             <a:off x="39240" y="3335400"/>
-            <a:ext cx="9827640" cy="1619640"/>
+            <a:ext cx="9827280" cy="1619280"/>
           </a:xfrm>
           <a:prstGeom prst="rect">
             <a:avLst/>
@@ -10948,14 +10903,14 @@
       </p:sp>
       <p:sp>
         <p:nvSpPr>
-          <p:cNvPr id="55" name="CustomShape 5"/>
+          <p:cNvPr id="52" name="CustomShape 5"/>
           <p:cNvSpPr/>
           <p:nvPr/>
         </p:nvSpPr>
         <p:spPr>
           <a:xfrm>
             <a:off x="9147240" y="109440"/>
-            <a:ext cx="719640" cy="539640"/>
+            <a:ext cx="719280" cy="539280"/>
           </a:xfrm>
           <a:prstGeom prst="rect">
             <a:avLst/>
@@ -10993,14 +10948,14 @@
       </p:sp>
       <p:sp>
         <p:nvSpPr>
-          <p:cNvPr id="56" name="CustomShape 6"/>
+          <p:cNvPr id="53" name="CustomShape 6"/>
           <p:cNvSpPr/>
           <p:nvPr/>
         </p:nvSpPr>
         <p:spPr>
           <a:xfrm>
             <a:off x="8283240" y="109440"/>
-            <a:ext cx="791640" cy="539640"/>
+            <a:ext cx="791280" cy="539280"/>
           </a:xfrm>
           <a:prstGeom prst="rect">
             <a:avLst/>
@@ -11038,14 +10993,14 @@
       </p:sp>
       <p:sp>
         <p:nvSpPr>
-          <p:cNvPr id="57" name="CustomShape 7"/>
+          <p:cNvPr id="54" name="CustomShape 7"/>
           <p:cNvSpPr/>
           <p:nvPr/>
         </p:nvSpPr>
         <p:spPr>
           <a:xfrm>
             <a:off x="39240" y="5128560"/>
-            <a:ext cx="9827640" cy="1619640"/>
+            <a:ext cx="9827280" cy="1619280"/>
           </a:xfrm>
           <a:prstGeom prst="rect">
             <a:avLst/>
@@ -11124,14 +11079,14 @@
       </p:grpSpPr>
       <p:sp>
         <p:nvSpPr>
-          <p:cNvPr id="240" name="CustomShape 1"/>
+          <p:cNvPr id="237" name="CustomShape 1"/>
           <p:cNvSpPr/>
           <p:nvPr/>
         </p:nvSpPr>
         <p:spPr>
           <a:xfrm>
             <a:off x="39240" y="109440"/>
-            <a:ext cx="719640" cy="539640"/>
+            <a:ext cx="719280" cy="539280"/>
           </a:xfrm>
           <a:prstGeom prst="rect">
             <a:avLst/>
@@ -11169,14 +11124,14 @@
       </p:sp>
       <p:sp>
         <p:nvSpPr>
-          <p:cNvPr id="241" name="CustomShape 2"/>
+          <p:cNvPr id="238" name="CustomShape 2"/>
           <p:cNvSpPr/>
           <p:nvPr/>
         </p:nvSpPr>
         <p:spPr>
           <a:xfrm>
             <a:off x="831240" y="109440"/>
-            <a:ext cx="7379640" cy="539640"/>
+            <a:ext cx="7379280" cy="539280"/>
           </a:xfrm>
           <a:prstGeom prst="rect">
             <a:avLst/>
@@ -11214,14 +11169,14 @@
       </p:sp>
       <p:sp>
         <p:nvSpPr>
-          <p:cNvPr id="242" name="CustomShape 3"/>
+          <p:cNvPr id="239" name="CustomShape 3"/>
           <p:cNvSpPr/>
           <p:nvPr/>
         </p:nvSpPr>
         <p:spPr>
           <a:xfrm>
             <a:off x="39240" y="822600"/>
-            <a:ext cx="9827640" cy="2339640"/>
+            <a:ext cx="9827280" cy="2339280"/>
           </a:xfrm>
           <a:prstGeom prst="rect">
             <a:avLst/>
@@ -11259,14 +11214,14 @@
       </p:sp>
       <p:sp>
         <p:nvSpPr>
-          <p:cNvPr id="243" name="CustomShape 4"/>
+          <p:cNvPr id="240" name="CustomShape 4"/>
           <p:cNvSpPr/>
           <p:nvPr/>
         </p:nvSpPr>
         <p:spPr>
           <a:xfrm>
             <a:off x="39240" y="3335400"/>
-            <a:ext cx="9827640" cy="1619640"/>
+            <a:ext cx="9827280" cy="1619280"/>
           </a:xfrm>
           <a:prstGeom prst="rect">
             <a:avLst/>
@@ -11323,14 +11278,14 @@
       </p:sp>
       <p:sp>
         <p:nvSpPr>
-          <p:cNvPr id="244" name="CustomShape 5"/>
+          <p:cNvPr id="241" name="CustomShape 5"/>
           <p:cNvSpPr/>
           <p:nvPr/>
         </p:nvSpPr>
         <p:spPr>
           <a:xfrm>
             <a:off x="9147240" y="109440"/>
-            <a:ext cx="719640" cy="539640"/>
+            <a:ext cx="719280" cy="539280"/>
           </a:xfrm>
           <a:prstGeom prst="rect">
             <a:avLst/>
@@ -11368,14 +11323,14 @@
       </p:sp>
       <p:sp>
         <p:nvSpPr>
-          <p:cNvPr id="245" name="CustomShape 6"/>
+          <p:cNvPr id="242" name="CustomShape 6"/>
           <p:cNvSpPr/>
           <p:nvPr/>
         </p:nvSpPr>
         <p:spPr>
           <a:xfrm>
             <a:off x="8283240" y="109440"/>
-            <a:ext cx="791640" cy="539640"/>
+            <a:ext cx="791280" cy="539280"/>
           </a:xfrm>
           <a:prstGeom prst="rect">
             <a:avLst/>
@@ -11413,14 +11368,14 @@
       </p:sp>
       <p:sp>
         <p:nvSpPr>
-          <p:cNvPr id="246" name="CustomShape 7"/>
+          <p:cNvPr id="243" name="CustomShape 7"/>
           <p:cNvSpPr/>
           <p:nvPr/>
         </p:nvSpPr>
         <p:spPr>
           <a:xfrm>
             <a:off x="39240" y="5128560"/>
-            <a:ext cx="9827640" cy="1619640"/>
+            <a:ext cx="9827280" cy="1619280"/>
           </a:xfrm>
           <a:prstGeom prst="rect">
             <a:avLst/>
@@ -11469,10 +11424,10 @@
   <p:timing>
     <p:tnLst>
       <p:par>
-        <p:cTn dur="indefinite" id="43" nodeType="tmRoot" restart="never">
+        <p:cTn dur="indefinite" id="47" nodeType="tmRoot" restart="never">
           <p:childTnLst>
             <p:seq>
-              <p:cTn id="44" nodeType="mainSeq">
+              <p:cTn id="48" nodeType="mainSeq">
                 <p:childTnLst/>
               </p:cTn>
               <p:prevCondLst>
@@ -11517,14 +11472,14 @@
       </p:grpSpPr>
       <p:sp>
         <p:nvSpPr>
-          <p:cNvPr id="247" name="CustomShape 1"/>
+          <p:cNvPr id="244" name="CustomShape 1"/>
           <p:cNvSpPr/>
           <p:nvPr/>
         </p:nvSpPr>
         <p:spPr>
           <a:xfrm>
             <a:off x="39240" y="109440"/>
-            <a:ext cx="719640" cy="539640"/>
+            <a:ext cx="719280" cy="539280"/>
           </a:xfrm>
           <a:prstGeom prst="rect">
             <a:avLst/>
@@ -11562,14 +11517,14 @@
       </p:sp>
       <p:sp>
         <p:nvSpPr>
-          <p:cNvPr id="248" name="CustomShape 2"/>
+          <p:cNvPr id="245" name="CustomShape 2"/>
           <p:cNvSpPr/>
           <p:nvPr/>
         </p:nvSpPr>
         <p:spPr>
           <a:xfrm>
             <a:off x="831240" y="109440"/>
-            <a:ext cx="7379640" cy="539640"/>
+            <a:ext cx="7379280" cy="539280"/>
           </a:xfrm>
           <a:prstGeom prst="rect">
             <a:avLst/>
@@ -11607,14 +11562,14 @@
       </p:sp>
       <p:sp>
         <p:nvSpPr>
-          <p:cNvPr id="249" name="CustomShape 3"/>
+          <p:cNvPr id="246" name="CustomShape 3"/>
           <p:cNvSpPr/>
           <p:nvPr/>
         </p:nvSpPr>
         <p:spPr>
           <a:xfrm>
             <a:off x="39240" y="822600"/>
-            <a:ext cx="9827640" cy="2339640"/>
+            <a:ext cx="9827280" cy="2339280"/>
           </a:xfrm>
           <a:prstGeom prst="rect">
             <a:avLst/>
@@ -11652,14 +11607,14 @@
       </p:sp>
       <p:sp>
         <p:nvSpPr>
-          <p:cNvPr id="250" name="CustomShape 4"/>
+          <p:cNvPr id="247" name="CustomShape 4"/>
           <p:cNvSpPr/>
           <p:nvPr/>
         </p:nvSpPr>
         <p:spPr>
           <a:xfrm>
             <a:off x="39240" y="3335400"/>
-            <a:ext cx="9827640" cy="1619640"/>
+            <a:ext cx="9827280" cy="1619280"/>
           </a:xfrm>
           <a:prstGeom prst="rect">
             <a:avLst/>
@@ -11705,14 +11660,14 @@
       </p:sp>
       <p:sp>
         <p:nvSpPr>
-          <p:cNvPr id="251" name="CustomShape 5"/>
+          <p:cNvPr id="248" name="CustomShape 5"/>
           <p:cNvSpPr/>
           <p:nvPr/>
         </p:nvSpPr>
         <p:spPr>
           <a:xfrm>
             <a:off x="9147240" y="109440"/>
-            <a:ext cx="719640" cy="539640"/>
+            <a:ext cx="719280" cy="539280"/>
           </a:xfrm>
           <a:prstGeom prst="rect">
             <a:avLst/>
@@ -11750,14 +11705,14 @@
       </p:sp>
       <p:sp>
         <p:nvSpPr>
-          <p:cNvPr id="252" name="CustomShape 6"/>
+          <p:cNvPr id="249" name="CustomShape 6"/>
           <p:cNvSpPr/>
           <p:nvPr/>
         </p:nvSpPr>
         <p:spPr>
           <a:xfrm>
             <a:off x="8283240" y="109440"/>
-            <a:ext cx="791640" cy="539640"/>
+            <a:ext cx="791280" cy="539280"/>
           </a:xfrm>
           <a:prstGeom prst="rect">
             <a:avLst/>
@@ -11795,14 +11750,14 @@
       </p:sp>
       <p:sp>
         <p:nvSpPr>
-          <p:cNvPr id="253" name="CustomShape 7"/>
+          <p:cNvPr id="250" name="CustomShape 7"/>
           <p:cNvSpPr/>
           <p:nvPr/>
         </p:nvSpPr>
         <p:spPr>
           <a:xfrm>
             <a:off x="39240" y="5128560"/>
-            <a:ext cx="9827640" cy="1619640"/>
+            <a:ext cx="9827280" cy="1619280"/>
           </a:xfrm>
           <a:prstGeom prst="rect">
             <a:avLst/>
@@ -11862,10 +11817,10 @@
   <p:timing>
     <p:tnLst>
       <p:par>
-        <p:cTn dur="indefinite" id="45" nodeType="tmRoot" restart="never">
+        <p:cTn dur="indefinite" id="49" nodeType="tmRoot" restart="never">
           <p:childTnLst>
             <p:seq>
-              <p:cTn id="46" nodeType="mainSeq">
+              <p:cTn id="50" nodeType="mainSeq">
                 <p:childTnLst/>
               </p:cTn>
               <p:prevCondLst>
@@ -11910,14 +11865,14 @@
       </p:grpSpPr>
       <p:sp>
         <p:nvSpPr>
-          <p:cNvPr id="254" name="CustomShape 1"/>
+          <p:cNvPr id="251" name="CustomShape 1"/>
           <p:cNvSpPr/>
           <p:nvPr/>
         </p:nvSpPr>
         <p:spPr>
           <a:xfrm>
             <a:off x="39240" y="109440"/>
-            <a:ext cx="719640" cy="539640"/>
+            <a:ext cx="719280" cy="539280"/>
           </a:xfrm>
           <a:prstGeom prst="rect">
             <a:avLst/>
@@ -11955,14 +11910,14 @@
       </p:sp>
       <p:sp>
         <p:nvSpPr>
-          <p:cNvPr id="255" name="CustomShape 2"/>
+          <p:cNvPr id="252" name="CustomShape 2"/>
           <p:cNvSpPr/>
           <p:nvPr/>
         </p:nvSpPr>
         <p:spPr>
           <a:xfrm>
             <a:off x="831240" y="109440"/>
-            <a:ext cx="7379640" cy="539640"/>
+            <a:ext cx="7379280" cy="539280"/>
           </a:xfrm>
           <a:prstGeom prst="rect">
             <a:avLst/>
@@ -12000,14 +11955,14 @@
       </p:sp>
       <p:sp>
         <p:nvSpPr>
-          <p:cNvPr id="256" name="CustomShape 3"/>
+          <p:cNvPr id="253" name="CustomShape 3"/>
           <p:cNvSpPr/>
           <p:nvPr/>
         </p:nvSpPr>
         <p:spPr>
           <a:xfrm>
             <a:off x="39240" y="822600"/>
-            <a:ext cx="9827640" cy="2339640"/>
+            <a:ext cx="9827280" cy="2339280"/>
           </a:xfrm>
           <a:prstGeom prst="rect">
             <a:avLst/>
@@ -12045,14 +12000,14 @@
       </p:sp>
       <p:sp>
         <p:nvSpPr>
-          <p:cNvPr id="257" name="CustomShape 4"/>
+          <p:cNvPr id="254" name="CustomShape 4"/>
           <p:cNvSpPr/>
           <p:nvPr/>
         </p:nvSpPr>
         <p:spPr>
           <a:xfrm>
             <a:off x="39240" y="3335400"/>
-            <a:ext cx="9827640" cy="1619640"/>
+            <a:ext cx="9827280" cy="1619280"/>
           </a:xfrm>
           <a:prstGeom prst="rect">
             <a:avLst/>
@@ -12109,14 +12064,14 @@
       </p:sp>
       <p:sp>
         <p:nvSpPr>
-          <p:cNvPr id="258" name="CustomShape 5"/>
+          <p:cNvPr id="255" name="CustomShape 5"/>
           <p:cNvSpPr/>
           <p:nvPr/>
         </p:nvSpPr>
         <p:spPr>
           <a:xfrm>
             <a:off x="9147240" y="109440"/>
-            <a:ext cx="719640" cy="539640"/>
+            <a:ext cx="719280" cy="539280"/>
           </a:xfrm>
           <a:prstGeom prst="rect">
             <a:avLst/>
@@ -12154,14 +12109,14 @@
       </p:sp>
       <p:sp>
         <p:nvSpPr>
-          <p:cNvPr id="259" name="CustomShape 6"/>
+          <p:cNvPr id="256" name="CustomShape 6"/>
           <p:cNvSpPr/>
           <p:nvPr/>
         </p:nvSpPr>
         <p:spPr>
           <a:xfrm>
             <a:off x="8283240" y="109440"/>
-            <a:ext cx="791640" cy="539640"/>
+            <a:ext cx="791280" cy="539280"/>
           </a:xfrm>
           <a:prstGeom prst="rect">
             <a:avLst/>
@@ -12199,14 +12154,14 @@
       </p:sp>
       <p:sp>
         <p:nvSpPr>
-          <p:cNvPr id="260" name="CustomShape 7"/>
+          <p:cNvPr id="257" name="CustomShape 7"/>
           <p:cNvSpPr/>
           <p:nvPr/>
         </p:nvSpPr>
         <p:spPr>
           <a:xfrm>
             <a:off x="39240" y="5128560"/>
-            <a:ext cx="9827640" cy="1619640"/>
+            <a:ext cx="9827280" cy="1619280"/>
           </a:xfrm>
           <a:prstGeom prst="rect">
             <a:avLst/>
@@ -12285,10 +12240,10 @@
   <p:timing>
     <p:tnLst>
       <p:par>
-        <p:cTn dur="indefinite" id="47" nodeType="tmRoot" restart="never">
+        <p:cTn dur="indefinite" id="51" nodeType="tmRoot" restart="never">
           <p:childTnLst>
             <p:seq>
-              <p:cTn id="48" nodeType="mainSeq">
+              <p:cTn id="52" nodeType="mainSeq">
                 <p:childTnLst/>
               </p:cTn>
               <p:prevCondLst>
@@ -12333,14 +12288,14 @@
       </p:grpSpPr>
       <p:sp>
         <p:nvSpPr>
-          <p:cNvPr id="261" name="CustomShape 1"/>
+          <p:cNvPr id="258" name="CustomShape 1"/>
           <p:cNvSpPr/>
           <p:nvPr/>
         </p:nvSpPr>
         <p:spPr>
           <a:xfrm>
             <a:off x="39240" y="109440"/>
-            <a:ext cx="719640" cy="539640"/>
+            <a:ext cx="719280" cy="539280"/>
           </a:xfrm>
           <a:prstGeom prst="rect">
             <a:avLst/>
@@ -12378,14 +12333,14 @@
       </p:sp>
       <p:sp>
         <p:nvSpPr>
-          <p:cNvPr id="262" name="CustomShape 2"/>
+          <p:cNvPr id="259" name="CustomShape 2"/>
           <p:cNvSpPr/>
           <p:nvPr/>
         </p:nvSpPr>
         <p:spPr>
           <a:xfrm>
             <a:off x="831240" y="109440"/>
-            <a:ext cx="7379640" cy="539640"/>
+            <a:ext cx="7379280" cy="539280"/>
           </a:xfrm>
           <a:prstGeom prst="rect">
             <a:avLst/>
@@ -12423,14 +12378,14 @@
       </p:sp>
       <p:sp>
         <p:nvSpPr>
-          <p:cNvPr id="263" name="CustomShape 3"/>
+          <p:cNvPr id="260" name="CustomShape 3"/>
           <p:cNvSpPr/>
           <p:nvPr/>
         </p:nvSpPr>
         <p:spPr>
           <a:xfrm>
             <a:off x="39240" y="822600"/>
-            <a:ext cx="9827640" cy="2339640"/>
+            <a:ext cx="9827280" cy="2339280"/>
           </a:xfrm>
           <a:prstGeom prst="rect">
             <a:avLst/>
@@ -12468,14 +12423,14 @@
       </p:sp>
       <p:sp>
         <p:nvSpPr>
-          <p:cNvPr id="264" name="CustomShape 4"/>
+          <p:cNvPr id="261" name="CustomShape 4"/>
           <p:cNvSpPr/>
           <p:nvPr/>
         </p:nvSpPr>
         <p:spPr>
           <a:xfrm>
             <a:off x="39240" y="3335400"/>
-            <a:ext cx="9827640" cy="1619640"/>
+            <a:ext cx="9827280" cy="1619280"/>
           </a:xfrm>
           <a:prstGeom prst="rect">
             <a:avLst/>
@@ -12532,14 +12487,14 @@
       </p:sp>
       <p:sp>
         <p:nvSpPr>
-          <p:cNvPr id="265" name="CustomShape 5"/>
+          <p:cNvPr id="262" name="CustomShape 5"/>
           <p:cNvSpPr/>
           <p:nvPr/>
         </p:nvSpPr>
         <p:spPr>
           <a:xfrm>
             <a:off x="9147240" y="109440"/>
-            <a:ext cx="719640" cy="539640"/>
+            <a:ext cx="719280" cy="539280"/>
           </a:xfrm>
           <a:prstGeom prst="rect">
             <a:avLst/>
@@ -12577,14 +12532,14 @@
       </p:sp>
       <p:sp>
         <p:nvSpPr>
-          <p:cNvPr id="266" name="CustomShape 6"/>
+          <p:cNvPr id="263" name="CustomShape 6"/>
           <p:cNvSpPr/>
           <p:nvPr/>
         </p:nvSpPr>
         <p:spPr>
           <a:xfrm>
             <a:off x="8283240" y="109440"/>
-            <a:ext cx="791640" cy="539640"/>
+            <a:ext cx="791280" cy="539280"/>
           </a:xfrm>
           <a:prstGeom prst="rect">
             <a:avLst/>
@@ -12622,14 +12577,14 @@
       </p:sp>
       <p:sp>
         <p:nvSpPr>
-          <p:cNvPr id="267" name="CustomShape 7"/>
+          <p:cNvPr id="264" name="CustomShape 7"/>
           <p:cNvSpPr/>
           <p:nvPr/>
         </p:nvSpPr>
         <p:spPr>
           <a:xfrm>
             <a:off x="39240" y="5128560"/>
-            <a:ext cx="9827640" cy="1619640"/>
+            <a:ext cx="9827280" cy="1619280"/>
           </a:xfrm>
           <a:prstGeom prst="rect">
             <a:avLst/>
@@ -12708,10 +12663,1222 @@
   <p:timing>
     <p:tnLst>
       <p:par>
-        <p:cTn dur="indefinite" id="49" nodeType="tmRoot" restart="never">
+        <p:cTn dur="indefinite" id="53" nodeType="tmRoot" restart="never">
           <p:childTnLst>
             <p:seq>
-              <p:cTn id="50" nodeType="mainSeq">
+              <p:cTn id="54" nodeType="mainSeq">
+                <p:childTnLst/>
+              </p:cTn>
+              <p:prevCondLst>
+                <p:cond delay="0" evt="onPrev">
+                  <p:tgtEl>
+                    <p:sldTgt/>
+                  </p:tgtEl>
+                </p:cond>
+              </p:prevCondLst>
+              <p:nextCondLst>
+                <p:cond delay="0" evt="onNext">
+                  <p:tgtEl>
+                    <p:sldTgt/>
+                  </p:tgtEl>
+                </p:cond>
+              </p:nextCondLst>
+            </p:seq>
+          </p:childTnLst>
+        </p:cTn>
+      </p:par>
+    </p:tnLst>
+  </p:timing>
+</p:sld>
+</file>
+
+<file path=ppt/slides/slide34.xml><?xml version="1.0" encoding="utf-8"?>
+<p:sld xmlns:a="http://schemas.openxmlformats.org/drawingml/2006/main" xmlns:p="http://schemas.openxmlformats.org/presentationml/2006/main" xmlns:r="http://schemas.openxmlformats.org/officeDocument/2006/relationships">
+  <p:cSld>
+    <p:spTree>
+      <p:nvGrpSpPr>
+        <p:cNvPr id="1" name=""/>
+        <p:cNvGrpSpPr/>
+        <p:nvPr/>
+      </p:nvGrpSpPr>
+      <p:grpSpPr>
+        <a:xfrm>
+          <a:off x="0" y="0"/>
+          <a:ext cx="0" cy="0"/>
+          <a:chOff x="0" y="0"/>
+          <a:chExt cx="0" cy="0"/>
+        </a:xfrm>
+      </p:grpSpPr>
+      <p:sp>
+        <p:nvSpPr>
+          <p:cNvPr id="265" name="CustomShape 1"/>
+          <p:cNvSpPr/>
+          <p:nvPr/>
+        </p:nvSpPr>
+        <p:spPr>
+          <a:xfrm>
+            <a:off x="39240" y="109440"/>
+            <a:ext cx="719280" cy="539280"/>
+          </a:xfrm>
+          <a:prstGeom prst="rect">
+            <a:avLst/>
+          </a:prstGeom>
+          <a:solidFill>
+            <a:srgbClr val="f2dcdb"/>
+          </a:solidFill>
+          <a:ln w="25560">
+            <a:solidFill>
+              <a:srgbClr val="254061"/>
+            </a:solidFill>
+            <a:round/>
+          </a:ln>
+        </p:spPr>
+        <p:txBody>
+          <a:bodyPr anchor="ctr" bIns="45000" lIns="0" rIns="0" tIns="45000"/>
+          <a:p>
+            <a:pPr algn="ctr">
+              <a:lnSpc>
+                <a:spcPct val="100000"/>
+              </a:lnSpc>
+            </a:pPr>
+            <a:r>
+              <a:rPr lang="en-AU" sz="2000">
+                <a:solidFill>
+                  <a:srgbClr val="000000"/>
+                </a:solidFill>
+                <a:latin typeface="Calibri"/>
+              </a:rPr>
+              <a:t>34</a:t>
+            </a:r>
+            <a:endParaRPr/>
+          </a:p>
+        </p:txBody>
+      </p:sp>
+      <p:sp>
+        <p:nvSpPr>
+          <p:cNvPr id="266" name="CustomShape 2"/>
+          <p:cNvSpPr/>
+          <p:nvPr/>
+        </p:nvSpPr>
+        <p:spPr>
+          <a:xfrm>
+            <a:off x="831240" y="109440"/>
+            <a:ext cx="7379280" cy="539280"/>
+          </a:xfrm>
+          <a:prstGeom prst="rect">
+            <a:avLst/>
+          </a:prstGeom>
+          <a:solidFill>
+            <a:srgbClr val="c0c0c0"/>
+          </a:solidFill>
+          <a:ln w="25560">
+            <a:solidFill>
+              <a:srgbClr val="254061"/>
+            </a:solidFill>
+            <a:round/>
+          </a:ln>
+        </p:spPr>
+        <p:txBody>
+          <a:bodyPr anchor="ctr" bIns="45000" lIns="90000" rIns="90000" tIns="45000"/>
+          <a:p>
+            <a:pPr algn="ctr">
+              <a:lnSpc>
+                <a:spcPct val="100000"/>
+              </a:lnSpc>
+            </a:pPr>
+            <a:r>
+              <a:rPr lang="en-AU" sz="2800">
+                <a:solidFill>
+                  <a:srgbClr val="ffffff"/>
+                </a:solidFill>
+                <a:latin typeface="Calibri"/>
+              </a:rPr>
+              <a:t>System Infrastructure</a:t>
+            </a:r>
+            <a:endParaRPr/>
+          </a:p>
+        </p:txBody>
+      </p:sp>
+      <p:sp>
+        <p:nvSpPr>
+          <p:cNvPr id="267" name="CustomShape 3"/>
+          <p:cNvSpPr/>
+          <p:nvPr/>
+        </p:nvSpPr>
+        <p:spPr>
+          <a:xfrm>
+            <a:off x="39240" y="822600"/>
+            <a:ext cx="9827280" cy="2339280"/>
+          </a:xfrm>
+          <a:prstGeom prst="rect">
+            <a:avLst/>
+          </a:prstGeom>
+          <a:solidFill>
+            <a:srgbClr val="c0c0c0"/>
+          </a:solidFill>
+          <a:ln w="25560">
+            <a:solidFill>
+              <a:srgbClr val="254061"/>
+            </a:solidFill>
+            <a:round/>
+          </a:ln>
+        </p:spPr>
+        <p:txBody>
+          <a:bodyPr bIns="45000" lIns="90000" rIns="90000" tIns="45000"/>
+          <a:p>
+            <a:pPr>
+              <a:lnSpc>
+                <a:spcPct val="100000"/>
+              </a:lnSpc>
+            </a:pPr>
+            <a:r>
+              <a:rPr lang="en-AU" sz="2400">
+                <a:solidFill>
+                  <a:srgbClr val="000000"/>
+                </a:solidFill>
+                <a:latin typeface="Calibri"/>
+              </a:rPr>
+              <a:t>As a developer I require a Google App Engine setup so that the system is able to be hosted in the cloud.</a:t>
+            </a:r>
+            <a:endParaRPr/>
+          </a:p>
+        </p:txBody>
+      </p:sp>
+      <p:sp>
+        <p:nvSpPr>
+          <p:cNvPr id="268" name="CustomShape 4"/>
+          <p:cNvSpPr/>
+          <p:nvPr/>
+        </p:nvSpPr>
+        <p:spPr>
+          <a:xfrm>
+            <a:off x="39240" y="3335400"/>
+            <a:ext cx="9827280" cy="1619280"/>
+          </a:xfrm>
+          <a:prstGeom prst="rect">
+            <a:avLst/>
+          </a:prstGeom>
+          <a:solidFill>
+            <a:srgbClr val="dce6f2"/>
+          </a:solidFill>
+          <a:ln w="25560">
+            <a:solidFill>
+              <a:srgbClr val="254061"/>
+            </a:solidFill>
+            <a:round/>
+          </a:ln>
+        </p:spPr>
+        <p:txBody>
+          <a:bodyPr bIns="45000" lIns="90000" rIns="90000" tIns="36000"/>
+          <a:p>
+            <a:pPr>
+              <a:lnSpc>
+                <a:spcPct val="100000"/>
+              </a:lnSpc>
+            </a:pPr>
+            <a:r>
+              <a:rPr lang="en-AU" sz="2000">
+                <a:solidFill>
+                  <a:srgbClr val="000000"/>
+                </a:solidFill>
+                <a:latin typeface="Calibri"/>
+              </a:rPr>
+              <a:t>Acceptance Criteria</a:t>
+            </a:r>
+            <a:endParaRPr/>
+          </a:p>
+          <a:p>
+            <a:pPr>
+              <a:lnSpc>
+                <a:spcPct val="100000"/>
+              </a:lnSpc>
+              <a:buFont typeface="Arial"/>
+              <a:buChar char="•"/>
+            </a:pPr>
+            <a:r>
+              <a:rPr lang="en-AU" sz="2000">
+                <a:solidFill>
+                  <a:srgbClr val="000000"/>
+                </a:solidFill>
+                <a:latin typeface="Calibri"/>
+              </a:rPr>
+              <a:t>The system has a Google App Engine web application space setup and usable</a:t>
+            </a:r>
+            <a:endParaRPr/>
+          </a:p>
+        </p:txBody>
+      </p:sp>
+      <p:sp>
+        <p:nvSpPr>
+          <p:cNvPr id="269" name="CustomShape 5"/>
+          <p:cNvSpPr/>
+          <p:nvPr/>
+        </p:nvSpPr>
+        <p:spPr>
+          <a:xfrm>
+            <a:off x="9147240" y="109440"/>
+            <a:ext cx="719280" cy="539280"/>
+          </a:xfrm>
+          <a:prstGeom prst="rect">
+            <a:avLst/>
+          </a:prstGeom>
+          <a:solidFill>
+            <a:srgbClr val="ccf0cd"/>
+          </a:solidFill>
+          <a:ln w="25560">
+            <a:solidFill>
+              <a:srgbClr val="254061"/>
+            </a:solidFill>
+            <a:round/>
+          </a:ln>
+        </p:spPr>
+        <p:txBody>
+          <a:bodyPr anchor="ctr" bIns="45000" lIns="0" rIns="0" tIns="45000"/>
+          <a:p>
+            <a:pPr algn="ctr">
+              <a:lnSpc>
+                <a:spcPct val="100000"/>
+              </a:lnSpc>
+            </a:pPr>
+            <a:r>
+              <a:rPr lang="en-AU" sz="2000">
+                <a:solidFill>
+                  <a:srgbClr val="000000"/>
+                </a:solidFill>
+                <a:latin typeface="Calibri"/>
+              </a:rPr>
+              <a:t>2</a:t>
+            </a:r>
+            <a:endParaRPr/>
+          </a:p>
+        </p:txBody>
+      </p:sp>
+      <p:sp>
+        <p:nvSpPr>
+          <p:cNvPr id="270" name="CustomShape 6"/>
+          <p:cNvSpPr/>
+          <p:nvPr/>
+        </p:nvSpPr>
+        <p:spPr>
+          <a:xfrm>
+            <a:off x="8283240" y="109440"/>
+            <a:ext cx="791280" cy="539280"/>
+          </a:xfrm>
+          <a:prstGeom prst="rect">
+            <a:avLst/>
+          </a:prstGeom>
+          <a:solidFill>
+            <a:srgbClr val="e6e0ec"/>
+          </a:solidFill>
+          <a:ln w="25560">
+            <a:solidFill>
+              <a:srgbClr val="254061"/>
+            </a:solidFill>
+            <a:round/>
+          </a:ln>
+        </p:spPr>
+        <p:txBody>
+          <a:bodyPr anchor="ctr" bIns="45000" lIns="0" rIns="0" tIns="45000" wrap="none"/>
+          <a:p>
+            <a:pPr algn="ctr">
+              <a:lnSpc>
+                <a:spcPct val="100000"/>
+              </a:lnSpc>
+            </a:pPr>
+            <a:r>
+              <a:rPr lang="en-AU" sz="2000">
+                <a:solidFill>
+                  <a:srgbClr val="000000"/>
+                </a:solidFill>
+                <a:latin typeface="Calibri"/>
+              </a:rPr>
+              <a:t>Must</a:t>
+            </a:r>
+            <a:endParaRPr/>
+          </a:p>
+        </p:txBody>
+      </p:sp>
+      <p:sp>
+        <p:nvSpPr>
+          <p:cNvPr id="271" name="CustomShape 7"/>
+          <p:cNvSpPr/>
+          <p:nvPr/>
+        </p:nvSpPr>
+        <p:spPr>
+          <a:xfrm>
+            <a:off x="39240" y="5128560"/>
+            <a:ext cx="9827280" cy="1619280"/>
+          </a:xfrm>
+          <a:prstGeom prst="rect">
+            <a:avLst/>
+          </a:prstGeom>
+          <a:solidFill>
+            <a:srgbClr val="ffffff"/>
+          </a:solidFill>
+          <a:ln w="25560">
+            <a:solidFill>
+              <a:srgbClr val="254061"/>
+            </a:solidFill>
+            <a:round/>
+          </a:ln>
+        </p:spPr>
+        <p:txBody>
+          <a:bodyPr bIns="45000" lIns="90000" rIns="90000" tIns="36000"/>
+          <a:p>
+            <a:pPr>
+              <a:lnSpc>
+                <a:spcPct val="100000"/>
+              </a:lnSpc>
+            </a:pPr>
+            <a:r>
+              <a:rPr lang="en-AU" sz="2000">
+                <a:solidFill>
+                  <a:srgbClr val="000000"/>
+                </a:solidFill>
+                <a:latin typeface="Calibri"/>
+              </a:rPr>
+              <a:t>Notes</a:t>
+            </a:r>
+            <a:endParaRPr/>
+          </a:p>
+          <a:p>
+            <a:pPr>
+              <a:lnSpc>
+                <a:spcPct val="100000"/>
+              </a:lnSpc>
+              <a:buFont typeface="Arial"/>
+              <a:buChar char="•"/>
+            </a:pPr>
+            <a:r>
+              <a:rPr lang="en-AU" sz="2000">
+                <a:solidFill>
+                  <a:srgbClr val="000000"/>
+                </a:solidFill>
+                <a:latin typeface="Calibri"/>
+              </a:rPr>
+              <a:t>Required before development can start.</a:t>
+            </a:r>
+            <a:endParaRPr/>
+          </a:p>
+        </p:txBody>
+      </p:sp>
+    </p:spTree>
+  </p:cSld>
+  <p:timing>
+    <p:tnLst>
+      <p:par>
+        <p:cTn dur="indefinite" id="55" nodeType="tmRoot" restart="never">
+          <p:childTnLst>
+            <p:seq>
+              <p:cTn id="56" nodeType="mainSeq">
+                <p:childTnLst/>
+              </p:cTn>
+              <p:prevCondLst>
+                <p:cond delay="0" evt="onPrev">
+                  <p:tgtEl>
+                    <p:sldTgt/>
+                  </p:tgtEl>
+                </p:cond>
+              </p:prevCondLst>
+              <p:nextCondLst>
+                <p:cond delay="0" evt="onNext">
+                  <p:tgtEl>
+                    <p:sldTgt/>
+                  </p:tgtEl>
+                </p:cond>
+              </p:nextCondLst>
+            </p:seq>
+          </p:childTnLst>
+        </p:cTn>
+      </p:par>
+    </p:tnLst>
+  </p:timing>
+</p:sld>
+</file>
+
+<file path=ppt/slides/slide35.xml><?xml version="1.0" encoding="utf-8"?>
+<p:sld xmlns:a="http://schemas.openxmlformats.org/drawingml/2006/main" xmlns:p="http://schemas.openxmlformats.org/presentationml/2006/main" xmlns:r="http://schemas.openxmlformats.org/officeDocument/2006/relationships">
+  <p:cSld>
+    <p:spTree>
+      <p:nvGrpSpPr>
+        <p:cNvPr id="1" name=""/>
+        <p:cNvGrpSpPr/>
+        <p:nvPr/>
+      </p:nvGrpSpPr>
+      <p:grpSpPr>
+        <a:xfrm>
+          <a:off x="0" y="0"/>
+          <a:ext cx="0" cy="0"/>
+          <a:chOff x="0" y="0"/>
+          <a:chExt cx="0" cy="0"/>
+        </a:xfrm>
+      </p:grpSpPr>
+      <p:sp>
+        <p:nvSpPr>
+          <p:cNvPr id="272" name="CustomShape 1"/>
+          <p:cNvSpPr/>
+          <p:nvPr/>
+        </p:nvSpPr>
+        <p:spPr>
+          <a:xfrm>
+            <a:off x="39240" y="109440"/>
+            <a:ext cx="719280" cy="539280"/>
+          </a:xfrm>
+          <a:prstGeom prst="rect">
+            <a:avLst/>
+          </a:prstGeom>
+          <a:solidFill>
+            <a:srgbClr val="f2dcdb"/>
+          </a:solidFill>
+          <a:ln w="25560">
+            <a:solidFill>
+              <a:srgbClr val="254061"/>
+            </a:solidFill>
+            <a:round/>
+          </a:ln>
+        </p:spPr>
+        <p:txBody>
+          <a:bodyPr anchor="ctr" bIns="45000" lIns="0" rIns="0" tIns="45000"/>
+          <a:p>
+            <a:pPr algn="ctr">
+              <a:lnSpc>
+                <a:spcPct val="100000"/>
+              </a:lnSpc>
+            </a:pPr>
+            <a:r>
+              <a:rPr lang="en-AU" sz="2000">
+                <a:solidFill>
+                  <a:srgbClr val="000000"/>
+                </a:solidFill>
+                <a:latin typeface="Calibri"/>
+              </a:rPr>
+              <a:t>35</a:t>
+            </a:r>
+            <a:endParaRPr/>
+          </a:p>
+        </p:txBody>
+      </p:sp>
+      <p:sp>
+        <p:nvSpPr>
+          <p:cNvPr id="273" name="CustomShape 2"/>
+          <p:cNvSpPr/>
+          <p:nvPr/>
+        </p:nvSpPr>
+        <p:spPr>
+          <a:xfrm>
+            <a:off x="831240" y="109440"/>
+            <a:ext cx="7379280" cy="539280"/>
+          </a:xfrm>
+          <a:prstGeom prst="rect">
+            <a:avLst/>
+          </a:prstGeom>
+          <a:solidFill>
+            <a:srgbClr val="c0c0c0"/>
+          </a:solidFill>
+          <a:ln w="25560">
+            <a:solidFill>
+              <a:srgbClr val="254061"/>
+            </a:solidFill>
+            <a:round/>
+          </a:ln>
+        </p:spPr>
+        <p:txBody>
+          <a:bodyPr anchor="ctr" bIns="45000" lIns="90000" rIns="90000" tIns="45000"/>
+          <a:p>
+            <a:pPr algn="ctr">
+              <a:lnSpc>
+                <a:spcPct val="100000"/>
+              </a:lnSpc>
+            </a:pPr>
+            <a:r>
+              <a:rPr lang="en-AU" sz="2800">
+                <a:solidFill>
+                  <a:srgbClr val="ffffff"/>
+                </a:solidFill>
+                <a:latin typeface="Calibri"/>
+              </a:rPr>
+              <a:t>CI Services</a:t>
+            </a:r>
+            <a:endParaRPr/>
+          </a:p>
+        </p:txBody>
+      </p:sp>
+      <p:sp>
+        <p:nvSpPr>
+          <p:cNvPr id="274" name="CustomShape 3"/>
+          <p:cNvSpPr/>
+          <p:nvPr/>
+        </p:nvSpPr>
+        <p:spPr>
+          <a:xfrm>
+            <a:off x="39240" y="822600"/>
+            <a:ext cx="9827280" cy="2339280"/>
+          </a:xfrm>
+          <a:prstGeom prst="rect">
+            <a:avLst/>
+          </a:prstGeom>
+          <a:solidFill>
+            <a:srgbClr val="c0c0c0"/>
+          </a:solidFill>
+          <a:ln w="25560">
+            <a:solidFill>
+              <a:srgbClr val="254061"/>
+            </a:solidFill>
+            <a:round/>
+          </a:ln>
+        </p:spPr>
+        <p:txBody>
+          <a:bodyPr bIns="45000" lIns="90000" rIns="90000" tIns="45000"/>
+          <a:p>
+            <a:pPr>
+              <a:lnSpc>
+                <a:spcPct val="100000"/>
+              </a:lnSpc>
+            </a:pPr>
+            <a:r>
+              <a:rPr lang="en-AU" sz="2400">
+                <a:solidFill>
+                  <a:srgbClr val="000000"/>
+                </a:solidFill>
+                <a:latin typeface="Calibri"/>
+              </a:rPr>
+              <a:t>As a developer I require a CI (Continuous Integration) setup so that the system is able to be tested, and deployed rapidly.</a:t>
+            </a:r>
+            <a:endParaRPr/>
+          </a:p>
+        </p:txBody>
+      </p:sp>
+      <p:sp>
+        <p:nvSpPr>
+          <p:cNvPr id="275" name="CustomShape 4"/>
+          <p:cNvSpPr/>
+          <p:nvPr/>
+        </p:nvSpPr>
+        <p:spPr>
+          <a:xfrm>
+            <a:off x="39240" y="3335400"/>
+            <a:ext cx="9827280" cy="1619280"/>
+          </a:xfrm>
+          <a:prstGeom prst="rect">
+            <a:avLst/>
+          </a:prstGeom>
+          <a:solidFill>
+            <a:srgbClr val="dce6f2"/>
+          </a:solidFill>
+          <a:ln w="25560">
+            <a:solidFill>
+              <a:srgbClr val="254061"/>
+            </a:solidFill>
+            <a:round/>
+          </a:ln>
+        </p:spPr>
+        <p:txBody>
+          <a:bodyPr bIns="45000" lIns="90000" rIns="90000" tIns="36000"/>
+          <a:p>
+            <a:pPr>
+              <a:lnSpc>
+                <a:spcPct val="100000"/>
+              </a:lnSpc>
+            </a:pPr>
+            <a:r>
+              <a:rPr lang="en-AU" sz="2000">
+                <a:solidFill>
+                  <a:srgbClr val="000000"/>
+                </a:solidFill>
+                <a:latin typeface="Calibri"/>
+              </a:rPr>
+              <a:t>Acceptance Criteria</a:t>
+            </a:r>
+            <a:endParaRPr/>
+          </a:p>
+          <a:p>
+            <a:pPr>
+              <a:lnSpc>
+                <a:spcPct val="100000"/>
+              </a:lnSpc>
+              <a:buFont typeface="Arial"/>
+              <a:buChar char="•"/>
+            </a:pPr>
+            <a:r>
+              <a:rPr lang="en-AU" sz="2000">
+                <a:solidFill>
+                  <a:srgbClr val="000000"/>
+                </a:solidFill>
+                <a:latin typeface="Calibri"/>
+              </a:rPr>
+              <a:t>The system has a CI application setup and usable</a:t>
+            </a:r>
+            <a:endParaRPr/>
+          </a:p>
+        </p:txBody>
+      </p:sp>
+      <p:sp>
+        <p:nvSpPr>
+          <p:cNvPr id="276" name="CustomShape 5"/>
+          <p:cNvSpPr/>
+          <p:nvPr/>
+        </p:nvSpPr>
+        <p:spPr>
+          <a:xfrm>
+            <a:off x="9147240" y="109440"/>
+            <a:ext cx="719280" cy="539280"/>
+          </a:xfrm>
+          <a:prstGeom prst="rect">
+            <a:avLst/>
+          </a:prstGeom>
+          <a:solidFill>
+            <a:srgbClr val="ccf0cd"/>
+          </a:solidFill>
+          <a:ln w="25560">
+            <a:solidFill>
+              <a:srgbClr val="254061"/>
+            </a:solidFill>
+            <a:round/>
+          </a:ln>
+        </p:spPr>
+        <p:txBody>
+          <a:bodyPr anchor="ctr" bIns="45000" lIns="0" rIns="0" tIns="45000"/>
+          <a:p>
+            <a:pPr algn="ctr">
+              <a:lnSpc>
+                <a:spcPct val="100000"/>
+              </a:lnSpc>
+            </a:pPr>
+            <a:r>
+              <a:rPr lang="en-AU" sz="2000">
+                <a:solidFill>
+                  <a:srgbClr val="000000"/>
+                </a:solidFill>
+                <a:latin typeface="Calibri"/>
+              </a:rPr>
+              <a:t>2</a:t>
+            </a:r>
+            <a:endParaRPr/>
+          </a:p>
+        </p:txBody>
+      </p:sp>
+      <p:sp>
+        <p:nvSpPr>
+          <p:cNvPr id="277" name="CustomShape 6"/>
+          <p:cNvSpPr/>
+          <p:nvPr/>
+        </p:nvSpPr>
+        <p:spPr>
+          <a:xfrm>
+            <a:off x="8283240" y="109440"/>
+            <a:ext cx="791280" cy="539280"/>
+          </a:xfrm>
+          <a:prstGeom prst="rect">
+            <a:avLst/>
+          </a:prstGeom>
+          <a:solidFill>
+            <a:srgbClr val="e6e0ec"/>
+          </a:solidFill>
+          <a:ln w="25560">
+            <a:solidFill>
+              <a:srgbClr val="254061"/>
+            </a:solidFill>
+            <a:round/>
+          </a:ln>
+        </p:spPr>
+        <p:txBody>
+          <a:bodyPr anchor="ctr" bIns="45000" lIns="0" rIns="0" tIns="45000" wrap="none"/>
+          <a:p>
+            <a:pPr algn="ctr">
+              <a:lnSpc>
+                <a:spcPct val="100000"/>
+              </a:lnSpc>
+            </a:pPr>
+            <a:r>
+              <a:rPr lang="en-AU" sz="2000">
+                <a:solidFill>
+                  <a:srgbClr val="000000"/>
+                </a:solidFill>
+                <a:latin typeface="Calibri"/>
+              </a:rPr>
+              <a:t>Must</a:t>
+            </a:r>
+            <a:endParaRPr/>
+          </a:p>
+        </p:txBody>
+      </p:sp>
+      <p:sp>
+        <p:nvSpPr>
+          <p:cNvPr id="278" name="CustomShape 7"/>
+          <p:cNvSpPr/>
+          <p:nvPr/>
+        </p:nvSpPr>
+        <p:spPr>
+          <a:xfrm>
+            <a:off x="39240" y="5128560"/>
+            <a:ext cx="9827280" cy="1619280"/>
+          </a:xfrm>
+          <a:prstGeom prst="rect">
+            <a:avLst/>
+          </a:prstGeom>
+          <a:solidFill>
+            <a:srgbClr val="ffffff"/>
+          </a:solidFill>
+          <a:ln w="25560">
+            <a:solidFill>
+              <a:srgbClr val="254061"/>
+            </a:solidFill>
+            <a:round/>
+          </a:ln>
+        </p:spPr>
+        <p:txBody>
+          <a:bodyPr bIns="45000" lIns="90000" rIns="90000" tIns="36000"/>
+          <a:p>
+            <a:pPr>
+              <a:lnSpc>
+                <a:spcPct val="100000"/>
+              </a:lnSpc>
+            </a:pPr>
+            <a:r>
+              <a:rPr lang="en-AU" sz="2000">
+                <a:solidFill>
+                  <a:srgbClr val="000000"/>
+                </a:solidFill>
+                <a:latin typeface="Calibri"/>
+              </a:rPr>
+              <a:t>Notes</a:t>
+            </a:r>
+            <a:endParaRPr/>
+          </a:p>
+          <a:p>
+            <a:pPr>
+              <a:lnSpc>
+                <a:spcPct val="100000"/>
+              </a:lnSpc>
+              <a:buFont typeface="Arial"/>
+              <a:buChar char="•"/>
+            </a:pPr>
+            <a:r>
+              <a:rPr lang="en-AU" sz="2000">
+                <a:solidFill>
+                  <a:srgbClr val="000000"/>
+                </a:solidFill>
+                <a:latin typeface="Calibri"/>
+              </a:rPr>
+              <a:t>Required before development can start.</a:t>
+            </a:r>
+            <a:endParaRPr/>
+          </a:p>
+        </p:txBody>
+      </p:sp>
+    </p:spTree>
+  </p:cSld>
+  <p:timing>
+    <p:tnLst>
+      <p:par>
+        <p:cTn dur="indefinite" id="57" nodeType="tmRoot" restart="never">
+          <p:childTnLst>
+            <p:seq>
+              <p:cTn id="58" nodeType="mainSeq">
+                <p:childTnLst/>
+              </p:cTn>
+              <p:prevCondLst>
+                <p:cond delay="0" evt="onPrev">
+                  <p:tgtEl>
+                    <p:sldTgt/>
+                  </p:tgtEl>
+                </p:cond>
+              </p:prevCondLst>
+              <p:nextCondLst>
+                <p:cond delay="0" evt="onNext">
+                  <p:tgtEl>
+                    <p:sldTgt/>
+                  </p:tgtEl>
+                </p:cond>
+              </p:nextCondLst>
+            </p:seq>
+          </p:childTnLst>
+        </p:cTn>
+      </p:par>
+    </p:tnLst>
+  </p:timing>
+</p:sld>
+</file>
+
+<file path=ppt/slides/slide36.xml><?xml version="1.0" encoding="utf-8"?>
+<p:sld xmlns:a="http://schemas.openxmlformats.org/drawingml/2006/main" xmlns:p="http://schemas.openxmlformats.org/presentationml/2006/main" xmlns:r="http://schemas.openxmlformats.org/officeDocument/2006/relationships">
+  <p:cSld>
+    <p:spTree>
+      <p:nvGrpSpPr>
+        <p:cNvPr id="1" name=""/>
+        <p:cNvGrpSpPr/>
+        <p:nvPr/>
+      </p:nvGrpSpPr>
+      <p:grpSpPr>
+        <a:xfrm>
+          <a:off x="0" y="0"/>
+          <a:ext cx="0" cy="0"/>
+          <a:chOff x="0" y="0"/>
+          <a:chExt cx="0" cy="0"/>
+        </a:xfrm>
+      </p:grpSpPr>
+      <p:sp>
+        <p:nvSpPr>
+          <p:cNvPr id="279" name="CustomShape 1"/>
+          <p:cNvSpPr/>
+          <p:nvPr/>
+        </p:nvSpPr>
+        <p:spPr>
+          <a:xfrm>
+            <a:off x="39240" y="109440"/>
+            <a:ext cx="719280" cy="539280"/>
+          </a:xfrm>
+          <a:prstGeom prst="rect">
+            <a:avLst/>
+          </a:prstGeom>
+          <a:solidFill>
+            <a:srgbClr val="f2dcdb"/>
+          </a:solidFill>
+          <a:ln w="25560">
+            <a:solidFill>
+              <a:srgbClr val="254061"/>
+            </a:solidFill>
+            <a:round/>
+          </a:ln>
+        </p:spPr>
+        <p:txBody>
+          <a:bodyPr anchor="ctr" bIns="45000" lIns="0" rIns="0" tIns="45000"/>
+          <a:p>
+            <a:pPr algn="ctr">
+              <a:lnSpc>
+                <a:spcPct val="100000"/>
+              </a:lnSpc>
+            </a:pPr>
+            <a:r>
+              <a:rPr lang="en-AU" sz="2000">
+                <a:solidFill>
+                  <a:srgbClr val="000000"/>
+                </a:solidFill>
+                <a:latin typeface="Calibri"/>
+              </a:rPr>
+              <a:t>36</a:t>
+            </a:r>
+            <a:endParaRPr/>
+          </a:p>
+        </p:txBody>
+      </p:sp>
+      <p:sp>
+        <p:nvSpPr>
+          <p:cNvPr id="280" name="CustomShape 2"/>
+          <p:cNvSpPr/>
+          <p:nvPr/>
+        </p:nvSpPr>
+        <p:spPr>
+          <a:xfrm>
+            <a:off x="831240" y="109440"/>
+            <a:ext cx="7379280" cy="539280"/>
+          </a:xfrm>
+          <a:prstGeom prst="rect">
+            <a:avLst/>
+          </a:prstGeom>
+          <a:solidFill>
+            <a:srgbClr val="c0c0c0"/>
+          </a:solidFill>
+          <a:ln w="25560">
+            <a:solidFill>
+              <a:srgbClr val="254061"/>
+            </a:solidFill>
+            <a:round/>
+          </a:ln>
+        </p:spPr>
+        <p:txBody>
+          <a:bodyPr anchor="ctr" bIns="45000" lIns="90000" rIns="90000" tIns="45000"/>
+          <a:p>
+            <a:pPr algn="ctr">
+              <a:lnSpc>
+                <a:spcPct val="100000"/>
+              </a:lnSpc>
+            </a:pPr>
+            <a:r>
+              <a:rPr lang="en-AU" sz="2800">
+                <a:solidFill>
+                  <a:srgbClr val="ffffff"/>
+                </a:solidFill>
+                <a:latin typeface="Calibri"/>
+              </a:rPr>
+              <a:t>Desktop Application</a:t>
+            </a:r>
+            <a:endParaRPr/>
+          </a:p>
+        </p:txBody>
+      </p:sp>
+      <p:sp>
+        <p:nvSpPr>
+          <p:cNvPr id="281" name="CustomShape 3"/>
+          <p:cNvSpPr/>
+          <p:nvPr/>
+        </p:nvSpPr>
+        <p:spPr>
+          <a:xfrm>
+            <a:off x="39240" y="822600"/>
+            <a:ext cx="9827280" cy="2339280"/>
+          </a:xfrm>
+          <a:prstGeom prst="rect">
+            <a:avLst/>
+          </a:prstGeom>
+          <a:solidFill>
+            <a:srgbClr val="c0c0c0"/>
+          </a:solidFill>
+          <a:ln w="25560">
+            <a:solidFill>
+              <a:srgbClr val="254061"/>
+            </a:solidFill>
+            <a:round/>
+          </a:ln>
+        </p:spPr>
+        <p:txBody>
+          <a:bodyPr bIns="45000" lIns="90000" rIns="90000" tIns="45000"/>
+          <a:p>
+            <a:pPr>
+              <a:lnSpc>
+                <a:spcPct val="100000"/>
+              </a:lnSpc>
+            </a:pPr>
+            <a:r>
+              <a:rPr lang="en-AU" sz="2400">
+                <a:solidFill>
+                  <a:srgbClr val="000000"/>
+                </a:solidFill>
+                <a:latin typeface="Calibri"/>
+              </a:rPr>
+              <a:t>As a user I would like to use the service from my desktop as this is the primary form of computer I use.</a:t>
+            </a:r>
+            <a:endParaRPr/>
+          </a:p>
+        </p:txBody>
+      </p:sp>
+      <p:sp>
+        <p:nvSpPr>
+          <p:cNvPr id="282" name="CustomShape 4"/>
+          <p:cNvSpPr/>
+          <p:nvPr/>
+        </p:nvSpPr>
+        <p:spPr>
+          <a:xfrm>
+            <a:off x="39240" y="3335400"/>
+            <a:ext cx="9827280" cy="1619280"/>
+          </a:xfrm>
+          <a:prstGeom prst="rect">
+            <a:avLst/>
+          </a:prstGeom>
+          <a:solidFill>
+            <a:srgbClr val="dce6f2"/>
+          </a:solidFill>
+          <a:ln w="25560">
+            <a:solidFill>
+              <a:srgbClr val="254061"/>
+            </a:solidFill>
+            <a:round/>
+          </a:ln>
+        </p:spPr>
+        <p:txBody>
+          <a:bodyPr bIns="45000" lIns="90000" rIns="90000" tIns="36000"/>
+          <a:p>
+            <a:pPr>
+              <a:lnSpc>
+                <a:spcPct val="100000"/>
+              </a:lnSpc>
+            </a:pPr>
+            <a:r>
+              <a:rPr lang="en-AU" sz="2000">
+                <a:solidFill>
+                  <a:srgbClr val="000000"/>
+                </a:solidFill>
+                <a:latin typeface="Calibri"/>
+              </a:rPr>
+              <a:t>Acceptance Criteria</a:t>
+            </a:r>
+            <a:endParaRPr/>
+          </a:p>
+          <a:p>
+            <a:pPr>
+              <a:lnSpc>
+                <a:spcPct val="100000"/>
+              </a:lnSpc>
+              <a:buFont typeface="Arial"/>
+              <a:buChar char="•"/>
+            </a:pPr>
+            <a:r>
+              <a:rPr lang="en-AU" sz="2000">
+                <a:solidFill>
+                  <a:srgbClr val="000000"/>
+                </a:solidFill>
+                <a:latin typeface="Calibri"/>
+              </a:rPr>
+              <a:t>A desktop application has been created.</a:t>
+            </a:r>
+            <a:endParaRPr/>
+          </a:p>
+        </p:txBody>
+      </p:sp>
+      <p:sp>
+        <p:nvSpPr>
+          <p:cNvPr id="283" name="CustomShape 5"/>
+          <p:cNvSpPr/>
+          <p:nvPr/>
+        </p:nvSpPr>
+        <p:spPr>
+          <a:xfrm>
+            <a:off x="9147240" y="109440"/>
+            <a:ext cx="719280" cy="539280"/>
+          </a:xfrm>
+          <a:prstGeom prst="rect">
+            <a:avLst/>
+          </a:prstGeom>
+          <a:solidFill>
+            <a:srgbClr val="ccf0cd"/>
+          </a:solidFill>
+          <a:ln w="25560">
+            <a:solidFill>
+              <a:srgbClr val="254061"/>
+            </a:solidFill>
+            <a:round/>
+          </a:ln>
+        </p:spPr>
+        <p:txBody>
+          <a:bodyPr anchor="ctr" bIns="45000" lIns="0" rIns="0" tIns="45000"/>
+          <a:p>
+            <a:pPr algn="ctr">
+              <a:lnSpc>
+                <a:spcPct val="100000"/>
+              </a:lnSpc>
+            </a:pPr>
+            <a:r>
+              <a:rPr lang="en-AU" sz="2000">
+                <a:solidFill>
+                  <a:srgbClr val="000000"/>
+                </a:solidFill>
+                <a:latin typeface="Calibri"/>
+              </a:rPr>
+              <a:t>1</a:t>
+            </a:r>
+            <a:endParaRPr/>
+          </a:p>
+        </p:txBody>
+      </p:sp>
+      <p:sp>
+        <p:nvSpPr>
+          <p:cNvPr id="284" name="CustomShape 6"/>
+          <p:cNvSpPr/>
+          <p:nvPr/>
+        </p:nvSpPr>
+        <p:spPr>
+          <a:xfrm>
+            <a:off x="8283240" y="109440"/>
+            <a:ext cx="791280" cy="539280"/>
+          </a:xfrm>
+          <a:prstGeom prst="rect">
+            <a:avLst/>
+          </a:prstGeom>
+          <a:solidFill>
+            <a:srgbClr val="e6e0ec"/>
+          </a:solidFill>
+          <a:ln w="25560">
+            <a:solidFill>
+              <a:srgbClr val="254061"/>
+            </a:solidFill>
+            <a:round/>
+          </a:ln>
+        </p:spPr>
+        <p:txBody>
+          <a:bodyPr anchor="ctr" bIns="45000" lIns="0" rIns="0" tIns="45000" wrap="none"/>
+          <a:p>
+            <a:pPr algn="ctr">
+              <a:lnSpc>
+                <a:spcPct val="100000"/>
+              </a:lnSpc>
+            </a:pPr>
+            <a:r>
+              <a:rPr lang="en-AU" sz="2000">
+                <a:solidFill>
+                  <a:srgbClr val="000000"/>
+                </a:solidFill>
+                <a:latin typeface="Calibri"/>
+              </a:rPr>
+              <a:t>Must</a:t>
+            </a:r>
+            <a:endParaRPr/>
+          </a:p>
+        </p:txBody>
+      </p:sp>
+      <p:sp>
+        <p:nvSpPr>
+          <p:cNvPr id="285" name="CustomShape 7"/>
+          <p:cNvSpPr/>
+          <p:nvPr/>
+        </p:nvSpPr>
+        <p:spPr>
+          <a:xfrm>
+            <a:off x="39240" y="5128560"/>
+            <a:ext cx="9827280" cy="1619280"/>
+          </a:xfrm>
+          <a:prstGeom prst="rect">
+            <a:avLst/>
+          </a:prstGeom>
+          <a:solidFill>
+            <a:srgbClr val="ffffff"/>
+          </a:solidFill>
+          <a:ln w="25560">
+            <a:solidFill>
+              <a:srgbClr val="254061"/>
+            </a:solidFill>
+            <a:round/>
+          </a:ln>
+        </p:spPr>
+        <p:txBody>
+          <a:bodyPr bIns="45000" lIns="90000" rIns="90000" tIns="36000"/>
+          <a:p>
+            <a:pPr>
+              <a:lnSpc>
+                <a:spcPct val="100000"/>
+              </a:lnSpc>
+            </a:pPr>
+            <a:r>
+              <a:rPr lang="en-AU" sz="2000">
+                <a:solidFill>
+                  <a:srgbClr val="000000"/>
+                </a:solidFill>
+                <a:latin typeface="Calibri"/>
+              </a:rPr>
+              <a:t>Notes</a:t>
+            </a:r>
+            <a:endParaRPr/>
+          </a:p>
+          <a:p>
+            <a:pPr>
+              <a:lnSpc>
+                <a:spcPct val="100000"/>
+              </a:lnSpc>
+              <a:buFont typeface="Arial"/>
+              <a:buChar char="•"/>
+            </a:pPr>
+            <a:r>
+              <a:rPr lang="en-AU" sz="2000">
+                <a:solidFill>
+                  <a:srgbClr val="000000"/>
+                </a:solidFill>
+                <a:latin typeface="Calibri"/>
+              </a:rPr>
+              <a:t>Required before UI elements have been created.</a:t>
+            </a:r>
+            <a:endParaRPr/>
+          </a:p>
+        </p:txBody>
+      </p:sp>
+    </p:spTree>
+  </p:cSld>
+  <p:timing>
+    <p:tnLst>
+      <p:par>
+        <p:cTn dur="indefinite" id="59" nodeType="tmRoot" restart="never">
+          <p:childTnLst>
+            <p:seq>
+              <p:cTn id="60" nodeType="mainSeq">
                 <p:childTnLst/>
               </p:cTn>
               <p:prevCondLst>
@@ -12756,14 +13923,14 @@
       </p:grpSpPr>
       <p:sp>
         <p:nvSpPr>
-          <p:cNvPr id="58" name="CustomShape 1"/>
+          <p:cNvPr id="55" name="CustomShape 1"/>
           <p:cNvSpPr/>
           <p:nvPr/>
         </p:nvSpPr>
         <p:spPr>
           <a:xfrm>
             <a:off x="39240" y="109440"/>
-            <a:ext cx="719640" cy="539640"/>
+            <a:ext cx="719280" cy="539280"/>
           </a:xfrm>
           <a:prstGeom prst="rect">
             <a:avLst/>
@@ -12801,14 +13968,14 @@
       </p:sp>
       <p:sp>
         <p:nvSpPr>
-          <p:cNvPr id="59" name="CustomShape 2"/>
+          <p:cNvPr id="56" name="CustomShape 2"/>
           <p:cNvSpPr/>
           <p:nvPr/>
         </p:nvSpPr>
         <p:spPr>
           <a:xfrm>
             <a:off x="831240" y="109440"/>
-            <a:ext cx="7379640" cy="539640"/>
+            <a:ext cx="7379280" cy="539280"/>
           </a:xfrm>
           <a:prstGeom prst="rect">
             <a:avLst/>
@@ -12846,14 +14013,14 @@
       </p:sp>
       <p:sp>
         <p:nvSpPr>
-          <p:cNvPr id="60" name="CustomShape 3"/>
+          <p:cNvPr id="57" name="CustomShape 3"/>
           <p:cNvSpPr/>
           <p:nvPr/>
         </p:nvSpPr>
         <p:spPr>
           <a:xfrm>
             <a:off x="39240" y="822600"/>
-            <a:ext cx="9827640" cy="2339640"/>
+            <a:ext cx="9827280" cy="2339280"/>
           </a:xfrm>
           <a:prstGeom prst="rect">
             <a:avLst/>
@@ -12891,14 +14058,14 @@
       </p:sp>
       <p:sp>
         <p:nvSpPr>
-          <p:cNvPr id="61" name="CustomShape 4"/>
+          <p:cNvPr id="58" name="CustomShape 4"/>
           <p:cNvSpPr/>
           <p:nvPr/>
         </p:nvSpPr>
         <p:spPr>
           <a:xfrm>
             <a:off x="39240" y="3335400"/>
-            <a:ext cx="9827640" cy="1619640"/>
+            <a:ext cx="9827280" cy="1619280"/>
           </a:xfrm>
           <a:prstGeom prst="rect">
             <a:avLst/>
@@ -12964,14 +14131,14 @@
       </p:sp>
       <p:sp>
         <p:nvSpPr>
-          <p:cNvPr id="62" name="CustomShape 5"/>
+          <p:cNvPr id="59" name="CustomShape 5"/>
           <p:cNvSpPr/>
           <p:nvPr/>
         </p:nvSpPr>
         <p:spPr>
           <a:xfrm>
             <a:off x="9147240" y="109440"/>
-            <a:ext cx="719640" cy="539640"/>
+            <a:ext cx="719280" cy="539280"/>
           </a:xfrm>
           <a:prstGeom prst="rect">
             <a:avLst/>
@@ -13009,14 +14176,14 @@
       </p:sp>
       <p:sp>
         <p:nvSpPr>
-          <p:cNvPr id="63" name="CustomShape 6"/>
+          <p:cNvPr id="60" name="CustomShape 6"/>
           <p:cNvSpPr/>
           <p:nvPr/>
         </p:nvSpPr>
         <p:spPr>
           <a:xfrm>
             <a:off x="8283240" y="109440"/>
-            <a:ext cx="791640" cy="539640"/>
+            <a:ext cx="791280" cy="539280"/>
           </a:xfrm>
           <a:prstGeom prst="rect">
             <a:avLst/>
@@ -13054,14 +14221,14 @@
       </p:sp>
       <p:sp>
         <p:nvSpPr>
-          <p:cNvPr id="64" name="CustomShape 7"/>
+          <p:cNvPr id="61" name="CustomShape 7"/>
           <p:cNvSpPr/>
           <p:nvPr/>
         </p:nvSpPr>
         <p:spPr>
           <a:xfrm>
             <a:off x="39240" y="5128560"/>
-            <a:ext cx="9827640" cy="1619640"/>
+            <a:ext cx="9827280" cy="1619280"/>
           </a:xfrm>
           <a:prstGeom prst="rect">
             <a:avLst/>
@@ -13149,14 +14316,14 @@
       </p:grpSpPr>
       <p:sp>
         <p:nvSpPr>
-          <p:cNvPr id="65" name="CustomShape 1"/>
+          <p:cNvPr id="62" name="CustomShape 1"/>
           <p:cNvSpPr/>
           <p:nvPr/>
         </p:nvSpPr>
         <p:spPr>
           <a:xfrm>
             <a:off x="39240" y="109440"/>
-            <a:ext cx="719640" cy="539640"/>
+            <a:ext cx="719280" cy="539280"/>
           </a:xfrm>
           <a:prstGeom prst="rect">
             <a:avLst/>
@@ -13194,14 +14361,14 @@
       </p:sp>
       <p:sp>
         <p:nvSpPr>
-          <p:cNvPr id="66" name="CustomShape 2"/>
+          <p:cNvPr id="63" name="CustomShape 2"/>
           <p:cNvSpPr/>
           <p:nvPr/>
         </p:nvSpPr>
         <p:spPr>
           <a:xfrm>
             <a:off x="831240" y="109440"/>
-            <a:ext cx="7379640" cy="539640"/>
+            <a:ext cx="7379280" cy="539280"/>
           </a:xfrm>
           <a:prstGeom prst="rect">
             <a:avLst/>
@@ -13239,14 +14406,14 @@
       </p:sp>
       <p:sp>
         <p:nvSpPr>
-          <p:cNvPr id="67" name="CustomShape 3"/>
+          <p:cNvPr id="64" name="CustomShape 3"/>
           <p:cNvSpPr/>
           <p:nvPr/>
         </p:nvSpPr>
         <p:spPr>
           <a:xfrm>
             <a:off x="39240" y="822600"/>
-            <a:ext cx="9827640" cy="2339640"/>
+            <a:ext cx="9827280" cy="2339280"/>
           </a:xfrm>
           <a:prstGeom prst="rect">
             <a:avLst/>
@@ -13284,14 +14451,14 @@
       </p:sp>
       <p:sp>
         <p:nvSpPr>
-          <p:cNvPr id="68" name="CustomShape 4"/>
+          <p:cNvPr id="65" name="CustomShape 4"/>
           <p:cNvSpPr/>
           <p:nvPr/>
         </p:nvSpPr>
         <p:spPr>
           <a:xfrm>
             <a:off x="39240" y="3335400"/>
-            <a:ext cx="9827640" cy="1619640"/>
+            <a:ext cx="9827280" cy="1619280"/>
           </a:xfrm>
           <a:prstGeom prst="rect">
             <a:avLst/>
@@ -13357,14 +14524,14 @@
       </p:sp>
       <p:sp>
         <p:nvSpPr>
-          <p:cNvPr id="69" name="CustomShape 5"/>
+          <p:cNvPr id="66" name="CustomShape 5"/>
           <p:cNvSpPr/>
           <p:nvPr/>
         </p:nvSpPr>
         <p:spPr>
           <a:xfrm>
             <a:off x="9147240" y="109440"/>
-            <a:ext cx="719640" cy="539640"/>
+            <a:ext cx="719280" cy="539280"/>
           </a:xfrm>
           <a:prstGeom prst="rect">
             <a:avLst/>
@@ -13402,14 +14569,14 @@
       </p:sp>
       <p:sp>
         <p:nvSpPr>
-          <p:cNvPr id="70" name="CustomShape 6"/>
+          <p:cNvPr id="67" name="CustomShape 6"/>
           <p:cNvSpPr/>
           <p:nvPr/>
         </p:nvSpPr>
         <p:spPr>
           <a:xfrm>
             <a:off x="8283240" y="109440"/>
-            <a:ext cx="791640" cy="539640"/>
+            <a:ext cx="791280" cy="539280"/>
           </a:xfrm>
           <a:prstGeom prst="rect">
             <a:avLst/>
@@ -13447,14 +14614,14 @@
       </p:sp>
       <p:sp>
         <p:nvSpPr>
-          <p:cNvPr id="71" name="CustomShape 7"/>
+          <p:cNvPr id="68" name="CustomShape 7"/>
           <p:cNvSpPr/>
           <p:nvPr/>
         </p:nvSpPr>
         <p:spPr>
           <a:xfrm>
             <a:off x="39240" y="5128560"/>
-            <a:ext cx="9827640" cy="1619640"/>
+            <a:ext cx="9827280" cy="1619280"/>
           </a:xfrm>
           <a:prstGeom prst="rect">
             <a:avLst/>
@@ -13542,14 +14709,14 @@
       </p:grpSpPr>
       <p:sp>
         <p:nvSpPr>
-          <p:cNvPr id="72" name="CustomShape 1"/>
+          <p:cNvPr id="69" name="CustomShape 1"/>
           <p:cNvSpPr/>
           <p:nvPr/>
         </p:nvSpPr>
         <p:spPr>
           <a:xfrm>
             <a:off x="39240" y="109440"/>
-            <a:ext cx="719640" cy="539640"/>
+            <a:ext cx="719280" cy="539280"/>
           </a:xfrm>
           <a:prstGeom prst="rect">
             <a:avLst/>
@@ -13587,14 +14754,14 @@
       </p:sp>
       <p:sp>
         <p:nvSpPr>
-          <p:cNvPr id="73" name="CustomShape 2"/>
+          <p:cNvPr id="70" name="CustomShape 2"/>
           <p:cNvSpPr/>
           <p:nvPr/>
         </p:nvSpPr>
         <p:spPr>
           <a:xfrm>
             <a:off x="831240" y="109440"/>
-            <a:ext cx="7379640" cy="539640"/>
+            <a:ext cx="7379280" cy="539280"/>
           </a:xfrm>
           <a:prstGeom prst="rect">
             <a:avLst/>
@@ -13632,14 +14799,14 @@
       </p:sp>
       <p:sp>
         <p:nvSpPr>
-          <p:cNvPr id="74" name="CustomShape 3"/>
+          <p:cNvPr id="71" name="CustomShape 3"/>
           <p:cNvSpPr/>
           <p:nvPr/>
         </p:nvSpPr>
         <p:spPr>
           <a:xfrm>
             <a:off x="39240" y="822600"/>
-            <a:ext cx="9827640" cy="2339640"/>
+            <a:ext cx="9827280" cy="2339280"/>
           </a:xfrm>
           <a:prstGeom prst="rect">
             <a:avLst/>
@@ -13677,14 +14844,14 @@
       </p:sp>
       <p:sp>
         <p:nvSpPr>
-          <p:cNvPr id="75" name="CustomShape 4"/>
+          <p:cNvPr id="72" name="CustomShape 4"/>
           <p:cNvSpPr/>
           <p:nvPr/>
         </p:nvSpPr>
         <p:spPr>
           <a:xfrm>
             <a:off x="39240" y="3335400"/>
-            <a:ext cx="9827640" cy="1619640"/>
+            <a:ext cx="9827280" cy="1619280"/>
           </a:xfrm>
           <a:prstGeom prst="rect">
             <a:avLst/>
@@ -13750,14 +14917,14 @@
       </p:sp>
       <p:sp>
         <p:nvSpPr>
-          <p:cNvPr id="76" name="CustomShape 5"/>
+          <p:cNvPr id="73" name="CustomShape 5"/>
           <p:cNvSpPr/>
           <p:nvPr/>
         </p:nvSpPr>
         <p:spPr>
           <a:xfrm>
             <a:off x="9147240" y="109440"/>
-            <a:ext cx="719640" cy="539640"/>
+            <a:ext cx="719280" cy="539280"/>
           </a:xfrm>
           <a:prstGeom prst="rect">
             <a:avLst/>
@@ -13795,14 +14962,14 @@
       </p:sp>
       <p:sp>
         <p:nvSpPr>
-          <p:cNvPr id="77" name="CustomShape 6"/>
+          <p:cNvPr id="74" name="CustomShape 6"/>
           <p:cNvSpPr/>
           <p:nvPr/>
         </p:nvSpPr>
         <p:spPr>
           <a:xfrm>
             <a:off x="8283240" y="109440"/>
-            <a:ext cx="791640" cy="539640"/>
+            <a:ext cx="791280" cy="539280"/>
           </a:xfrm>
           <a:prstGeom prst="rect">
             <a:avLst/>
@@ -13840,14 +15007,14 @@
       </p:sp>
       <p:sp>
         <p:nvSpPr>
-          <p:cNvPr id="78" name="CustomShape 7"/>
+          <p:cNvPr id="75" name="CustomShape 7"/>
           <p:cNvSpPr/>
           <p:nvPr/>
         </p:nvSpPr>
         <p:spPr>
           <a:xfrm>
             <a:off x="39240" y="5128560"/>
-            <a:ext cx="9827640" cy="1619640"/>
+            <a:ext cx="9827280" cy="1619280"/>
           </a:xfrm>
           <a:prstGeom prst="rect">
             <a:avLst/>
@@ -13935,10 +15102,10 @@
   <p:timing>
     <p:tnLst>
       <p:par>
-        <p:cTn dur="indefinite" id="1" nodeType="tmRoot" restart="never">
+        <p:cTn dur="indefinite" id="5" nodeType="tmRoot" restart="never">
           <p:childTnLst>
             <p:seq>
-              <p:cTn id="2" nodeType="mainSeq">
+              <p:cTn id="6" nodeType="mainSeq">
                 <p:childTnLst/>
               </p:cTn>
               <p:prevCondLst>
@@ -13983,14 +15150,14 @@
       </p:grpSpPr>
       <p:sp>
         <p:nvSpPr>
-          <p:cNvPr id="79" name="CustomShape 1"/>
+          <p:cNvPr id="76" name="CustomShape 1"/>
           <p:cNvSpPr/>
           <p:nvPr/>
         </p:nvSpPr>
         <p:spPr>
           <a:xfrm>
             <a:off x="39240" y="109440"/>
-            <a:ext cx="719640" cy="539640"/>
+            <a:ext cx="719280" cy="539280"/>
           </a:xfrm>
           <a:prstGeom prst="rect">
             <a:avLst/>
@@ -14028,14 +15195,14 @@
       </p:sp>
       <p:sp>
         <p:nvSpPr>
-          <p:cNvPr id="80" name="CustomShape 2"/>
+          <p:cNvPr id="77" name="CustomShape 2"/>
           <p:cNvSpPr/>
           <p:nvPr/>
         </p:nvSpPr>
         <p:spPr>
           <a:xfrm>
             <a:off x="831240" y="109440"/>
-            <a:ext cx="7379640" cy="539640"/>
+            <a:ext cx="7379280" cy="539280"/>
           </a:xfrm>
           <a:prstGeom prst="rect">
             <a:avLst/>
@@ -14073,14 +15240,14 @@
       </p:sp>
       <p:sp>
         <p:nvSpPr>
-          <p:cNvPr id="81" name="CustomShape 3"/>
+          <p:cNvPr id="78" name="CustomShape 3"/>
           <p:cNvSpPr/>
           <p:nvPr/>
         </p:nvSpPr>
         <p:spPr>
           <a:xfrm>
             <a:off x="39240" y="822600"/>
-            <a:ext cx="9827640" cy="2339640"/>
+            <a:ext cx="9827280" cy="2339280"/>
           </a:xfrm>
           <a:prstGeom prst="rect">
             <a:avLst/>
@@ -14118,14 +15285,14 @@
       </p:sp>
       <p:sp>
         <p:nvSpPr>
-          <p:cNvPr id="82" name="CustomShape 4"/>
+          <p:cNvPr id="79" name="CustomShape 4"/>
           <p:cNvSpPr/>
           <p:nvPr/>
         </p:nvSpPr>
         <p:spPr>
           <a:xfrm>
             <a:off x="39240" y="3335400"/>
-            <a:ext cx="9827640" cy="1619640"/>
+            <a:ext cx="9827280" cy="1619280"/>
           </a:xfrm>
           <a:prstGeom prst="rect">
             <a:avLst/>
@@ -14182,14 +15349,14 @@
       </p:sp>
       <p:sp>
         <p:nvSpPr>
-          <p:cNvPr id="83" name="CustomShape 5"/>
+          <p:cNvPr id="80" name="CustomShape 5"/>
           <p:cNvSpPr/>
           <p:nvPr/>
         </p:nvSpPr>
         <p:spPr>
           <a:xfrm>
             <a:off x="9147240" y="109440"/>
-            <a:ext cx="719640" cy="539640"/>
+            <a:ext cx="719280" cy="539280"/>
           </a:xfrm>
           <a:prstGeom prst="rect">
             <a:avLst/>
@@ -14227,14 +15394,14 @@
       </p:sp>
       <p:sp>
         <p:nvSpPr>
-          <p:cNvPr id="84" name="CustomShape 6"/>
+          <p:cNvPr id="81" name="CustomShape 6"/>
           <p:cNvSpPr/>
           <p:nvPr/>
         </p:nvSpPr>
         <p:spPr>
           <a:xfrm>
             <a:off x="8283240" y="109440"/>
-            <a:ext cx="791640" cy="539640"/>
+            <a:ext cx="791280" cy="539280"/>
           </a:xfrm>
           <a:prstGeom prst="rect">
             <a:avLst/>
@@ -14272,14 +15439,14 @@
       </p:sp>
       <p:sp>
         <p:nvSpPr>
-          <p:cNvPr id="85" name="CustomShape 7"/>
+          <p:cNvPr id="82" name="CustomShape 7"/>
           <p:cNvSpPr/>
           <p:nvPr/>
         </p:nvSpPr>
         <p:spPr>
           <a:xfrm>
             <a:off x="39240" y="5128560"/>
-            <a:ext cx="9827640" cy="1619640"/>
+            <a:ext cx="9827280" cy="1619280"/>
           </a:xfrm>
           <a:prstGeom prst="rect">
             <a:avLst/>
@@ -14358,14 +15525,14 @@
       </p:grpSpPr>
       <p:sp>
         <p:nvSpPr>
-          <p:cNvPr id="86" name="CustomShape 1"/>
+          <p:cNvPr id="83" name="CustomShape 1"/>
           <p:cNvSpPr/>
           <p:nvPr/>
         </p:nvSpPr>
         <p:spPr>
           <a:xfrm>
             <a:off x="39240" y="109440"/>
-            <a:ext cx="719640" cy="539640"/>
+            <a:ext cx="719280" cy="539280"/>
           </a:xfrm>
           <a:prstGeom prst="rect">
             <a:avLst/>
@@ -14403,14 +15570,14 @@
       </p:sp>
       <p:sp>
         <p:nvSpPr>
-          <p:cNvPr id="87" name="CustomShape 2"/>
+          <p:cNvPr id="84" name="CustomShape 2"/>
           <p:cNvSpPr/>
           <p:nvPr/>
         </p:nvSpPr>
         <p:spPr>
           <a:xfrm>
             <a:off x="831240" y="109440"/>
-            <a:ext cx="7379640" cy="539640"/>
+            <a:ext cx="7379280" cy="539280"/>
           </a:xfrm>
           <a:prstGeom prst="rect">
             <a:avLst/>
@@ -14448,14 +15615,14 @@
       </p:sp>
       <p:sp>
         <p:nvSpPr>
-          <p:cNvPr id="88" name="CustomShape 3"/>
+          <p:cNvPr id="85" name="CustomShape 3"/>
           <p:cNvSpPr/>
           <p:nvPr/>
         </p:nvSpPr>
         <p:spPr>
           <a:xfrm>
             <a:off x="39240" y="822600"/>
-            <a:ext cx="9827640" cy="2339640"/>
+            <a:ext cx="9827280" cy="2339280"/>
           </a:xfrm>
           <a:prstGeom prst="rect">
             <a:avLst/>
@@ -14493,14 +15660,14 @@
       </p:sp>
       <p:sp>
         <p:nvSpPr>
-          <p:cNvPr id="89" name="CustomShape 4"/>
+          <p:cNvPr id="86" name="CustomShape 4"/>
           <p:cNvSpPr/>
           <p:nvPr/>
         </p:nvSpPr>
         <p:spPr>
           <a:xfrm>
             <a:off x="39240" y="3335400"/>
-            <a:ext cx="9827640" cy="1619640"/>
+            <a:ext cx="9827280" cy="1619280"/>
           </a:xfrm>
           <a:prstGeom prst="rect">
             <a:avLst/>
@@ -14557,14 +15724,14 @@
       </p:sp>
       <p:sp>
         <p:nvSpPr>
-          <p:cNvPr id="90" name="CustomShape 5"/>
+          <p:cNvPr id="87" name="CustomShape 5"/>
           <p:cNvSpPr/>
           <p:nvPr/>
         </p:nvSpPr>
         <p:spPr>
           <a:xfrm>
             <a:off x="9147240" y="109440"/>
-            <a:ext cx="719640" cy="539640"/>
+            <a:ext cx="719280" cy="539280"/>
           </a:xfrm>
           <a:prstGeom prst="rect">
             <a:avLst/>
@@ -14602,14 +15769,14 @@
       </p:sp>
       <p:sp>
         <p:nvSpPr>
-          <p:cNvPr id="91" name="CustomShape 6"/>
+          <p:cNvPr id="88" name="CustomShape 6"/>
           <p:cNvSpPr/>
           <p:nvPr/>
         </p:nvSpPr>
         <p:spPr>
           <a:xfrm>
             <a:off x="8283240" y="109440"/>
-            <a:ext cx="791640" cy="539640"/>
+            <a:ext cx="791280" cy="539280"/>
           </a:xfrm>
           <a:prstGeom prst="rect">
             <a:avLst/>
@@ -14647,14 +15814,14 @@
       </p:sp>
       <p:sp>
         <p:nvSpPr>
-          <p:cNvPr id="92" name="CustomShape 7"/>
+          <p:cNvPr id="89" name="CustomShape 7"/>
           <p:cNvSpPr/>
           <p:nvPr/>
         </p:nvSpPr>
         <p:spPr>
           <a:xfrm>
             <a:off x="39240" y="5128560"/>
-            <a:ext cx="9827640" cy="1619640"/>
+            <a:ext cx="9827280" cy="1619280"/>
           </a:xfrm>
           <a:prstGeom prst="rect">
             <a:avLst/>
@@ -14733,10 +15900,10 @@
   <p:timing>
     <p:tnLst>
       <p:par>
-        <p:cTn dur="indefinite" id="3" nodeType="tmRoot" restart="never">
+        <p:cTn dur="indefinite" id="7" nodeType="tmRoot" restart="never">
           <p:childTnLst>
             <p:seq>
-              <p:cTn id="4" nodeType="mainSeq">
+              <p:cTn id="8" nodeType="mainSeq">
                 <p:childTnLst/>
               </p:cTn>
               <p:prevCondLst>
@@ -14781,14 +15948,14 @@
       </p:grpSpPr>
       <p:sp>
         <p:nvSpPr>
-          <p:cNvPr id="93" name="CustomShape 1"/>
+          <p:cNvPr id="90" name="CustomShape 1"/>
           <p:cNvSpPr/>
           <p:nvPr/>
         </p:nvSpPr>
         <p:spPr>
           <a:xfrm>
             <a:off x="39240" y="109440"/>
-            <a:ext cx="719640" cy="539640"/>
+            <a:ext cx="719280" cy="539280"/>
           </a:xfrm>
           <a:prstGeom prst="rect">
             <a:avLst/>
@@ -14826,14 +15993,14 @@
       </p:sp>
       <p:sp>
         <p:nvSpPr>
-          <p:cNvPr id="94" name="CustomShape 2"/>
+          <p:cNvPr id="91" name="CustomShape 2"/>
           <p:cNvSpPr/>
           <p:nvPr/>
         </p:nvSpPr>
         <p:spPr>
           <a:xfrm>
             <a:off x="831240" y="109440"/>
-            <a:ext cx="7379640" cy="539640"/>
+            <a:ext cx="7379280" cy="539280"/>
           </a:xfrm>
           <a:prstGeom prst="rect">
             <a:avLst/>
@@ -14871,14 +16038,14 @@
       </p:sp>
       <p:sp>
         <p:nvSpPr>
-          <p:cNvPr id="95" name="CustomShape 3"/>
+          <p:cNvPr id="92" name="CustomShape 3"/>
           <p:cNvSpPr/>
           <p:nvPr/>
         </p:nvSpPr>
         <p:spPr>
           <a:xfrm>
             <a:off x="39240" y="822600"/>
-            <a:ext cx="9827640" cy="2339640"/>
+            <a:ext cx="9827280" cy="2339280"/>
           </a:xfrm>
           <a:prstGeom prst="rect">
             <a:avLst/>
@@ -14916,14 +16083,14 @@
       </p:sp>
       <p:sp>
         <p:nvSpPr>
-          <p:cNvPr id="96" name="CustomShape 4"/>
+          <p:cNvPr id="93" name="CustomShape 4"/>
           <p:cNvSpPr/>
           <p:nvPr/>
         </p:nvSpPr>
         <p:spPr>
           <a:xfrm>
             <a:off x="39240" y="3335400"/>
-            <a:ext cx="9827640" cy="1619640"/>
+            <a:ext cx="9827280" cy="1619280"/>
           </a:xfrm>
           <a:prstGeom prst="rect">
             <a:avLst/>
@@ -14989,14 +16156,14 @@
       </p:sp>
       <p:sp>
         <p:nvSpPr>
-          <p:cNvPr id="97" name="CustomShape 5"/>
+          <p:cNvPr id="94" name="CustomShape 5"/>
           <p:cNvSpPr/>
           <p:nvPr/>
         </p:nvSpPr>
         <p:spPr>
           <a:xfrm>
             <a:off x="9147240" y="109440"/>
-            <a:ext cx="719640" cy="539640"/>
+            <a:ext cx="719280" cy="539280"/>
           </a:xfrm>
           <a:prstGeom prst="rect">
             <a:avLst/>
@@ -15034,14 +16201,14 @@
       </p:sp>
       <p:sp>
         <p:nvSpPr>
-          <p:cNvPr id="98" name="CustomShape 6"/>
+          <p:cNvPr id="95" name="CustomShape 6"/>
           <p:cNvSpPr/>
           <p:nvPr/>
         </p:nvSpPr>
         <p:spPr>
           <a:xfrm>
             <a:off x="8283240" y="109440"/>
-            <a:ext cx="791640" cy="539640"/>
+            <a:ext cx="791280" cy="539280"/>
           </a:xfrm>
           <a:prstGeom prst="rect">
             <a:avLst/>
@@ -15079,14 +16246,14 @@
       </p:sp>
       <p:sp>
         <p:nvSpPr>
-          <p:cNvPr id="99" name="CustomShape 7"/>
+          <p:cNvPr id="96" name="CustomShape 7"/>
           <p:cNvSpPr/>
           <p:nvPr/>
         </p:nvSpPr>
         <p:spPr>
           <a:xfrm>
             <a:off x="39240" y="5128560"/>
-            <a:ext cx="9827640" cy="1619640"/>
+            <a:ext cx="9827280" cy="1619280"/>
           </a:xfrm>
           <a:prstGeom prst="rect">
             <a:avLst/>
@@ -15146,10 +16313,10 @@
   <p:timing>
     <p:tnLst>
       <p:par>
-        <p:cTn dur="indefinite" id="5" nodeType="tmRoot" restart="never">
+        <p:cTn dur="indefinite" id="9" nodeType="tmRoot" restart="never">
           <p:childTnLst>
             <p:seq>
-              <p:cTn id="6" nodeType="mainSeq">
+              <p:cTn id="10" nodeType="mainSeq">
                 <p:childTnLst/>
               </p:cTn>
               <p:prevCondLst>

--- a/Documentation/User Stories.pptx
+++ b/Documentation/User Stories.pptx
@@ -99,7 +99,7 @@
         <p:spPr>
           <a:xfrm>
             <a:off x="743040" y="2130480"/>
-            <a:ext cx="8419320" cy="1469880"/>
+            <a:ext cx="8418960" cy="1469880"/>
           </a:xfrm>
           <a:prstGeom prst="rect">
             <a:avLst/>
@@ -126,7 +126,7 @@
         <p:spPr>
           <a:xfrm>
             <a:off x="495000" y="1604520"/>
-            <a:ext cx="8716680" cy="1896840"/>
+            <a:ext cx="8716320" cy="1896480"/>
           </a:xfrm>
           <a:prstGeom prst="rect">
             <a:avLst/>
@@ -151,8 +151,8 @@
         </p:nvSpPr>
         <p:spPr>
           <a:xfrm>
-            <a:off x="495000" y="3681720"/>
-            <a:ext cx="8716680" cy="1896840"/>
+            <a:off x="495000" y="3681360"/>
+            <a:ext cx="8716320" cy="1896480"/>
           </a:xfrm>
           <a:prstGeom prst="rect">
             <a:avLst/>
@@ -200,7 +200,7 @@
         <p:spPr>
           <a:xfrm>
             <a:off x="743040" y="2130480"/>
-            <a:ext cx="8419320" cy="1469880"/>
+            <a:ext cx="8418960" cy="1469880"/>
           </a:xfrm>
           <a:prstGeom prst="rect">
             <a:avLst/>
@@ -227,7 +227,7 @@
         <p:spPr>
           <a:xfrm>
             <a:off x="495000" y="1604520"/>
-            <a:ext cx="4253400" cy="1896840"/>
+            <a:ext cx="4253040" cy="1896480"/>
           </a:xfrm>
           <a:prstGeom prst="rect">
             <a:avLst/>
@@ -252,8 +252,8 @@
         </p:nvSpPr>
         <p:spPr>
           <a:xfrm>
-            <a:off x="4961160" y="1604520"/>
-            <a:ext cx="4253400" cy="1896840"/>
+            <a:off x="4960800" y="1604520"/>
+            <a:ext cx="4253040" cy="1896480"/>
           </a:xfrm>
           <a:prstGeom prst="rect">
             <a:avLst/>
@@ -278,8 +278,8 @@
         </p:nvSpPr>
         <p:spPr>
           <a:xfrm>
-            <a:off x="4961160" y="3681720"/>
-            <a:ext cx="4253400" cy="1896840"/>
+            <a:off x="4960800" y="3681360"/>
+            <a:ext cx="4253040" cy="1896480"/>
           </a:xfrm>
           <a:prstGeom prst="rect">
             <a:avLst/>
@@ -304,8 +304,8 @@
         </p:nvSpPr>
         <p:spPr>
           <a:xfrm>
-            <a:off x="495000" y="3681720"/>
-            <a:ext cx="4253400" cy="1896840"/>
+            <a:off x="495000" y="3681360"/>
+            <a:ext cx="4253040" cy="1896480"/>
           </a:xfrm>
           <a:prstGeom prst="rect">
             <a:avLst/>
@@ -353,7 +353,7 @@
         <p:spPr>
           <a:xfrm>
             <a:off x="743040" y="2130480"/>
-            <a:ext cx="8419320" cy="1469880"/>
+            <a:ext cx="8418960" cy="1469880"/>
           </a:xfrm>
           <a:prstGeom prst="rect">
             <a:avLst/>
@@ -380,7 +380,7 @@
         <p:spPr>
           <a:xfrm>
             <a:off x="495000" y="1604520"/>
-            <a:ext cx="4253400" cy="1896840"/>
+            <a:ext cx="4253040" cy="1896480"/>
           </a:xfrm>
           <a:prstGeom prst="rect">
             <a:avLst/>
@@ -405,8 +405,8 @@
         </p:nvSpPr>
         <p:spPr>
           <a:xfrm>
-            <a:off x="4961160" y="1604520"/>
-            <a:ext cx="4253400" cy="1896840"/>
+            <a:off x="4960800" y="1604520"/>
+            <a:ext cx="4253040" cy="1896480"/>
           </a:xfrm>
           <a:prstGeom prst="rect">
             <a:avLst/>
@@ -454,7 +454,7 @@
         <p:spPr>
           <a:xfrm>
             <a:off x="743040" y="2130480"/>
-            <a:ext cx="8419320" cy="1469880"/>
+            <a:ext cx="8418960" cy="1469880"/>
           </a:xfrm>
           <a:prstGeom prst="rect">
             <a:avLst/>
@@ -481,7 +481,7 @@
         <p:spPr>
           <a:xfrm>
             <a:off x="495000" y="1604520"/>
-            <a:ext cx="8716680" cy="3977640"/>
+            <a:ext cx="8716320" cy="3977280"/>
           </a:xfrm>
           <a:prstGeom prst="rect">
             <a:avLst/>
@@ -530,7 +530,7 @@
         <p:spPr>
           <a:xfrm>
             <a:off x="743040" y="2130480"/>
-            <a:ext cx="8419320" cy="1469880"/>
+            <a:ext cx="8418960" cy="1469880"/>
           </a:xfrm>
           <a:prstGeom prst="rect">
             <a:avLst/>
@@ -557,7 +557,7 @@
         <p:spPr>
           <a:xfrm>
             <a:off x="495000" y="1604520"/>
-            <a:ext cx="8716680" cy="3977280"/>
+            <a:ext cx="8716320" cy="3976920"/>
           </a:xfrm>
           <a:prstGeom prst="rect">
             <a:avLst/>
@@ -605,7 +605,7 @@
         <p:spPr>
           <a:xfrm>
             <a:off x="743040" y="2130480"/>
-            <a:ext cx="8419320" cy="1469880"/>
+            <a:ext cx="8418960" cy="1469880"/>
           </a:xfrm>
           <a:prstGeom prst="rect">
             <a:avLst/>
@@ -632,7 +632,7 @@
         <p:spPr>
           <a:xfrm>
             <a:off x="495000" y="1604520"/>
-            <a:ext cx="4253400" cy="3977280"/>
+            <a:ext cx="4253040" cy="3976920"/>
           </a:xfrm>
           <a:prstGeom prst="rect">
             <a:avLst/>
@@ -657,8 +657,8 @@
         </p:nvSpPr>
         <p:spPr>
           <a:xfrm>
-            <a:off x="4961160" y="1604520"/>
-            <a:ext cx="4253400" cy="3977280"/>
+            <a:off x="4960800" y="1604520"/>
+            <a:ext cx="4253040" cy="3976920"/>
           </a:xfrm>
           <a:prstGeom prst="rect">
             <a:avLst/>
@@ -706,7 +706,7 @@
         <p:spPr>
           <a:xfrm>
             <a:off x="743040" y="2130480"/>
-            <a:ext cx="8419320" cy="1469880"/>
+            <a:ext cx="8418960" cy="1469880"/>
           </a:xfrm>
           <a:prstGeom prst="rect">
             <a:avLst/>
@@ -755,7 +755,7 @@
         <p:spPr>
           <a:xfrm>
             <a:off x="743040" y="2130480"/>
-            <a:ext cx="8419320" cy="3451320"/>
+            <a:ext cx="8418960" cy="3450960"/>
           </a:xfrm>
           <a:prstGeom prst="rect">
             <a:avLst/>
@@ -804,7 +804,7 @@
         <p:spPr>
           <a:xfrm>
             <a:off x="743040" y="2130480"/>
-            <a:ext cx="8419320" cy="1469880"/>
+            <a:ext cx="8418960" cy="1469880"/>
           </a:xfrm>
           <a:prstGeom prst="rect">
             <a:avLst/>
@@ -831,7 +831,7 @@
         <p:spPr>
           <a:xfrm>
             <a:off x="495000" y="1604520"/>
-            <a:ext cx="4253400" cy="1896840"/>
+            <a:ext cx="4253040" cy="1896480"/>
           </a:xfrm>
           <a:prstGeom prst="rect">
             <a:avLst/>
@@ -856,8 +856,8 @@
         </p:nvSpPr>
         <p:spPr>
           <a:xfrm>
-            <a:off x="495000" y="3681720"/>
-            <a:ext cx="4253400" cy="1896840"/>
+            <a:off x="495000" y="3681360"/>
+            <a:ext cx="4253040" cy="1896480"/>
           </a:xfrm>
           <a:prstGeom prst="rect">
             <a:avLst/>
@@ -882,8 +882,8 @@
         </p:nvSpPr>
         <p:spPr>
           <a:xfrm>
-            <a:off x="4961160" y="1604520"/>
-            <a:ext cx="4253400" cy="3977280"/>
+            <a:off x="4960800" y="1604520"/>
+            <a:ext cx="4253040" cy="3976920"/>
           </a:xfrm>
           <a:prstGeom prst="rect">
             <a:avLst/>
@@ -931,7 +931,7 @@
         <p:spPr>
           <a:xfrm>
             <a:off x="743040" y="2130480"/>
-            <a:ext cx="8419320" cy="1469880"/>
+            <a:ext cx="8418960" cy="1469880"/>
           </a:xfrm>
           <a:prstGeom prst="rect">
             <a:avLst/>
@@ -958,7 +958,7 @@
         <p:spPr>
           <a:xfrm>
             <a:off x="495000" y="1604520"/>
-            <a:ext cx="4253400" cy="3977280"/>
+            <a:ext cx="4253040" cy="3976920"/>
           </a:xfrm>
           <a:prstGeom prst="rect">
             <a:avLst/>
@@ -983,8 +983,8 @@
         </p:nvSpPr>
         <p:spPr>
           <a:xfrm>
-            <a:off x="4961160" y="1604520"/>
-            <a:ext cx="4253400" cy="1896840"/>
+            <a:off x="4960800" y="1604520"/>
+            <a:ext cx="4253040" cy="1896480"/>
           </a:xfrm>
           <a:prstGeom prst="rect">
             <a:avLst/>
@@ -1009,8 +1009,8 @@
         </p:nvSpPr>
         <p:spPr>
           <a:xfrm>
-            <a:off x="4961160" y="3681720"/>
-            <a:ext cx="4253400" cy="1896840"/>
+            <a:off x="4960800" y="3681360"/>
+            <a:ext cx="4253040" cy="1896480"/>
           </a:xfrm>
           <a:prstGeom prst="rect">
             <a:avLst/>
@@ -1058,7 +1058,7 @@
         <p:spPr>
           <a:xfrm>
             <a:off x="743040" y="2130480"/>
-            <a:ext cx="8419320" cy="1469880"/>
+            <a:ext cx="8418960" cy="1469880"/>
           </a:xfrm>
           <a:prstGeom prst="rect">
             <a:avLst/>
@@ -1085,7 +1085,7 @@
         <p:spPr>
           <a:xfrm>
             <a:off x="495000" y="1604520"/>
-            <a:ext cx="4253400" cy="1896840"/>
+            <a:ext cx="4253040" cy="1896480"/>
           </a:xfrm>
           <a:prstGeom prst="rect">
             <a:avLst/>
@@ -1110,8 +1110,8 @@
         </p:nvSpPr>
         <p:spPr>
           <a:xfrm>
-            <a:off x="4961160" y="1604520"/>
-            <a:ext cx="4253400" cy="1896840"/>
+            <a:off x="4960800" y="1604520"/>
+            <a:ext cx="4253040" cy="1896480"/>
           </a:xfrm>
           <a:prstGeom prst="rect">
             <a:avLst/>
@@ -1136,8 +1136,8 @@
         </p:nvSpPr>
         <p:spPr>
           <a:xfrm>
-            <a:off x="495000" y="3681720"/>
-            <a:ext cx="8716320" cy="1896840"/>
+            <a:off x="495000" y="3681360"/>
+            <a:ext cx="8715600" cy="1896480"/>
           </a:xfrm>
           <a:prstGeom prst="rect">
             <a:avLst/>
@@ -1192,7 +1192,7 @@
         <p:spPr>
           <a:xfrm>
             <a:off x="743040" y="2130480"/>
-            <a:ext cx="8419320" cy="1469520"/>
+            <a:ext cx="8418960" cy="1469520"/>
           </a:xfrm>
           <a:prstGeom prst="rect">
             <a:avLst/>
@@ -1222,7 +1222,7 @@
         <p:spPr>
           <a:xfrm>
             <a:off x="495000" y="1604520"/>
-            <a:ext cx="8716680" cy="3977280"/>
+            <a:ext cx="8716320" cy="3976920"/>
           </a:xfrm>
           <a:prstGeom prst="rect">
             <a:avLst/>
@@ -1362,7 +1362,7 @@
         <p:spPr>
           <a:xfrm>
             <a:off x="39240" y="109440"/>
-            <a:ext cx="719280" cy="539280"/>
+            <a:ext cx="718920" cy="538920"/>
           </a:xfrm>
           <a:prstGeom prst="rect">
             <a:avLst/>
@@ -1407,7 +1407,7 @@
         <p:spPr>
           <a:xfrm>
             <a:off x="831240" y="109440"/>
-            <a:ext cx="7379280" cy="539280"/>
+            <a:ext cx="7378920" cy="538920"/>
           </a:xfrm>
           <a:prstGeom prst="rect">
             <a:avLst/>
@@ -1452,7 +1452,7 @@
         <p:spPr>
           <a:xfrm>
             <a:off x="39240" y="822600"/>
-            <a:ext cx="9827280" cy="2339280"/>
+            <a:ext cx="9826920" cy="2338920"/>
           </a:xfrm>
           <a:prstGeom prst="rect">
             <a:avLst/>
@@ -1497,7 +1497,7 @@
         <p:spPr>
           <a:xfrm>
             <a:off x="39240" y="3335400"/>
-            <a:ext cx="9827280" cy="1619280"/>
+            <a:ext cx="9826920" cy="1618920"/>
           </a:xfrm>
           <a:prstGeom prst="rect">
             <a:avLst/>
@@ -1570,7 +1570,7 @@
         <p:spPr>
           <a:xfrm>
             <a:off x="9147240" y="109440"/>
-            <a:ext cx="719280" cy="539280"/>
+            <a:ext cx="718920" cy="538920"/>
           </a:xfrm>
           <a:prstGeom prst="rect">
             <a:avLst/>
@@ -1615,7 +1615,7 @@
         <p:spPr>
           <a:xfrm>
             <a:off x="8283240" y="109440"/>
-            <a:ext cx="791280" cy="539280"/>
+            <a:ext cx="790920" cy="538920"/>
           </a:xfrm>
           <a:prstGeom prst="rect">
             <a:avLst/>
@@ -1660,7 +1660,7 @@
         <p:spPr>
           <a:xfrm>
             <a:off x="39240" y="5128560"/>
-            <a:ext cx="9827280" cy="1619280"/>
+            <a:ext cx="9826920" cy="1618920"/>
           </a:xfrm>
           <a:prstGeom prst="rect">
             <a:avLst/>
@@ -1775,7 +1775,7 @@
         <p:spPr>
           <a:xfrm>
             <a:off x="39240" y="109440"/>
-            <a:ext cx="719280" cy="539280"/>
+            <a:ext cx="718920" cy="538920"/>
           </a:xfrm>
           <a:prstGeom prst="rect">
             <a:avLst/>
@@ -1820,7 +1820,7 @@
         <p:spPr>
           <a:xfrm>
             <a:off x="831240" y="109440"/>
-            <a:ext cx="7379280" cy="539280"/>
+            <a:ext cx="7378920" cy="538920"/>
           </a:xfrm>
           <a:prstGeom prst="rect">
             <a:avLst/>
@@ -1865,7 +1865,7 @@
         <p:spPr>
           <a:xfrm>
             <a:off x="39240" y="822600"/>
-            <a:ext cx="9827280" cy="2339280"/>
+            <a:ext cx="9826920" cy="2338920"/>
           </a:xfrm>
           <a:prstGeom prst="rect">
             <a:avLst/>
@@ -1910,7 +1910,7 @@
         <p:spPr>
           <a:xfrm>
             <a:off x="39240" y="3335400"/>
-            <a:ext cx="9827280" cy="1619280"/>
+            <a:ext cx="9826920" cy="1618920"/>
           </a:xfrm>
           <a:prstGeom prst="rect">
             <a:avLst/>
@@ -1974,7 +1974,7 @@
         <p:spPr>
           <a:xfrm>
             <a:off x="9147240" y="109440"/>
-            <a:ext cx="719280" cy="539280"/>
+            <a:ext cx="718920" cy="538920"/>
           </a:xfrm>
           <a:prstGeom prst="rect">
             <a:avLst/>
@@ -2019,7 +2019,7 @@
         <p:spPr>
           <a:xfrm>
             <a:off x="8283240" y="109440"/>
-            <a:ext cx="791280" cy="539280"/>
+            <a:ext cx="790920" cy="538920"/>
           </a:xfrm>
           <a:prstGeom prst="rect">
             <a:avLst/>
@@ -2064,7 +2064,7 @@
         <p:spPr>
           <a:xfrm>
             <a:off x="39240" y="5128560"/>
-            <a:ext cx="9827280" cy="1619280"/>
+            <a:ext cx="9826920" cy="1618920"/>
           </a:xfrm>
           <a:prstGeom prst="rect">
             <a:avLst/>
@@ -2179,7 +2179,7 @@
         <p:spPr>
           <a:xfrm>
             <a:off x="39240" y="109440"/>
-            <a:ext cx="719280" cy="539280"/>
+            <a:ext cx="718920" cy="538920"/>
           </a:xfrm>
           <a:prstGeom prst="rect">
             <a:avLst/>
@@ -2224,7 +2224,7 @@
         <p:spPr>
           <a:xfrm>
             <a:off x="831240" y="109440"/>
-            <a:ext cx="7379280" cy="539280"/>
+            <a:ext cx="7378920" cy="538920"/>
           </a:xfrm>
           <a:prstGeom prst="rect">
             <a:avLst/>
@@ -2269,7 +2269,7 @@
         <p:spPr>
           <a:xfrm>
             <a:off x="39240" y="822600"/>
-            <a:ext cx="9827280" cy="2339280"/>
+            <a:ext cx="9826920" cy="2338920"/>
           </a:xfrm>
           <a:prstGeom prst="rect">
             <a:avLst/>
@@ -2314,7 +2314,7 @@
         <p:spPr>
           <a:xfrm>
             <a:off x="39240" y="3335400"/>
-            <a:ext cx="9827280" cy="1619280"/>
+            <a:ext cx="9826920" cy="1618920"/>
           </a:xfrm>
           <a:prstGeom prst="rect">
             <a:avLst/>
@@ -2415,7 +2415,7 @@
         <p:spPr>
           <a:xfrm>
             <a:off x="9147240" y="109440"/>
-            <a:ext cx="719280" cy="539280"/>
+            <a:ext cx="718920" cy="538920"/>
           </a:xfrm>
           <a:prstGeom prst="rect">
             <a:avLst/>
@@ -2460,7 +2460,7 @@
         <p:spPr>
           <a:xfrm>
             <a:off x="8283240" y="109440"/>
-            <a:ext cx="791280" cy="539280"/>
+            <a:ext cx="790920" cy="538920"/>
           </a:xfrm>
           <a:prstGeom prst="rect">
             <a:avLst/>
@@ -2505,7 +2505,7 @@
         <p:spPr>
           <a:xfrm>
             <a:off x="39240" y="5128560"/>
-            <a:ext cx="9827280" cy="1619280"/>
+            <a:ext cx="9826920" cy="1618920"/>
           </a:xfrm>
           <a:prstGeom prst="rect">
             <a:avLst/>
@@ -2600,7 +2600,7 @@
         <p:spPr>
           <a:xfrm>
             <a:off x="39240" y="109440"/>
-            <a:ext cx="719280" cy="539280"/>
+            <a:ext cx="718920" cy="538920"/>
           </a:xfrm>
           <a:prstGeom prst="rect">
             <a:avLst/>
@@ -2645,7 +2645,7 @@
         <p:spPr>
           <a:xfrm>
             <a:off x="831240" y="109440"/>
-            <a:ext cx="7379280" cy="539280"/>
+            <a:ext cx="7378920" cy="538920"/>
           </a:xfrm>
           <a:prstGeom prst="rect">
             <a:avLst/>
@@ -2690,7 +2690,7 @@
         <p:spPr>
           <a:xfrm>
             <a:off x="39240" y="822600"/>
-            <a:ext cx="9827280" cy="2339280"/>
+            <a:ext cx="9826920" cy="2338920"/>
           </a:xfrm>
           <a:prstGeom prst="rect">
             <a:avLst/>
@@ -2735,7 +2735,7 @@
         <p:spPr>
           <a:xfrm>
             <a:off x="39240" y="3335400"/>
-            <a:ext cx="9827280" cy="1619280"/>
+            <a:ext cx="9826920" cy="1618920"/>
           </a:xfrm>
           <a:prstGeom prst="rect">
             <a:avLst/>
@@ -2799,7 +2799,7 @@
         <p:spPr>
           <a:xfrm>
             <a:off x="9147240" y="109440"/>
-            <a:ext cx="719280" cy="539280"/>
+            <a:ext cx="718920" cy="538920"/>
           </a:xfrm>
           <a:prstGeom prst="rect">
             <a:avLst/>
@@ -2844,7 +2844,7 @@
         <p:spPr>
           <a:xfrm>
             <a:off x="8283240" y="109440"/>
-            <a:ext cx="791280" cy="539280"/>
+            <a:ext cx="790920" cy="538920"/>
           </a:xfrm>
           <a:prstGeom prst="rect">
             <a:avLst/>
@@ -2889,7 +2889,7 @@
         <p:spPr>
           <a:xfrm>
             <a:off x="39240" y="5128560"/>
-            <a:ext cx="9827280" cy="1619280"/>
+            <a:ext cx="9826920" cy="1618920"/>
           </a:xfrm>
           <a:prstGeom prst="rect">
             <a:avLst/>
@@ -3004,7 +3004,7 @@
         <p:spPr>
           <a:xfrm>
             <a:off x="39240" y="109440"/>
-            <a:ext cx="719280" cy="539280"/>
+            <a:ext cx="718920" cy="538920"/>
           </a:xfrm>
           <a:prstGeom prst="rect">
             <a:avLst/>
@@ -3049,7 +3049,7 @@
         <p:spPr>
           <a:xfrm>
             <a:off x="831240" y="109440"/>
-            <a:ext cx="7379280" cy="539280"/>
+            <a:ext cx="7378920" cy="538920"/>
           </a:xfrm>
           <a:prstGeom prst="rect">
             <a:avLst/>
@@ -3094,7 +3094,7 @@
         <p:spPr>
           <a:xfrm>
             <a:off x="39240" y="822600"/>
-            <a:ext cx="9827280" cy="2339280"/>
+            <a:ext cx="9826920" cy="2338920"/>
           </a:xfrm>
           <a:prstGeom prst="rect">
             <a:avLst/>
@@ -3139,7 +3139,7 @@
         <p:spPr>
           <a:xfrm>
             <a:off x="39240" y="3335400"/>
-            <a:ext cx="9827280" cy="1619280"/>
+            <a:ext cx="9826920" cy="1618920"/>
           </a:xfrm>
           <a:prstGeom prst="rect">
             <a:avLst/>
@@ -3212,7 +3212,7 @@
         <p:spPr>
           <a:xfrm>
             <a:off x="9147240" y="109440"/>
-            <a:ext cx="719280" cy="539280"/>
+            <a:ext cx="718920" cy="538920"/>
           </a:xfrm>
           <a:prstGeom prst="rect">
             <a:avLst/>
@@ -3257,7 +3257,7 @@
         <p:spPr>
           <a:xfrm>
             <a:off x="8283240" y="109440"/>
-            <a:ext cx="791280" cy="539280"/>
+            <a:ext cx="790920" cy="538920"/>
           </a:xfrm>
           <a:prstGeom prst="rect">
             <a:avLst/>
@@ -3302,7 +3302,7 @@
         <p:spPr>
           <a:xfrm>
             <a:off x="39240" y="5128560"/>
-            <a:ext cx="9827280" cy="1619280"/>
+            <a:ext cx="9826920" cy="1618920"/>
           </a:xfrm>
           <a:prstGeom prst="rect">
             <a:avLst/>
@@ -3436,7 +3436,7 @@
         <p:spPr>
           <a:xfrm>
             <a:off x="39240" y="109440"/>
-            <a:ext cx="719280" cy="539280"/>
+            <a:ext cx="718920" cy="538920"/>
           </a:xfrm>
           <a:prstGeom prst="rect">
             <a:avLst/>
@@ -3481,7 +3481,7 @@
         <p:spPr>
           <a:xfrm>
             <a:off x="831240" y="109440"/>
-            <a:ext cx="7379280" cy="539280"/>
+            <a:ext cx="7378920" cy="538920"/>
           </a:xfrm>
           <a:prstGeom prst="rect">
             <a:avLst/>
@@ -3526,7 +3526,7 @@
         <p:spPr>
           <a:xfrm>
             <a:off x="39240" y="822600"/>
-            <a:ext cx="9827280" cy="2339280"/>
+            <a:ext cx="9826920" cy="2338920"/>
           </a:xfrm>
           <a:prstGeom prst="rect">
             <a:avLst/>
@@ -3571,7 +3571,7 @@
         <p:spPr>
           <a:xfrm>
             <a:off x="39240" y="3335400"/>
-            <a:ext cx="9827280" cy="1619280"/>
+            <a:ext cx="9826920" cy="1618920"/>
           </a:xfrm>
           <a:prstGeom prst="rect">
             <a:avLst/>
@@ -3644,7 +3644,7 @@
         <p:spPr>
           <a:xfrm>
             <a:off x="9147240" y="109440"/>
-            <a:ext cx="719280" cy="539280"/>
+            <a:ext cx="718920" cy="538920"/>
           </a:xfrm>
           <a:prstGeom prst="rect">
             <a:avLst/>
@@ -3689,7 +3689,7 @@
         <p:spPr>
           <a:xfrm>
             <a:off x="8283240" y="109440"/>
-            <a:ext cx="791280" cy="539280"/>
+            <a:ext cx="790920" cy="538920"/>
           </a:xfrm>
           <a:prstGeom prst="rect">
             <a:avLst/>
@@ -3734,7 +3734,7 @@
         <p:spPr>
           <a:xfrm>
             <a:off x="39240" y="5128560"/>
-            <a:ext cx="9827280" cy="1619280"/>
+            <a:ext cx="9826920" cy="1618920"/>
           </a:xfrm>
           <a:prstGeom prst="rect">
             <a:avLst/>
@@ -3905,7 +3905,7 @@
         <p:spPr>
           <a:xfrm>
             <a:off x="39240" y="109440"/>
-            <a:ext cx="719280" cy="539280"/>
+            <a:ext cx="718920" cy="538920"/>
           </a:xfrm>
           <a:prstGeom prst="rect">
             <a:avLst/>
@@ -3950,7 +3950,7 @@
         <p:spPr>
           <a:xfrm>
             <a:off x="831240" y="109440"/>
-            <a:ext cx="7379280" cy="539280"/>
+            <a:ext cx="7378920" cy="538920"/>
           </a:xfrm>
           <a:prstGeom prst="rect">
             <a:avLst/>
@@ -3995,7 +3995,7 @@
         <p:spPr>
           <a:xfrm>
             <a:off x="39240" y="822600"/>
-            <a:ext cx="9827280" cy="2339280"/>
+            <a:ext cx="9826920" cy="2338920"/>
           </a:xfrm>
           <a:prstGeom prst="rect">
             <a:avLst/>
@@ -4040,7 +4040,7 @@
         <p:spPr>
           <a:xfrm>
             <a:off x="39240" y="3335400"/>
-            <a:ext cx="9827280" cy="1619280"/>
+            <a:ext cx="9826920" cy="1618920"/>
           </a:xfrm>
           <a:prstGeom prst="rect">
             <a:avLst/>
@@ -4113,7 +4113,7 @@
         <p:spPr>
           <a:xfrm>
             <a:off x="9147240" y="109440"/>
-            <a:ext cx="719280" cy="539280"/>
+            <a:ext cx="718920" cy="538920"/>
           </a:xfrm>
           <a:prstGeom prst="rect">
             <a:avLst/>
@@ -4158,7 +4158,7 @@
         <p:spPr>
           <a:xfrm>
             <a:off x="8283240" y="109440"/>
-            <a:ext cx="791280" cy="539280"/>
+            <a:ext cx="790920" cy="538920"/>
           </a:xfrm>
           <a:prstGeom prst="rect">
             <a:avLst/>
@@ -4203,7 +4203,7 @@
         <p:spPr>
           <a:xfrm>
             <a:off x="39240" y="5128560"/>
-            <a:ext cx="9827280" cy="1619280"/>
+            <a:ext cx="9826920" cy="1618920"/>
           </a:xfrm>
           <a:prstGeom prst="rect">
             <a:avLst/>
@@ -4318,7 +4318,7 @@
         <p:spPr>
           <a:xfrm>
             <a:off x="39240" y="109440"/>
-            <a:ext cx="719280" cy="539280"/>
+            <a:ext cx="718920" cy="538920"/>
           </a:xfrm>
           <a:prstGeom prst="rect">
             <a:avLst/>
@@ -4363,7 +4363,7 @@
         <p:spPr>
           <a:xfrm>
             <a:off x="831240" y="109440"/>
-            <a:ext cx="7379280" cy="539280"/>
+            <a:ext cx="7378920" cy="538920"/>
           </a:xfrm>
           <a:prstGeom prst="rect">
             <a:avLst/>
@@ -4408,7 +4408,7 @@
         <p:spPr>
           <a:xfrm>
             <a:off x="39240" y="822600"/>
-            <a:ext cx="9827280" cy="2339280"/>
+            <a:ext cx="9826920" cy="2338920"/>
           </a:xfrm>
           <a:prstGeom prst="rect">
             <a:avLst/>
@@ -4453,7 +4453,7 @@
         <p:spPr>
           <a:xfrm>
             <a:off x="39240" y="3335400"/>
-            <a:ext cx="9827280" cy="1619280"/>
+            <a:ext cx="9826920" cy="1618920"/>
           </a:xfrm>
           <a:prstGeom prst="rect">
             <a:avLst/>
@@ -4526,7 +4526,7 @@
         <p:spPr>
           <a:xfrm>
             <a:off x="9147240" y="109440"/>
-            <a:ext cx="719280" cy="539280"/>
+            <a:ext cx="718920" cy="538920"/>
           </a:xfrm>
           <a:prstGeom prst="rect">
             <a:avLst/>
@@ -4571,7 +4571,7 @@
         <p:spPr>
           <a:xfrm>
             <a:off x="8283240" y="109440"/>
-            <a:ext cx="791280" cy="539280"/>
+            <a:ext cx="790920" cy="538920"/>
           </a:xfrm>
           <a:prstGeom prst="rect">
             <a:avLst/>
@@ -4616,7 +4616,7 @@
         <p:spPr>
           <a:xfrm>
             <a:off x="39240" y="5128560"/>
-            <a:ext cx="9827280" cy="1619280"/>
+            <a:ext cx="9826920" cy="1618920"/>
           </a:xfrm>
           <a:prstGeom prst="rect">
             <a:avLst/>
@@ -4750,7 +4750,7 @@
         <p:spPr>
           <a:xfrm>
             <a:off x="39240" y="109440"/>
-            <a:ext cx="719280" cy="539280"/>
+            <a:ext cx="718920" cy="538920"/>
           </a:xfrm>
           <a:prstGeom prst="rect">
             <a:avLst/>
@@ -4795,7 +4795,7 @@
         <p:spPr>
           <a:xfrm>
             <a:off x="831240" y="109440"/>
-            <a:ext cx="7379280" cy="539280"/>
+            <a:ext cx="7378920" cy="538920"/>
           </a:xfrm>
           <a:prstGeom prst="rect">
             <a:avLst/>
@@ -4840,7 +4840,7 @@
         <p:spPr>
           <a:xfrm>
             <a:off x="39240" y="822600"/>
-            <a:ext cx="9827280" cy="2339280"/>
+            <a:ext cx="9826920" cy="2338920"/>
           </a:xfrm>
           <a:prstGeom prst="rect">
             <a:avLst/>
@@ -4885,7 +4885,7 @@
         <p:spPr>
           <a:xfrm>
             <a:off x="39240" y="3335400"/>
-            <a:ext cx="9827280" cy="1619280"/>
+            <a:ext cx="9826920" cy="1618920"/>
           </a:xfrm>
           <a:prstGeom prst="rect">
             <a:avLst/>
@@ -4958,7 +4958,7 @@
         <p:spPr>
           <a:xfrm>
             <a:off x="9147240" y="109440"/>
-            <a:ext cx="719280" cy="539280"/>
+            <a:ext cx="718920" cy="538920"/>
           </a:xfrm>
           <a:prstGeom prst="rect">
             <a:avLst/>
@@ -5003,7 +5003,7 @@
         <p:spPr>
           <a:xfrm>
             <a:off x="8283240" y="109440"/>
-            <a:ext cx="791280" cy="539280"/>
+            <a:ext cx="790920" cy="538920"/>
           </a:xfrm>
           <a:prstGeom prst="rect">
             <a:avLst/>
@@ -5048,7 +5048,7 @@
         <p:spPr>
           <a:xfrm>
             <a:off x="39240" y="5128560"/>
-            <a:ext cx="9827280" cy="1619280"/>
+            <a:ext cx="9826920" cy="1618920"/>
           </a:xfrm>
           <a:prstGeom prst="rect">
             <a:avLst/>
@@ -5172,7 +5172,7 @@
         <p:spPr>
           <a:xfrm>
             <a:off x="39240" y="109440"/>
-            <a:ext cx="719280" cy="539280"/>
+            <a:ext cx="718920" cy="538920"/>
           </a:xfrm>
           <a:prstGeom prst="rect">
             <a:avLst/>
@@ -5217,7 +5217,7 @@
         <p:spPr>
           <a:xfrm>
             <a:off x="831240" y="109440"/>
-            <a:ext cx="7379280" cy="539280"/>
+            <a:ext cx="7378920" cy="538920"/>
           </a:xfrm>
           <a:prstGeom prst="rect">
             <a:avLst/>
@@ -5262,7 +5262,7 @@
         <p:spPr>
           <a:xfrm>
             <a:off x="39240" y="822600"/>
-            <a:ext cx="9827280" cy="2339280"/>
+            <a:ext cx="9826920" cy="2338920"/>
           </a:xfrm>
           <a:prstGeom prst="rect">
             <a:avLst/>
@@ -5307,7 +5307,7 @@
         <p:spPr>
           <a:xfrm>
             <a:off x="39240" y="3335400"/>
-            <a:ext cx="9827280" cy="1619280"/>
+            <a:ext cx="9826920" cy="1618920"/>
           </a:xfrm>
           <a:prstGeom prst="rect">
             <a:avLst/>
@@ -5380,7 +5380,7 @@
         <p:spPr>
           <a:xfrm>
             <a:off x="9147240" y="109440"/>
-            <a:ext cx="719280" cy="539280"/>
+            <a:ext cx="718920" cy="538920"/>
           </a:xfrm>
           <a:prstGeom prst="rect">
             <a:avLst/>
@@ -5425,7 +5425,7 @@
         <p:spPr>
           <a:xfrm>
             <a:off x="8283240" y="109440"/>
-            <a:ext cx="791280" cy="539280"/>
+            <a:ext cx="790920" cy="538920"/>
           </a:xfrm>
           <a:prstGeom prst="rect">
             <a:avLst/>
@@ -5470,7 +5470,7 @@
         <p:spPr>
           <a:xfrm>
             <a:off x="39240" y="5128560"/>
-            <a:ext cx="9827280" cy="1619280"/>
+            <a:ext cx="9826920" cy="1618920"/>
           </a:xfrm>
           <a:prstGeom prst="rect">
             <a:avLst/>
@@ -5602,7 +5602,7 @@
         <p:spPr>
           <a:xfrm>
             <a:off x="39240" y="109440"/>
-            <a:ext cx="719280" cy="539280"/>
+            <a:ext cx="718920" cy="538920"/>
           </a:xfrm>
           <a:prstGeom prst="rect">
             <a:avLst/>
@@ -5647,7 +5647,7 @@
         <p:spPr>
           <a:xfrm>
             <a:off x="831240" y="109440"/>
-            <a:ext cx="7379280" cy="539280"/>
+            <a:ext cx="7378920" cy="538920"/>
           </a:xfrm>
           <a:prstGeom prst="rect">
             <a:avLst/>
@@ -5692,7 +5692,7 @@
         <p:spPr>
           <a:xfrm>
             <a:off x="39240" y="822600"/>
-            <a:ext cx="9827280" cy="2339280"/>
+            <a:ext cx="9826920" cy="2338920"/>
           </a:xfrm>
           <a:prstGeom prst="rect">
             <a:avLst/>
@@ -5737,7 +5737,7 @@
         <p:spPr>
           <a:xfrm>
             <a:off x="39240" y="3335400"/>
-            <a:ext cx="9827280" cy="1619280"/>
+            <a:ext cx="9826920" cy="1618920"/>
           </a:xfrm>
           <a:prstGeom prst="rect">
             <a:avLst/>
@@ -5810,7 +5810,7 @@
         <p:spPr>
           <a:xfrm>
             <a:off x="9147240" y="109440"/>
-            <a:ext cx="719280" cy="539280"/>
+            <a:ext cx="718920" cy="538920"/>
           </a:xfrm>
           <a:prstGeom prst="rect">
             <a:avLst/>
@@ -5855,7 +5855,7 @@
         <p:spPr>
           <a:xfrm>
             <a:off x="8283240" y="109440"/>
-            <a:ext cx="791280" cy="539280"/>
+            <a:ext cx="790920" cy="538920"/>
           </a:xfrm>
           <a:prstGeom prst="rect">
             <a:avLst/>
@@ -5900,7 +5900,7 @@
         <p:spPr>
           <a:xfrm>
             <a:off x="39240" y="5128560"/>
-            <a:ext cx="9827280" cy="1619280"/>
+            <a:ext cx="9826920" cy="1618920"/>
           </a:xfrm>
           <a:prstGeom prst="rect">
             <a:avLst/>
@@ -6015,7 +6015,7 @@
         <p:spPr>
           <a:xfrm>
             <a:off x="39240" y="109440"/>
-            <a:ext cx="719280" cy="539280"/>
+            <a:ext cx="718920" cy="538920"/>
           </a:xfrm>
           <a:prstGeom prst="rect">
             <a:avLst/>
@@ -6060,7 +6060,7 @@
         <p:spPr>
           <a:xfrm>
             <a:off x="831240" y="109440"/>
-            <a:ext cx="7379280" cy="539280"/>
+            <a:ext cx="7378920" cy="538920"/>
           </a:xfrm>
           <a:prstGeom prst="rect">
             <a:avLst/>
@@ -6105,7 +6105,7 @@
         <p:spPr>
           <a:xfrm>
             <a:off x="39240" y="822600"/>
-            <a:ext cx="9827280" cy="2339280"/>
+            <a:ext cx="9826920" cy="2338920"/>
           </a:xfrm>
           <a:prstGeom prst="rect">
             <a:avLst/>
@@ -6150,7 +6150,7 @@
         <p:spPr>
           <a:xfrm>
             <a:off x="39240" y="3335400"/>
-            <a:ext cx="9827280" cy="1619280"/>
+            <a:ext cx="9826920" cy="1618920"/>
           </a:xfrm>
           <a:prstGeom prst="rect">
             <a:avLst/>
@@ -6223,7 +6223,7 @@
         <p:spPr>
           <a:xfrm>
             <a:off x="9147240" y="109440"/>
-            <a:ext cx="719280" cy="539280"/>
+            <a:ext cx="718920" cy="538920"/>
           </a:xfrm>
           <a:prstGeom prst="rect">
             <a:avLst/>
@@ -6268,7 +6268,7 @@
         <p:spPr>
           <a:xfrm>
             <a:off x="8283240" y="109440"/>
-            <a:ext cx="791280" cy="539280"/>
+            <a:ext cx="790920" cy="538920"/>
           </a:xfrm>
           <a:prstGeom prst="rect">
             <a:avLst/>
@@ -6313,7 +6313,7 @@
         <p:spPr>
           <a:xfrm>
             <a:off x="39240" y="5128560"/>
-            <a:ext cx="9827280" cy="1619280"/>
+            <a:ext cx="9826920" cy="1618920"/>
           </a:xfrm>
           <a:prstGeom prst="rect">
             <a:avLst/>
@@ -6428,7 +6428,7 @@
         <p:spPr>
           <a:xfrm>
             <a:off x="39240" y="109440"/>
-            <a:ext cx="719280" cy="539280"/>
+            <a:ext cx="718920" cy="538920"/>
           </a:xfrm>
           <a:prstGeom prst="rect">
             <a:avLst/>
@@ -6473,7 +6473,7 @@
         <p:spPr>
           <a:xfrm>
             <a:off x="831240" y="109440"/>
-            <a:ext cx="7379280" cy="539280"/>
+            <a:ext cx="7378920" cy="538920"/>
           </a:xfrm>
           <a:prstGeom prst="rect">
             <a:avLst/>
@@ -6518,7 +6518,7 @@
         <p:spPr>
           <a:xfrm>
             <a:off x="39240" y="822600"/>
-            <a:ext cx="9827280" cy="2339280"/>
+            <a:ext cx="9826920" cy="2338920"/>
           </a:xfrm>
           <a:prstGeom prst="rect">
             <a:avLst/>
@@ -6563,7 +6563,7 @@
         <p:spPr>
           <a:xfrm>
             <a:off x="39240" y="3335400"/>
-            <a:ext cx="9827280" cy="1619280"/>
+            <a:ext cx="9826920" cy="1618920"/>
           </a:xfrm>
           <a:prstGeom prst="rect">
             <a:avLst/>
@@ -6636,7 +6636,7 @@
         <p:spPr>
           <a:xfrm>
             <a:off x="9147240" y="109440"/>
-            <a:ext cx="719280" cy="539280"/>
+            <a:ext cx="718920" cy="538920"/>
           </a:xfrm>
           <a:prstGeom prst="rect">
             <a:avLst/>
@@ -6681,7 +6681,7 @@
         <p:spPr>
           <a:xfrm>
             <a:off x="8283240" y="109440"/>
-            <a:ext cx="791280" cy="539280"/>
+            <a:ext cx="790920" cy="538920"/>
           </a:xfrm>
           <a:prstGeom prst="rect">
             <a:avLst/>
@@ -6726,7 +6726,7 @@
         <p:spPr>
           <a:xfrm>
             <a:off x="39240" y="5128560"/>
-            <a:ext cx="9827280" cy="1619280"/>
+            <a:ext cx="9826920" cy="1618920"/>
           </a:xfrm>
           <a:prstGeom prst="rect">
             <a:avLst/>
@@ -6841,7 +6841,7 @@
         <p:spPr>
           <a:xfrm>
             <a:off x="39240" y="109440"/>
-            <a:ext cx="719280" cy="539280"/>
+            <a:ext cx="718920" cy="538920"/>
           </a:xfrm>
           <a:prstGeom prst="rect">
             <a:avLst/>
@@ -6886,7 +6886,7 @@
         <p:spPr>
           <a:xfrm>
             <a:off x="831240" y="109440"/>
-            <a:ext cx="7379280" cy="539280"/>
+            <a:ext cx="7378920" cy="538920"/>
           </a:xfrm>
           <a:prstGeom prst="rect">
             <a:avLst/>
@@ -6931,7 +6931,7 @@
         <p:spPr>
           <a:xfrm>
             <a:off x="39240" y="822600"/>
-            <a:ext cx="9827280" cy="2339280"/>
+            <a:ext cx="9826920" cy="2338920"/>
           </a:xfrm>
           <a:prstGeom prst="rect">
             <a:avLst/>
@@ -6976,7 +6976,7 @@
         <p:spPr>
           <a:xfrm>
             <a:off x="39240" y="3335400"/>
-            <a:ext cx="9827280" cy="1619280"/>
+            <a:ext cx="9826920" cy="1618920"/>
           </a:xfrm>
           <a:prstGeom prst="rect">
             <a:avLst/>
@@ -7049,7 +7049,7 @@
         <p:spPr>
           <a:xfrm>
             <a:off x="9147240" y="109440"/>
-            <a:ext cx="719280" cy="539280"/>
+            <a:ext cx="718920" cy="538920"/>
           </a:xfrm>
           <a:prstGeom prst="rect">
             <a:avLst/>
@@ -7094,7 +7094,7 @@
         <p:spPr>
           <a:xfrm>
             <a:off x="8283240" y="109440"/>
-            <a:ext cx="791280" cy="539280"/>
+            <a:ext cx="790920" cy="538920"/>
           </a:xfrm>
           <a:prstGeom prst="rect">
             <a:avLst/>
@@ -7139,7 +7139,7 @@
         <p:spPr>
           <a:xfrm>
             <a:off x="39240" y="5128560"/>
-            <a:ext cx="9827280" cy="1619280"/>
+            <a:ext cx="9826920" cy="1618920"/>
           </a:xfrm>
           <a:prstGeom prst="rect">
             <a:avLst/>
@@ -7263,7 +7263,7 @@
         <p:spPr>
           <a:xfrm>
             <a:off x="39240" y="109440"/>
-            <a:ext cx="719280" cy="539280"/>
+            <a:ext cx="718920" cy="538920"/>
           </a:xfrm>
           <a:prstGeom prst="rect">
             <a:avLst/>
@@ -7308,7 +7308,7 @@
         <p:spPr>
           <a:xfrm>
             <a:off x="831240" y="109440"/>
-            <a:ext cx="7379280" cy="539280"/>
+            <a:ext cx="7378920" cy="538920"/>
           </a:xfrm>
           <a:prstGeom prst="rect">
             <a:avLst/>
@@ -7353,7 +7353,7 @@
         <p:spPr>
           <a:xfrm>
             <a:off x="39240" y="822600"/>
-            <a:ext cx="9827280" cy="2339280"/>
+            <a:ext cx="9826920" cy="2338920"/>
           </a:xfrm>
           <a:prstGeom prst="rect">
             <a:avLst/>
@@ -7398,7 +7398,7 @@
         <p:spPr>
           <a:xfrm>
             <a:off x="39240" y="3335400"/>
-            <a:ext cx="9827280" cy="1619280"/>
+            <a:ext cx="9826920" cy="1618920"/>
           </a:xfrm>
           <a:prstGeom prst="rect">
             <a:avLst/>
@@ -7462,7 +7462,7 @@
         <p:spPr>
           <a:xfrm>
             <a:off x="9147240" y="109440"/>
-            <a:ext cx="719280" cy="539280"/>
+            <a:ext cx="718920" cy="538920"/>
           </a:xfrm>
           <a:prstGeom prst="rect">
             <a:avLst/>
@@ -7507,7 +7507,7 @@
         <p:spPr>
           <a:xfrm>
             <a:off x="8283240" y="109440"/>
-            <a:ext cx="791280" cy="539280"/>
+            <a:ext cx="790920" cy="538920"/>
           </a:xfrm>
           <a:prstGeom prst="rect">
             <a:avLst/>
@@ -7552,7 +7552,7 @@
         <p:spPr>
           <a:xfrm>
             <a:off x="39240" y="5128560"/>
-            <a:ext cx="9827280" cy="1619280"/>
+            <a:ext cx="9826920" cy="1618920"/>
           </a:xfrm>
           <a:prstGeom prst="rect">
             <a:avLst/>
@@ -7686,7 +7686,7 @@
         <p:spPr>
           <a:xfrm>
             <a:off x="39240" y="109440"/>
-            <a:ext cx="719280" cy="539280"/>
+            <a:ext cx="718920" cy="538920"/>
           </a:xfrm>
           <a:prstGeom prst="rect">
             <a:avLst/>
@@ -7731,7 +7731,7 @@
         <p:spPr>
           <a:xfrm>
             <a:off x="831240" y="109440"/>
-            <a:ext cx="7379280" cy="539280"/>
+            <a:ext cx="7378920" cy="538920"/>
           </a:xfrm>
           <a:prstGeom prst="rect">
             <a:avLst/>
@@ -7776,7 +7776,7 @@
         <p:spPr>
           <a:xfrm>
             <a:off x="39240" y="822600"/>
-            <a:ext cx="9827280" cy="2339280"/>
+            <a:ext cx="9826920" cy="2338920"/>
           </a:xfrm>
           <a:prstGeom prst="rect">
             <a:avLst/>
@@ -7821,7 +7821,7 @@
         <p:spPr>
           <a:xfrm>
             <a:off x="39240" y="3335400"/>
-            <a:ext cx="9827280" cy="1619280"/>
+            <a:ext cx="9826920" cy="1618920"/>
           </a:xfrm>
           <a:prstGeom prst="rect">
             <a:avLst/>
@@ -7885,7 +7885,7 @@
         <p:spPr>
           <a:xfrm>
             <a:off x="9147240" y="109440"/>
-            <a:ext cx="719280" cy="539280"/>
+            <a:ext cx="718920" cy="538920"/>
           </a:xfrm>
           <a:prstGeom prst="rect">
             <a:avLst/>
@@ -7930,7 +7930,7 @@
         <p:spPr>
           <a:xfrm>
             <a:off x="8283240" y="109440"/>
-            <a:ext cx="791280" cy="539280"/>
+            <a:ext cx="790920" cy="538920"/>
           </a:xfrm>
           <a:prstGeom prst="rect">
             <a:avLst/>
@@ -7975,7 +7975,7 @@
         <p:spPr>
           <a:xfrm>
             <a:off x="39240" y="5128560"/>
-            <a:ext cx="9827280" cy="1619280"/>
+            <a:ext cx="9826920" cy="1618920"/>
           </a:xfrm>
           <a:prstGeom prst="rect">
             <a:avLst/>
@@ -8109,7 +8109,7 @@
         <p:spPr>
           <a:xfrm>
             <a:off x="39240" y="109440"/>
-            <a:ext cx="719280" cy="539280"/>
+            <a:ext cx="718920" cy="538920"/>
           </a:xfrm>
           <a:prstGeom prst="rect">
             <a:avLst/>
@@ -8154,7 +8154,7 @@
         <p:spPr>
           <a:xfrm>
             <a:off x="831240" y="109440"/>
-            <a:ext cx="7379280" cy="539280"/>
+            <a:ext cx="7378920" cy="538920"/>
           </a:xfrm>
           <a:prstGeom prst="rect">
             <a:avLst/>
@@ -8199,7 +8199,7 @@
         <p:spPr>
           <a:xfrm>
             <a:off x="39240" y="822600"/>
-            <a:ext cx="9827280" cy="2339280"/>
+            <a:ext cx="9826920" cy="2338920"/>
           </a:xfrm>
           <a:prstGeom prst="rect">
             <a:avLst/>
@@ -8244,7 +8244,7 @@
         <p:spPr>
           <a:xfrm>
             <a:off x="39240" y="3335400"/>
-            <a:ext cx="9827280" cy="1619280"/>
+            <a:ext cx="9826920" cy="1618920"/>
           </a:xfrm>
           <a:prstGeom prst="rect">
             <a:avLst/>
@@ -8308,7 +8308,7 @@
         <p:spPr>
           <a:xfrm>
             <a:off x="9147240" y="109440"/>
-            <a:ext cx="719280" cy="539280"/>
+            <a:ext cx="718920" cy="538920"/>
           </a:xfrm>
           <a:prstGeom prst="rect">
             <a:avLst/>
@@ -8353,7 +8353,7 @@
         <p:spPr>
           <a:xfrm>
             <a:off x="8283240" y="109440"/>
-            <a:ext cx="791280" cy="539280"/>
+            <a:ext cx="790920" cy="538920"/>
           </a:xfrm>
           <a:prstGeom prst="rect">
             <a:avLst/>
@@ -8398,7 +8398,7 @@
         <p:spPr>
           <a:xfrm>
             <a:off x="39240" y="5128560"/>
-            <a:ext cx="9827280" cy="1619280"/>
+            <a:ext cx="9826920" cy="1618920"/>
           </a:xfrm>
           <a:prstGeom prst="rect">
             <a:avLst/>
@@ -8532,7 +8532,7 @@
         <p:spPr>
           <a:xfrm>
             <a:off x="39240" y="109440"/>
-            <a:ext cx="719280" cy="539280"/>
+            <a:ext cx="718920" cy="538920"/>
           </a:xfrm>
           <a:prstGeom prst="rect">
             <a:avLst/>
@@ -8577,7 +8577,7 @@
         <p:spPr>
           <a:xfrm>
             <a:off x="831240" y="109440"/>
-            <a:ext cx="7379280" cy="539280"/>
+            <a:ext cx="7378920" cy="538920"/>
           </a:xfrm>
           <a:prstGeom prst="rect">
             <a:avLst/>
@@ -8622,7 +8622,7 @@
         <p:spPr>
           <a:xfrm>
             <a:off x="39240" y="822600"/>
-            <a:ext cx="9827280" cy="2339280"/>
+            <a:ext cx="9826920" cy="2338920"/>
           </a:xfrm>
           <a:prstGeom prst="rect">
             <a:avLst/>
@@ -8667,7 +8667,7 @@
         <p:spPr>
           <a:xfrm>
             <a:off x="39240" y="3335400"/>
-            <a:ext cx="9827280" cy="1619280"/>
+            <a:ext cx="9826920" cy="1618920"/>
           </a:xfrm>
           <a:prstGeom prst="rect">
             <a:avLst/>
@@ -8740,7 +8740,7 @@
         <p:spPr>
           <a:xfrm>
             <a:off x="9147240" y="109440"/>
-            <a:ext cx="719280" cy="539280"/>
+            <a:ext cx="718920" cy="538920"/>
           </a:xfrm>
           <a:prstGeom prst="rect">
             <a:avLst/>
@@ -8785,7 +8785,7 @@
         <p:spPr>
           <a:xfrm>
             <a:off x="8283240" y="109440"/>
-            <a:ext cx="791280" cy="539280"/>
+            <a:ext cx="790920" cy="538920"/>
           </a:xfrm>
           <a:prstGeom prst="rect">
             <a:avLst/>
@@ -8830,7 +8830,7 @@
         <p:spPr>
           <a:xfrm>
             <a:off x="39240" y="5128560"/>
-            <a:ext cx="9827280" cy="1619280"/>
+            <a:ext cx="9826920" cy="1618920"/>
           </a:xfrm>
           <a:prstGeom prst="rect">
             <a:avLst/>
@@ -8983,7 +8983,7 @@
         <p:spPr>
           <a:xfrm>
             <a:off x="39240" y="109440"/>
-            <a:ext cx="719280" cy="539280"/>
+            <a:ext cx="718920" cy="538920"/>
           </a:xfrm>
           <a:prstGeom prst="rect">
             <a:avLst/>
@@ -9028,7 +9028,7 @@
         <p:spPr>
           <a:xfrm>
             <a:off x="831240" y="109440"/>
-            <a:ext cx="7379280" cy="539280"/>
+            <a:ext cx="7378920" cy="538920"/>
           </a:xfrm>
           <a:prstGeom prst="rect">
             <a:avLst/>
@@ -9073,7 +9073,7 @@
         <p:spPr>
           <a:xfrm>
             <a:off x="39240" y="822600"/>
-            <a:ext cx="9827280" cy="2339280"/>
+            <a:ext cx="9826920" cy="2338920"/>
           </a:xfrm>
           <a:prstGeom prst="rect">
             <a:avLst/>
@@ -9118,7 +9118,7 @@
         <p:spPr>
           <a:xfrm>
             <a:off x="39240" y="3335400"/>
-            <a:ext cx="9827280" cy="1619280"/>
+            <a:ext cx="9826920" cy="1618920"/>
           </a:xfrm>
           <a:prstGeom prst="rect">
             <a:avLst/>
@@ -9191,7 +9191,7 @@
         <p:spPr>
           <a:xfrm>
             <a:off x="9147240" y="109440"/>
-            <a:ext cx="719280" cy="539280"/>
+            <a:ext cx="718920" cy="538920"/>
           </a:xfrm>
           <a:prstGeom prst="rect">
             <a:avLst/>
@@ -9236,7 +9236,7 @@
         <p:spPr>
           <a:xfrm>
             <a:off x="8283240" y="109440"/>
-            <a:ext cx="791280" cy="539280"/>
+            <a:ext cx="790920" cy="538920"/>
           </a:xfrm>
           <a:prstGeom prst="rect">
             <a:avLst/>
@@ -9281,7 +9281,7 @@
         <p:spPr>
           <a:xfrm>
             <a:off x="39240" y="5128560"/>
-            <a:ext cx="9827280" cy="1619280"/>
+            <a:ext cx="9826920" cy="1618920"/>
           </a:xfrm>
           <a:prstGeom prst="rect">
             <a:avLst/>
@@ -9462,7 +9462,7 @@
         <p:spPr>
           <a:xfrm>
             <a:off x="39240" y="109440"/>
-            <a:ext cx="719280" cy="539280"/>
+            <a:ext cx="718920" cy="538920"/>
           </a:xfrm>
           <a:prstGeom prst="rect">
             <a:avLst/>
@@ -9507,7 +9507,7 @@
         <p:spPr>
           <a:xfrm>
             <a:off x="831240" y="109440"/>
-            <a:ext cx="7379280" cy="539280"/>
+            <a:ext cx="7378920" cy="538920"/>
           </a:xfrm>
           <a:prstGeom prst="rect">
             <a:avLst/>
@@ -9552,7 +9552,7 @@
         <p:spPr>
           <a:xfrm>
             <a:off x="39240" y="822600"/>
-            <a:ext cx="9827280" cy="2339280"/>
+            <a:ext cx="9826920" cy="2338920"/>
           </a:xfrm>
           <a:prstGeom prst="rect">
             <a:avLst/>
@@ -9597,7 +9597,7 @@
         <p:spPr>
           <a:xfrm>
             <a:off x="39240" y="3335400"/>
-            <a:ext cx="9827280" cy="1619280"/>
+            <a:ext cx="9826920" cy="1618920"/>
           </a:xfrm>
           <a:prstGeom prst="rect">
             <a:avLst/>
@@ -9661,7 +9661,7 @@
         <p:spPr>
           <a:xfrm>
             <a:off x="9147240" y="109440"/>
-            <a:ext cx="719280" cy="539280"/>
+            <a:ext cx="718920" cy="538920"/>
           </a:xfrm>
           <a:prstGeom prst="rect">
             <a:avLst/>
@@ -9706,7 +9706,7 @@
         <p:spPr>
           <a:xfrm>
             <a:off x="8283240" y="109440"/>
-            <a:ext cx="791280" cy="539280"/>
+            <a:ext cx="790920" cy="538920"/>
           </a:xfrm>
           <a:prstGeom prst="rect">
             <a:avLst/>
@@ -9751,7 +9751,7 @@
         <p:spPr>
           <a:xfrm>
             <a:off x="39240" y="5128560"/>
-            <a:ext cx="9827280" cy="1619280"/>
+            <a:ext cx="9826920" cy="1618920"/>
           </a:xfrm>
           <a:prstGeom prst="rect">
             <a:avLst/>
@@ -9885,7 +9885,7 @@
         <p:spPr>
           <a:xfrm>
             <a:off x="39240" y="109440"/>
-            <a:ext cx="719280" cy="539280"/>
+            <a:ext cx="718920" cy="538920"/>
           </a:xfrm>
           <a:prstGeom prst="rect">
             <a:avLst/>
@@ -9930,7 +9930,7 @@
         <p:spPr>
           <a:xfrm>
             <a:off x="831240" y="109440"/>
-            <a:ext cx="7379280" cy="539280"/>
+            <a:ext cx="7378920" cy="538920"/>
           </a:xfrm>
           <a:prstGeom prst="rect">
             <a:avLst/>
@@ -9975,7 +9975,7 @@
         <p:spPr>
           <a:xfrm>
             <a:off x="39240" y="822600"/>
-            <a:ext cx="9827280" cy="2339280"/>
+            <a:ext cx="9826920" cy="2338920"/>
           </a:xfrm>
           <a:prstGeom prst="rect">
             <a:avLst/>
@@ -10020,7 +10020,7 @@
         <p:spPr>
           <a:xfrm>
             <a:off x="39240" y="3335400"/>
-            <a:ext cx="9827280" cy="1619280"/>
+            <a:ext cx="9826920" cy="1618920"/>
           </a:xfrm>
           <a:prstGeom prst="rect">
             <a:avLst/>
@@ -10084,7 +10084,7 @@
         <p:spPr>
           <a:xfrm>
             <a:off x="9147240" y="109440"/>
-            <a:ext cx="719280" cy="539280"/>
+            <a:ext cx="718920" cy="538920"/>
           </a:xfrm>
           <a:prstGeom prst="rect">
             <a:avLst/>
@@ -10129,7 +10129,7 @@
         <p:spPr>
           <a:xfrm>
             <a:off x="8283240" y="109440"/>
-            <a:ext cx="791280" cy="539280"/>
+            <a:ext cx="790920" cy="538920"/>
           </a:xfrm>
           <a:prstGeom prst="rect">
             <a:avLst/>
@@ -10174,7 +10174,7 @@
         <p:spPr>
           <a:xfrm>
             <a:off x="39240" y="5128560"/>
-            <a:ext cx="9827280" cy="1619280"/>
+            <a:ext cx="9826920" cy="1618920"/>
           </a:xfrm>
           <a:prstGeom prst="rect">
             <a:avLst/>
@@ -10298,7 +10298,7 @@
         <p:spPr>
           <a:xfrm>
             <a:off x="39240" y="109440"/>
-            <a:ext cx="719280" cy="539280"/>
+            <a:ext cx="718920" cy="538920"/>
           </a:xfrm>
           <a:prstGeom prst="rect">
             <a:avLst/>
@@ -10343,7 +10343,7 @@
         <p:spPr>
           <a:xfrm>
             <a:off x="831240" y="109440"/>
-            <a:ext cx="7379280" cy="539280"/>
+            <a:ext cx="7378920" cy="538920"/>
           </a:xfrm>
           <a:prstGeom prst="rect">
             <a:avLst/>
@@ -10388,7 +10388,7 @@
         <p:spPr>
           <a:xfrm>
             <a:off x="39240" y="822600"/>
-            <a:ext cx="9827280" cy="2339280"/>
+            <a:ext cx="9826920" cy="2338920"/>
           </a:xfrm>
           <a:prstGeom prst="rect">
             <a:avLst/>
@@ -10433,7 +10433,7 @@
         <p:spPr>
           <a:xfrm>
             <a:off x="39240" y="3335400"/>
-            <a:ext cx="9827280" cy="1619280"/>
+            <a:ext cx="9826920" cy="1618920"/>
           </a:xfrm>
           <a:prstGeom prst="rect">
             <a:avLst/>
@@ -10497,7 +10497,7 @@
         <p:spPr>
           <a:xfrm>
             <a:off x="9147240" y="109440"/>
-            <a:ext cx="719280" cy="539280"/>
+            <a:ext cx="718920" cy="538920"/>
           </a:xfrm>
           <a:prstGeom prst="rect">
             <a:avLst/>
@@ -10542,7 +10542,7 @@
         <p:spPr>
           <a:xfrm>
             <a:off x="8283240" y="109440"/>
-            <a:ext cx="791280" cy="539280"/>
+            <a:ext cx="790920" cy="538920"/>
           </a:xfrm>
           <a:prstGeom prst="rect">
             <a:avLst/>
@@ -10587,7 +10587,7 @@
         <p:spPr>
           <a:xfrm>
             <a:off x="39240" y="5128560"/>
-            <a:ext cx="9827280" cy="1619280"/>
+            <a:ext cx="9826920" cy="1618920"/>
           </a:xfrm>
           <a:prstGeom prst="rect">
             <a:avLst/>
@@ -10702,7 +10702,7 @@
         <p:spPr>
           <a:xfrm>
             <a:off x="39240" y="109440"/>
-            <a:ext cx="719280" cy="539280"/>
+            <a:ext cx="718920" cy="538920"/>
           </a:xfrm>
           <a:prstGeom prst="rect">
             <a:avLst/>
@@ -10747,7 +10747,7 @@
         <p:spPr>
           <a:xfrm>
             <a:off x="831240" y="109440"/>
-            <a:ext cx="7379280" cy="539280"/>
+            <a:ext cx="7378920" cy="538920"/>
           </a:xfrm>
           <a:prstGeom prst="rect">
             <a:avLst/>
@@ -10792,7 +10792,7 @@
         <p:spPr>
           <a:xfrm>
             <a:off x="39240" y="822600"/>
-            <a:ext cx="9827280" cy="2339280"/>
+            <a:ext cx="9826920" cy="2338920"/>
           </a:xfrm>
           <a:prstGeom prst="rect">
             <a:avLst/>
@@ -10837,7 +10837,7 @@
         <p:spPr>
           <a:xfrm>
             <a:off x="39240" y="3335400"/>
-            <a:ext cx="9827280" cy="1619280"/>
+            <a:ext cx="9826920" cy="1618920"/>
           </a:xfrm>
           <a:prstGeom prst="rect">
             <a:avLst/>
@@ -10910,7 +10910,7 @@
         <p:spPr>
           <a:xfrm>
             <a:off x="9147240" y="109440"/>
-            <a:ext cx="719280" cy="539280"/>
+            <a:ext cx="718920" cy="538920"/>
           </a:xfrm>
           <a:prstGeom prst="rect">
             <a:avLst/>
@@ -10955,7 +10955,7 @@
         <p:spPr>
           <a:xfrm>
             <a:off x="8283240" y="109440"/>
-            <a:ext cx="791280" cy="539280"/>
+            <a:ext cx="790920" cy="538920"/>
           </a:xfrm>
           <a:prstGeom prst="rect">
             <a:avLst/>
@@ -11000,7 +11000,7 @@
         <p:spPr>
           <a:xfrm>
             <a:off x="39240" y="5128560"/>
-            <a:ext cx="9827280" cy="1619280"/>
+            <a:ext cx="9826920" cy="1618920"/>
           </a:xfrm>
           <a:prstGeom prst="rect">
             <a:avLst/>
@@ -11086,7 +11086,7 @@
         <p:spPr>
           <a:xfrm>
             <a:off x="39240" y="109440"/>
-            <a:ext cx="719280" cy="539280"/>
+            <a:ext cx="718920" cy="538920"/>
           </a:xfrm>
           <a:prstGeom prst="rect">
             <a:avLst/>
@@ -11131,7 +11131,7 @@
         <p:spPr>
           <a:xfrm>
             <a:off x="831240" y="109440"/>
-            <a:ext cx="7379280" cy="539280"/>
+            <a:ext cx="7378920" cy="538920"/>
           </a:xfrm>
           <a:prstGeom prst="rect">
             <a:avLst/>
@@ -11176,7 +11176,7 @@
         <p:spPr>
           <a:xfrm>
             <a:off x="39240" y="822600"/>
-            <a:ext cx="9827280" cy="2339280"/>
+            <a:ext cx="9826920" cy="2338920"/>
           </a:xfrm>
           <a:prstGeom prst="rect">
             <a:avLst/>
@@ -11221,7 +11221,7 @@
         <p:spPr>
           <a:xfrm>
             <a:off x="39240" y="3335400"/>
-            <a:ext cx="9827280" cy="1619280"/>
+            <a:ext cx="9826920" cy="1618920"/>
           </a:xfrm>
           <a:prstGeom prst="rect">
             <a:avLst/>
@@ -11285,7 +11285,7 @@
         <p:spPr>
           <a:xfrm>
             <a:off x="9147240" y="109440"/>
-            <a:ext cx="719280" cy="539280"/>
+            <a:ext cx="718920" cy="538920"/>
           </a:xfrm>
           <a:prstGeom prst="rect">
             <a:avLst/>
@@ -11330,7 +11330,7 @@
         <p:spPr>
           <a:xfrm>
             <a:off x="8283240" y="109440"/>
-            <a:ext cx="791280" cy="539280"/>
+            <a:ext cx="790920" cy="538920"/>
           </a:xfrm>
           <a:prstGeom prst="rect">
             <a:avLst/>
@@ -11375,7 +11375,7 @@
         <p:spPr>
           <a:xfrm>
             <a:off x="39240" y="5128560"/>
-            <a:ext cx="9827280" cy="1619280"/>
+            <a:ext cx="9826920" cy="1618920"/>
           </a:xfrm>
           <a:prstGeom prst="rect">
             <a:avLst/>
@@ -11479,7 +11479,7 @@
         <p:spPr>
           <a:xfrm>
             <a:off x="39240" y="109440"/>
-            <a:ext cx="719280" cy="539280"/>
+            <a:ext cx="718920" cy="538920"/>
           </a:xfrm>
           <a:prstGeom prst="rect">
             <a:avLst/>
@@ -11524,7 +11524,7 @@
         <p:spPr>
           <a:xfrm>
             <a:off x="831240" y="109440"/>
-            <a:ext cx="7379280" cy="539280"/>
+            <a:ext cx="7378920" cy="538920"/>
           </a:xfrm>
           <a:prstGeom prst="rect">
             <a:avLst/>
@@ -11569,7 +11569,7 @@
         <p:spPr>
           <a:xfrm>
             <a:off x="39240" y="822600"/>
-            <a:ext cx="9827280" cy="2339280"/>
+            <a:ext cx="9826920" cy="2338920"/>
           </a:xfrm>
           <a:prstGeom prst="rect">
             <a:avLst/>
@@ -11614,7 +11614,7 @@
         <p:spPr>
           <a:xfrm>
             <a:off x="39240" y="3335400"/>
-            <a:ext cx="9827280" cy="1619280"/>
+            <a:ext cx="9826920" cy="1618920"/>
           </a:xfrm>
           <a:prstGeom prst="rect">
             <a:avLst/>
@@ -11667,7 +11667,7 @@
         <p:spPr>
           <a:xfrm>
             <a:off x="9147240" y="109440"/>
-            <a:ext cx="719280" cy="539280"/>
+            <a:ext cx="718920" cy="538920"/>
           </a:xfrm>
           <a:prstGeom prst="rect">
             <a:avLst/>
@@ -11712,7 +11712,7 @@
         <p:spPr>
           <a:xfrm>
             <a:off x="8283240" y="109440"/>
-            <a:ext cx="791280" cy="539280"/>
+            <a:ext cx="790920" cy="538920"/>
           </a:xfrm>
           <a:prstGeom prst="rect">
             <a:avLst/>
@@ -11757,7 +11757,7 @@
         <p:spPr>
           <a:xfrm>
             <a:off x="39240" y="5128560"/>
-            <a:ext cx="9827280" cy="1619280"/>
+            <a:ext cx="9826920" cy="1618920"/>
           </a:xfrm>
           <a:prstGeom prst="rect">
             <a:avLst/>
@@ -11872,7 +11872,7 @@
         <p:spPr>
           <a:xfrm>
             <a:off x="39240" y="109440"/>
-            <a:ext cx="719280" cy="539280"/>
+            <a:ext cx="718920" cy="538920"/>
           </a:xfrm>
           <a:prstGeom prst="rect">
             <a:avLst/>
@@ -11917,7 +11917,7 @@
         <p:spPr>
           <a:xfrm>
             <a:off x="831240" y="109440"/>
-            <a:ext cx="7379280" cy="539280"/>
+            <a:ext cx="7378920" cy="538920"/>
           </a:xfrm>
           <a:prstGeom prst="rect">
             <a:avLst/>
@@ -11962,7 +11962,7 @@
         <p:spPr>
           <a:xfrm>
             <a:off x="39240" y="822600"/>
-            <a:ext cx="9827280" cy="2339280"/>
+            <a:ext cx="9826920" cy="2338920"/>
           </a:xfrm>
           <a:prstGeom prst="rect">
             <a:avLst/>
@@ -12007,7 +12007,7 @@
         <p:spPr>
           <a:xfrm>
             <a:off x="39240" y="3335400"/>
-            <a:ext cx="9827280" cy="1619280"/>
+            <a:ext cx="9826920" cy="1618920"/>
           </a:xfrm>
           <a:prstGeom prst="rect">
             <a:avLst/>
@@ -12071,7 +12071,7 @@
         <p:spPr>
           <a:xfrm>
             <a:off x="9147240" y="109440"/>
-            <a:ext cx="719280" cy="539280"/>
+            <a:ext cx="718920" cy="538920"/>
           </a:xfrm>
           <a:prstGeom prst="rect">
             <a:avLst/>
@@ -12116,7 +12116,7 @@
         <p:spPr>
           <a:xfrm>
             <a:off x="8283240" y="109440"/>
-            <a:ext cx="791280" cy="539280"/>
+            <a:ext cx="790920" cy="538920"/>
           </a:xfrm>
           <a:prstGeom prst="rect">
             <a:avLst/>
@@ -12161,7 +12161,7 @@
         <p:spPr>
           <a:xfrm>
             <a:off x="39240" y="5128560"/>
-            <a:ext cx="9827280" cy="1619280"/>
+            <a:ext cx="9826920" cy="1618920"/>
           </a:xfrm>
           <a:prstGeom prst="rect">
             <a:avLst/>
@@ -12295,7 +12295,7 @@
         <p:spPr>
           <a:xfrm>
             <a:off x="39240" y="109440"/>
-            <a:ext cx="719280" cy="539280"/>
+            <a:ext cx="718920" cy="538920"/>
           </a:xfrm>
           <a:prstGeom prst="rect">
             <a:avLst/>
@@ -12340,7 +12340,7 @@
         <p:spPr>
           <a:xfrm>
             <a:off x="831240" y="109440"/>
-            <a:ext cx="7379280" cy="539280"/>
+            <a:ext cx="7378920" cy="538920"/>
           </a:xfrm>
           <a:prstGeom prst="rect">
             <a:avLst/>
@@ -12385,7 +12385,7 @@
         <p:spPr>
           <a:xfrm>
             <a:off x="39240" y="822600"/>
-            <a:ext cx="9827280" cy="2339280"/>
+            <a:ext cx="9826920" cy="2338920"/>
           </a:xfrm>
           <a:prstGeom prst="rect">
             <a:avLst/>
@@ -12430,7 +12430,7 @@
         <p:spPr>
           <a:xfrm>
             <a:off x="39240" y="3335400"/>
-            <a:ext cx="9827280" cy="1619280"/>
+            <a:ext cx="9826920" cy="1618920"/>
           </a:xfrm>
           <a:prstGeom prst="rect">
             <a:avLst/>
@@ -12494,7 +12494,7 @@
         <p:spPr>
           <a:xfrm>
             <a:off x="9147240" y="109440"/>
-            <a:ext cx="719280" cy="539280"/>
+            <a:ext cx="718920" cy="538920"/>
           </a:xfrm>
           <a:prstGeom prst="rect">
             <a:avLst/>
@@ -12539,7 +12539,7 @@
         <p:spPr>
           <a:xfrm>
             <a:off x="8283240" y="109440"/>
-            <a:ext cx="791280" cy="539280"/>
+            <a:ext cx="790920" cy="538920"/>
           </a:xfrm>
           <a:prstGeom prst="rect">
             <a:avLst/>
@@ -12584,7 +12584,7 @@
         <p:spPr>
           <a:xfrm>
             <a:off x="39240" y="5128560"/>
-            <a:ext cx="9827280" cy="1619280"/>
+            <a:ext cx="9826920" cy="1618920"/>
           </a:xfrm>
           <a:prstGeom prst="rect">
             <a:avLst/>
@@ -12718,7 +12718,7 @@
         <p:spPr>
           <a:xfrm>
             <a:off x="39240" y="109440"/>
-            <a:ext cx="719280" cy="539280"/>
+            <a:ext cx="718920" cy="538920"/>
           </a:xfrm>
           <a:prstGeom prst="rect">
             <a:avLst/>
@@ -12763,7 +12763,7 @@
         <p:spPr>
           <a:xfrm>
             <a:off x="831240" y="109440"/>
-            <a:ext cx="7379280" cy="539280"/>
+            <a:ext cx="7378920" cy="538920"/>
           </a:xfrm>
           <a:prstGeom prst="rect">
             <a:avLst/>
@@ -12808,7 +12808,7 @@
         <p:spPr>
           <a:xfrm>
             <a:off x="39240" y="822600"/>
-            <a:ext cx="9827280" cy="2339280"/>
+            <a:ext cx="9826920" cy="2338920"/>
           </a:xfrm>
           <a:prstGeom prst="rect">
             <a:avLst/>
@@ -12853,7 +12853,7 @@
         <p:spPr>
           <a:xfrm>
             <a:off x="39240" y="3335400"/>
-            <a:ext cx="9827280" cy="1619280"/>
+            <a:ext cx="9826920" cy="1618920"/>
           </a:xfrm>
           <a:prstGeom prst="rect">
             <a:avLst/>
@@ -12917,7 +12917,7 @@
         <p:spPr>
           <a:xfrm>
             <a:off x="9147240" y="109440"/>
-            <a:ext cx="719280" cy="539280"/>
+            <a:ext cx="718920" cy="538920"/>
           </a:xfrm>
           <a:prstGeom prst="rect">
             <a:avLst/>
@@ -12962,7 +12962,7 @@
         <p:spPr>
           <a:xfrm>
             <a:off x="8283240" y="109440"/>
-            <a:ext cx="791280" cy="539280"/>
+            <a:ext cx="790920" cy="538920"/>
           </a:xfrm>
           <a:prstGeom prst="rect">
             <a:avLst/>
@@ -13007,7 +13007,7 @@
         <p:spPr>
           <a:xfrm>
             <a:off x="39240" y="5128560"/>
-            <a:ext cx="9827280" cy="1619280"/>
+            <a:ext cx="9826920" cy="1618920"/>
           </a:xfrm>
           <a:prstGeom prst="rect">
             <a:avLst/>
@@ -13122,7 +13122,7 @@
         <p:spPr>
           <a:xfrm>
             <a:off x="39240" y="109440"/>
-            <a:ext cx="719280" cy="539280"/>
+            <a:ext cx="718920" cy="538920"/>
           </a:xfrm>
           <a:prstGeom prst="rect">
             <a:avLst/>
@@ -13167,7 +13167,7 @@
         <p:spPr>
           <a:xfrm>
             <a:off x="831240" y="109440"/>
-            <a:ext cx="7379280" cy="539280"/>
+            <a:ext cx="7378920" cy="538920"/>
           </a:xfrm>
           <a:prstGeom prst="rect">
             <a:avLst/>
@@ -13212,7 +13212,7 @@
         <p:spPr>
           <a:xfrm>
             <a:off x="39240" y="822600"/>
-            <a:ext cx="9827280" cy="2339280"/>
+            <a:ext cx="9826920" cy="2338920"/>
           </a:xfrm>
           <a:prstGeom prst="rect">
             <a:avLst/>
@@ -13257,7 +13257,7 @@
         <p:spPr>
           <a:xfrm>
             <a:off x="39240" y="3335400"/>
-            <a:ext cx="9827280" cy="1619280"/>
+            <a:ext cx="9826920" cy="1618920"/>
           </a:xfrm>
           <a:prstGeom prst="rect">
             <a:avLst/>
@@ -13321,7 +13321,7 @@
         <p:spPr>
           <a:xfrm>
             <a:off x="9147240" y="109440"/>
-            <a:ext cx="719280" cy="539280"/>
+            <a:ext cx="718920" cy="538920"/>
           </a:xfrm>
           <a:prstGeom prst="rect">
             <a:avLst/>
@@ -13366,7 +13366,7 @@
         <p:spPr>
           <a:xfrm>
             <a:off x="8283240" y="109440"/>
-            <a:ext cx="791280" cy="539280"/>
+            <a:ext cx="790920" cy="538920"/>
           </a:xfrm>
           <a:prstGeom prst="rect">
             <a:avLst/>
@@ -13411,7 +13411,7 @@
         <p:spPr>
           <a:xfrm>
             <a:off x="39240" y="5128560"/>
-            <a:ext cx="9827280" cy="1619280"/>
+            <a:ext cx="9826920" cy="1618920"/>
           </a:xfrm>
           <a:prstGeom prst="rect">
             <a:avLst/>
@@ -13526,7 +13526,7 @@
         <p:spPr>
           <a:xfrm>
             <a:off x="39240" y="109440"/>
-            <a:ext cx="719280" cy="539280"/>
+            <a:ext cx="718920" cy="538920"/>
           </a:xfrm>
           <a:prstGeom prst="rect">
             <a:avLst/>
@@ -13571,7 +13571,7 @@
         <p:spPr>
           <a:xfrm>
             <a:off x="831240" y="109440"/>
-            <a:ext cx="7379280" cy="539280"/>
+            <a:ext cx="7378920" cy="538920"/>
           </a:xfrm>
           <a:prstGeom prst="rect">
             <a:avLst/>
@@ -13616,7 +13616,7 @@
         <p:spPr>
           <a:xfrm>
             <a:off x="39240" y="822600"/>
-            <a:ext cx="9827280" cy="2339280"/>
+            <a:ext cx="9826920" cy="2338920"/>
           </a:xfrm>
           <a:prstGeom prst="rect">
             <a:avLst/>
@@ -13661,7 +13661,7 @@
         <p:spPr>
           <a:xfrm>
             <a:off x="39240" y="3335400"/>
-            <a:ext cx="9827280" cy="1619280"/>
+            <a:ext cx="9826920" cy="1618920"/>
           </a:xfrm>
           <a:prstGeom prst="rect">
             <a:avLst/>
@@ -13725,7 +13725,7 @@
         <p:spPr>
           <a:xfrm>
             <a:off x="9147240" y="109440"/>
-            <a:ext cx="719280" cy="539280"/>
+            <a:ext cx="718920" cy="538920"/>
           </a:xfrm>
           <a:prstGeom prst="rect">
             <a:avLst/>
@@ -13770,7 +13770,7 @@
         <p:spPr>
           <a:xfrm>
             <a:off x="8283240" y="109440"/>
-            <a:ext cx="791280" cy="539280"/>
+            <a:ext cx="790920" cy="538920"/>
           </a:xfrm>
           <a:prstGeom prst="rect">
             <a:avLst/>
@@ -13815,7 +13815,7 @@
         <p:spPr>
           <a:xfrm>
             <a:off x="39240" y="5128560"/>
-            <a:ext cx="9827280" cy="1619280"/>
+            <a:ext cx="9826920" cy="1618920"/>
           </a:xfrm>
           <a:prstGeom prst="rect">
             <a:avLst/>
@@ -13865,6 +13865,44 @@
                 <a:latin typeface="Calibri"/>
               </a:rPr>
               <a:t>Required before UI elements have been created.</a:t>
+            </a:r>
+            <a:endParaRPr/>
+          </a:p>
+          <a:p>
+            <a:pPr>
+              <a:lnSpc>
+                <a:spcPct val="100000"/>
+              </a:lnSpc>
+              <a:buFont typeface="Arial"/>
+              <a:buChar char="•"/>
+            </a:pPr>
+            <a:r>
+              <a:rPr lang="en-AU" sz="2000">
+                <a:solidFill>
+                  <a:srgbClr val="000000"/>
+                </a:solidFill>
+                <a:latin typeface="Calibri"/>
+              </a:rPr>
+              <a:t>Wizard Style Interface desired (noted on 29/9)</a:t>
+            </a:r>
+            <a:endParaRPr/>
+          </a:p>
+          <a:p>
+            <a:pPr>
+              <a:lnSpc>
+                <a:spcPct val="100000"/>
+              </a:lnSpc>
+              <a:buFont typeface="Arial"/>
+              <a:buChar char="•"/>
+            </a:pPr>
+            <a:r>
+              <a:rPr lang="en-AU" sz="2000">
+                <a:solidFill>
+                  <a:srgbClr val="000000"/>
+                </a:solidFill>
+                <a:latin typeface="Calibri"/>
+              </a:rPr>
+              <a:t>Wizard requires bread-crumb system as well (noted on 5/9)</a:t>
             </a:r>
             <a:endParaRPr/>
           </a:p>
@@ -13930,7 +13968,7 @@
         <p:spPr>
           <a:xfrm>
             <a:off x="39240" y="109440"/>
-            <a:ext cx="719280" cy="539280"/>
+            <a:ext cx="718920" cy="538920"/>
           </a:xfrm>
           <a:prstGeom prst="rect">
             <a:avLst/>
@@ -13975,7 +14013,7 @@
         <p:spPr>
           <a:xfrm>
             <a:off x="831240" y="109440"/>
-            <a:ext cx="7379280" cy="539280"/>
+            <a:ext cx="7378920" cy="538920"/>
           </a:xfrm>
           <a:prstGeom prst="rect">
             <a:avLst/>
@@ -14020,7 +14058,7 @@
         <p:spPr>
           <a:xfrm>
             <a:off x="39240" y="822600"/>
-            <a:ext cx="9827280" cy="2339280"/>
+            <a:ext cx="9826920" cy="2338920"/>
           </a:xfrm>
           <a:prstGeom prst="rect">
             <a:avLst/>
@@ -14065,7 +14103,7 @@
         <p:spPr>
           <a:xfrm>
             <a:off x="39240" y="3335400"/>
-            <a:ext cx="9827280" cy="1619280"/>
+            <a:ext cx="9826920" cy="1618920"/>
           </a:xfrm>
           <a:prstGeom prst="rect">
             <a:avLst/>
@@ -14138,7 +14176,7 @@
         <p:spPr>
           <a:xfrm>
             <a:off x="9147240" y="109440"/>
-            <a:ext cx="719280" cy="539280"/>
+            <a:ext cx="718920" cy="538920"/>
           </a:xfrm>
           <a:prstGeom prst="rect">
             <a:avLst/>
@@ -14183,7 +14221,7 @@
         <p:spPr>
           <a:xfrm>
             <a:off x="8283240" y="109440"/>
-            <a:ext cx="791280" cy="539280"/>
+            <a:ext cx="790920" cy="538920"/>
           </a:xfrm>
           <a:prstGeom prst="rect">
             <a:avLst/>
@@ -14228,7 +14266,7 @@
         <p:spPr>
           <a:xfrm>
             <a:off x="39240" y="5128560"/>
-            <a:ext cx="9827280" cy="1619280"/>
+            <a:ext cx="9826920" cy="1618920"/>
           </a:xfrm>
           <a:prstGeom prst="rect">
             <a:avLst/>
@@ -14323,7 +14361,7 @@
         <p:spPr>
           <a:xfrm>
             <a:off x="39240" y="109440"/>
-            <a:ext cx="719280" cy="539280"/>
+            <a:ext cx="718920" cy="538920"/>
           </a:xfrm>
           <a:prstGeom prst="rect">
             <a:avLst/>
@@ -14368,7 +14406,7 @@
         <p:spPr>
           <a:xfrm>
             <a:off x="831240" y="109440"/>
-            <a:ext cx="7379280" cy="539280"/>
+            <a:ext cx="7378920" cy="538920"/>
           </a:xfrm>
           <a:prstGeom prst="rect">
             <a:avLst/>
@@ -14413,7 +14451,7 @@
         <p:spPr>
           <a:xfrm>
             <a:off x="39240" y="822600"/>
-            <a:ext cx="9827280" cy="2339280"/>
+            <a:ext cx="9826920" cy="2338920"/>
           </a:xfrm>
           <a:prstGeom prst="rect">
             <a:avLst/>
@@ -14458,7 +14496,7 @@
         <p:spPr>
           <a:xfrm>
             <a:off x="39240" y="3335400"/>
-            <a:ext cx="9827280" cy="1619280"/>
+            <a:ext cx="9826920" cy="1618920"/>
           </a:xfrm>
           <a:prstGeom prst="rect">
             <a:avLst/>
@@ -14531,7 +14569,7 @@
         <p:spPr>
           <a:xfrm>
             <a:off x="9147240" y="109440"/>
-            <a:ext cx="719280" cy="539280"/>
+            <a:ext cx="718920" cy="538920"/>
           </a:xfrm>
           <a:prstGeom prst="rect">
             <a:avLst/>
@@ -14576,7 +14614,7 @@
         <p:spPr>
           <a:xfrm>
             <a:off x="8283240" y="109440"/>
-            <a:ext cx="791280" cy="539280"/>
+            <a:ext cx="790920" cy="538920"/>
           </a:xfrm>
           <a:prstGeom prst="rect">
             <a:avLst/>
@@ -14621,7 +14659,7 @@
         <p:spPr>
           <a:xfrm>
             <a:off x="39240" y="5128560"/>
-            <a:ext cx="9827280" cy="1619280"/>
+            <a:ext cx="9826920" cy="1618920"/>
           </a:xfrm>
           <a:prstGeom prst="rect">
             <a:avLst/>
@@ -14716,7 +14754,7 @@
         <p:spPr>
           <a:xfrm>
             <a:off x="39240" y="109440"/>
-            <a:ext cx="719280" cy="539280"/>
+            <a:ext cx="718920" cy="538920"/>
           </a:xfrm>
           <a:prstGeom prst="rect">
             <a:avLst/>
@@ -14761,7 +14799,7 @@
         <p:spPr>
           <a:xfrm>
             <a:off x="831240" y="109440"/>
-            <a:ext cx="7379280" cy="539280"/>
+            <a:ext cx="7378920" cy="538920"/>
           </a:xfrm>
           <a:prstGeom prst="rect">
             <a:avLst/>
@@ -14806,7 +14844,7 @@
         <p:spPr>
           <a:xfrm>
             <a:off x="39240" y="822600"/>
-            <a:ext cx="9827280" cy="2339280"/>
+            <a:ext cx="9826920" cy="2338920"/>
           </a:xfrm>
           <a:prstGeom prst="rect">
             <a:avLst/>
@@ -14851,7 +14889,7 @@
         <p:spPr>
           <a:xfrm>
             <a:off x="39240" y="3335400"/>
-            <a:ext cx="9827280" cy="1619280"/>
+            <a:ext cx="9826920" cy="1618920"/>
           </a:xfrm>
           <a:prstGeom prst="rect">
             <a:avLst/>
@@ -14924,7 +14962,7 @@
         <p:spPr>
           <a:xfrm>
             <a:off x="9147240" y="109440"/>
-            <a:ext cx="719280" cy="539280"/>
+            <a:ext cx="718920" cy="538920"/>
           </a:xfrm>
           <a:prstGeom prst="rect">
             <a:avLst/>
@@ -14969,7 +15007,7 @@
         <p:spPr>
           <a:xfrm>
             <a:off x="8283240" y="109440"/>
-            <a:ext cx="791280" cy="539280"/>
+            <a:ext cx="790920" cy="538920"/>
           </a:xfrm>
           <a:prstGeom prst="rect">
             <a:avLst/>
@@ -15014,7 +15052,7 @@
         <p:spPr>
           <a:xfrm>
             <a:off x="39240" y="5128560"/>
-            <a:ext cx="9827280" cy="1619280"/>
+            <a:ext cx="9826920" cy="1618920"/>
           </a:xfrm>
           <a:prstGeom prst="rect">
             <a:avLst/>
@@ -15157,7 +15195,7 @@
         <p:spPr>
           <a:xfrm>
             <a:off x="39240" y="109440"/>
-            <a:ext cx="719280" cy="539280"/>
+            <a:ext cx="718920" cy="538920"/>
           </a:xfrm>
           <a:prstGeom prst="rect">
             <a:avLst/>
@@ -15202,7 +15240,7 @@
         <p:spPr>
           <a:xfrm>
             <a:off x="831240" y="109440"/>
-            <a:ext cx="7379280" cy="539280"/>
+            <a:ext cx="7378920" cy="538920"/>
           </a:xfrm>
           <a:prstGeom prst="rect">
             <a:avLst/>
@@ -15247,7 +15285,7 @@
         <p:spPr>
           <a:xfrm>
             <a:off x="39240" y="822600"/>
-            <a:ext cx="9827280" cy="2339280"/>
+            <a:ext cx="9826920" cy="2338920"/>
           </a:xfrm>
           <a:prstGeom prst="rect">
             <a:avLst/>
@@ -15292,7 +15330,7 @@
         <p:spPr>
           <a:xfrm>
             <a:off x="39240" y="3335400"/>
-            <a:ext cx="9827280" cy="1619280"/>
+            <a:ext cx="9826920" cy="1618920"/>
           </a:xfrm>
           <a:prstGeom prst="rect">
             <a:avLst/>
@@ -15356,7 +15394,7 @@
         <p:spPr>
           <a:xfrm>
             <a:off x="9147240" y="109440"/>
-            <a:ext cx="719280" cy="539280"/>
+            <a:ext cx="718920" cy="538920"/>
           </a:xfrm>
           <a:prstGeom prst="rect">
             <a:avLst/>
@@ -15401,7 +15439,7 @@
         <p:spPr>
           <a:xfrm>
             <a:off x="8283240" y="109440"/>
-            <a:ext cx="791280" cy="539280"/>
+            <a:ext cx="790920" cy="538920"/>
           </a:xfrm>
           <a:prstGeom prst="rect">
             <a:avLst/>
@@ -15446,7 +15484,7 @@
         <p:spPr>
           <a:xfrm>
             <a:off x="39240" y="5128560"/>
-            <a:ext cx="9827280" cy="1619280"/>
+            <a:ext cx="9826920" cy="1618920"/>
           </a:xfrm>
           <a:prstGeom prst="rect">
             <a:avLst/>
@@ -15532,7 +15570,7 @@
         <p:spPr>
           <a:xfrm>
             <a:off x="39240" y="109440"/>
-            <a:ext cx="719280" cy="539280"/>
+            <a:ext cx="718920" cy="538920"/>
           </a:xfrm>
           <a:prstGeom prst="rect">
             <a:avLst/>
@@ -15577,7 +15615,7 @@
         <p:spPr>
           <a:xfrm>
             <a:off x="831240" y="109440"/>
-            <a:ext cx="7379280" cy="539280"/>
+            <a:ext cx="7378920" cy="538920"/>
           </a:xfrm>
           <a:prstGeom prst="rect">
             <a:avLst/>
@@ -15622,7 +15660,7 @@
         <p:spPr>
           <a:xfrm>
             <a:off x="39240" y="822600"/>
-            <a:ext cx="9827280" cy="2339280"/>
+            <a:ext cx="9826920" cy="2338920"/>
           </a:xfrm>
           <a:prstGeom prst="rect">
             <a:avLst/>
@@ -15667,7 +15705,7 @@
         <p:spPr>
           <a:xfrm>
             <a:off x="39240" y="3335400"/>
-            <a:ext cx="9827280" cy="1619280"/>
+            <a:ext cx="9826920" cy="1618920"/>
           </a:xfrm>
           <a:prstGeom prst="rect">
             <a:avLst/>
@@ -15731,7 +15769,7 @@
         <p:spPr>
           <a:xfrm>
             <a:off x="9147240" y="109440"/>
-            <a:ext cx="719280" cy="539280"/>
+            <a:ext cx="718920" cy="538920"/>
           </a:xfrm>
           <a:prstGeom prst="rect">
             <a:avLst/>
@@ -15776,7 +15814,7 @@
         <p:spPr>
           <a:xfrm>
             <a:off x="8283240" y="109440"/>
-            <a:ext cx="791280" cy="539280"/>
+            <a:ext cx="790920" cy="538920"/>
           </a:xfrm>
           <a:prstGeom prst="rect">
             <a:avLst/>
@@ -15821,7 +15859,7 @@
         <p:spPr>
           <a:xfrm>
             <a:off x="39240" y="5128560"/>
-            <a:ext cx="9827280" cy="1619280"/>
+            <a:ext cx="9826920" cy="1618920"/>
           </a:xfrm>
           <a:prstGeom prst="rect">
             <a:avLst/>
@@ -15955,7 +15993,7 @@
         <p:spPr>
           <a:xfrm>
             <a:off x="39240" y="109440"/>
-            <a:ext cx="719280" cy="539280"/>
+            <a:ext cx="718920" cy="538920"/>
           </a:xfrm>
           <a:prstGeom prst="rect">
             <a:avLst/>
@@ -16000,7 +16038,7 @@
         <p:spPr>
           <a:xfrm>
             <a:off x="831240" y="109440"/>
-            <a:ext cx="7379280" cy="539280"/>
+            <a:ext cx="7378920" cy="538920"/>
           </a:xfrm>
           <a:prstGeom prst="rect">
             <a:avLst/>
@@ -16045,7 +16083,7 @@
         <p:spPr>
           <a:xfrm>
             <a:off x="39240" y="822600"/>
-            <a:ext cx="9827280" cy="2339280"/>
+            <a:ext cx="9826920" cy="2338920"/>
           </a:xfrm>
           <a:prstGeom prst="rect">
             <a:avLst/>
@@ -16090,7 +16128,7 @@
         <p:spPr>
           <a:xfrm>
             <a:off x="39240" y="3335400"/>
-            <a:ext cx="9827280" cy="1619280"/>
+            <a:ext cx="9826920" cy="1618920"/>
           </a:xfrm>
           <a:prstGeom prst="rect">
             <a:avLst/>
@@ -16163,7 +16201,7 @@
         <p:spPr>
           <a:xfrm>
             <a:off x="9147240" y="109440"/>
-            <a:ext cx="719280" cy="539280"/>
+            <a:ext cx="718920" cy="538920"/>
           </a:xfrm>
           <a:prstGeom prst="rect">
             <a:avLst/>
@@ -16208,7 +16246,7 @@
         <p:spPr>
           <a:xfrm>
             <a:off x="8283240" y="109440"/>
-            <a:ext cx="791280" cy="539280"/>
+            <a:ext cx="790920" cy="538920"/>
           </a:xfrm>
           <a:prstGeom prst="rect">
             <a:avLst/>
@@ -16253,7 +16291,7 @@
         <p:spPr>
           <a:xfrm>
             <a:off x="39240" y="5128560"/>
-            <a:ext cx="9827280" cy="1619280"/>
+            <a:ext cx="9826920" cy="1618920"/>
           </a:xfrm>
           <a:prstGeom prst="rect">
             <a:avLst/>
